--- a/436 - Deliverable 1 .pptx
+++ b/436 - Deliverable 1 .pptx
@@ -1,40 +1,50 @@
 
 <file path=ppt/presentation.xml><?xml version="1.0" encoding="utf-8"?>
-<p:presentation xmlns:a="http://schemas.openxmlformats.org/drawingml/2006/main" xmlns:r="http://schemas.openxmlformats.org/officeDocument/2006/relationships" xmlns:mc="http://schemas.openxmlformats.org/markup-compatibility/2006" xmlns:mv="urn:schemas-microsoft-com:mac:vml" xmlns:p="http://schemas.openxmlformats.org/presentationml/2006/main" xmlns:c="http://schemas.openxmlformats.org/drawingml/2006/chart" xmlns:dgm="http://schemas.openxmlformats.org/drawingml/2006/diagram" xmlns:o="urn:schemas-microsoft-com:office:office" xmlns:v="urn:schemas-microsoft-com:vml" xmlns:pvml="urn:schemas-microsoft-com:office:powerpoint" xmlns:com="http://schemas.openxmlformats.org/drawingml/2006/compatibility" xmlns:p14="http://schemas.microsoft.com/office/powerpoint/2010/main" xmlns:p15="http://schemas.microsoft.com/office/powerpoint/2012/main" autoCompressPictures="0" embedTrueTypeFonts="1" strictFirstAndLastChars="0" saveSubsetFonts="1">
+<p:presentation xmlns:a="http://schemas.openxmlformats.org/drawingml/2006/main" xmlns:r="http://schemas.openxmlformats.org/officeDocument/2006/relationships" xmlns:p="http://schemas.openxmlformats.org/presentationml/2006/main" strictFirstAndLastChars="0" embedTrueTypeFonts="1" saveSubsetFonts="1" autoCompressPictures="0">
   <p:sldMasterIdLst>
-    <p:sldMasterId id="2147483659" r:id="rId4"/>
+    <p:sldMasterId id="2147483659" r:id="rId1"/>
   </p:sldMasterIdLst>
   <p:notesMasterIdLst>
-    <p:notesMasterId r:id="rId5"/>
+    <p:notesMasterId r:id="rId12"/>
   </p:notesMasterIdLst>
   <p:sldIdLst>
-    <p:sldId id="256" r:id="rId6"/>
-    <p:sldId id="257" r:id="rId7"/>
-    <p:sldId id="258" r:id="rId8"/>
-    <p:sldId id="259" r:id="rId9"/>
-    <p:sldId id="260" r:id="rId10"/>
-    <p:sldId id="261" r:id="rId11"/>
-    <p:sldId id="262" r:id="rId12"/>
-    <p:sldId id="263" r:id="rId13"/>
-    <p:sldId id="264" r:id="rId14"/>
-    <p:sldId id="265" r:id="rId15"/>
+    <p:sldId id="256" r:id="rId2"/>
+    <p:sldId id="257" r:id="rId3"/>
+    <p:sldId id="258" r:id="rId4"/>
+    <p:sldId id="259" r:id="rId5"/>
+    <p:sldId id="260" r:id="rId6"/>
+    <p:sldId id="261" r:id="rId7"/>
+    <p:sldId id="262" r:id="rId8"/>
+    <p:sldId id="263" r:id="rId9"/>
+    <p:sldId id="264" r:id="rId10"/>
+    <p:sldId id="265" r:id="rId11"/>
   </p:sldIdLst>
-  <p:sldSz cy="5143500" cx="9144000"/>
+  <p:sldSz cx="9144000" cy="5143500" type="screen16x9"/>
   <p:notesSz cx="6858000" cy="9144000"/>
   <p:embeddedFontLst>
     <p:embeddedFont>
-      <p:font typeface="Source Code Pro"/>
-      <p:regular r:id="rId16"/>
-      <p:bold r:id="rId17"/>
+      <p:font typeface="Microsoft YaHei" panose="020B0503020204020204" pitchFamily="34" charset="-122"/>
+      <p:regular r:id="rId13"/>
+      <p:bold r:id="rId14"/>
+    </p:embeddedFont>
+    <p:embeddedFont>
+      <p:font typeface="Source Code Pro" panose="020B0604020202020204" charset="0"/>
+      <p:regular r:id="rId15"/>
+      <p:bold r:id="rId16"/>
     </p:embeddedFont>
     <p:embeddedFont>
       <p:font typeface="Oswald"/>
-      <p:regular r:id="rId18"/>
-      <p:bold r:id="rId19"/>
+      <p:regular r:id="rId17"/>
+      <p:bold r:id="rId18"/>
+    </p:embeddedFont>
+    <p:embeddedFont>
+      <p:font typeface="Microsoft YaHei UI" panose="020B0503020204020204" pitchFamily="34" charset="-122"/>
+      <p:regular r:id="rId19"/>
+      <p:bold r:id="rId20"/>
     </p:embeddedFont>
   </p:embeddedFontLst>
   <p:defaultTextStyle>
-    <a:defPPr lvl="0" marR="0" rtl="0" algn="l">
+    <a:defPPr marR="0" lvl="0" algn="l" rtl="0">
       <a:lnSpc>
         <a:spcPct val="100000"/>
       </a:lnSpc>
@@ -45,7 +55,7 @@
         <a:spcPts val="0"/>
       </a:spcAft>
     </a:defPPr>
-    <a:lvl1pPr lvl="0" marR="0" rtl="0" algn="l">
+    <a:lvl1pPr marR="0" lvl="0" algn="l" rtl="0">
       <a:lnSpc>
         <a:spcPct val="100000"/>
       </a:lnSpc>
@@ -59,7 +69,7 @@
         <a:srgbClr val="000000"/>
       </a:buClr>
       <a:buFont typeface="Arial"/>
-      <a:defRPr b="0" i="0" sz="1400" u="none" cap="none" strike="noStrike">
+      <a:defRPr sz="1400" b="0" i="0" u="none" strike="noStrike" cap="none">
         <a:solidFill>
           <a:srgbClr val="000000"/>
         </a:solidFill>
@@ -69,7 +79,7 @@
         <a:sym typeface="Arial"/>
       </a:defRPr>
     </a:lvl1pPr>
-    <a:lvl2pPr lvl="1" marR="0" rtl="0" algn="l">
+    <a:lvl2pPr marR="0" lvl="1" algn="l" rtl="0">
       <a:lnSpc>
         <a:spcPct val="100000"/>
       </a:lnSpc>
@@ -83,7 +93,7 @@
         <a:srgbClr val="000000"/>
       </a:buClr>
       <a:buFont typeface="Arial"/>
-      <a:defRPr b="0" i="0" sz="1400" u="none" cap="none" strike="noStrike">
+      <a:defRPr sz="1400" b="0" i="0" u="none" strike="noStrike" cap="none">
         <a:solidFill>
           <a:srgbClr val="000000"/>
         </a:solidFill>
@@ -93,7 +103,7 @@
         <a:sym typeface="Arial"/>
       </a:defRPr>
     </a:lvl2pPr>
-    <a:lvl3pPr lvl="2" marR="0" rtl="0" algn="l">
+    <a:lvl3pPr marR="0" lvl="2" algn="l" rtl="0">
       <a:lnSpc>
         <a:spcPct val="100000"/>
       </a:lnSpc>
@@ -107,7 +117,7 @@
         <a:srgbClr val="000000"/>
       </a:buClr>
       <a:buFont typeface="Arial"/>
-      <a:defRPr b="0" i="0" sz="1400" u="none" cap="none" strike="noStrike">
+      <a:defRPr sz="1400" b="0" i="0" u="none" strike="noStrike" cap="none">
         <a:solidFill>
           <a:srgbClr val="000000"/>
         </a:solidFill>
@@ -117,7 +127,7 @@
         <a:sym typeface="Arial"/>
       </a:defRPr>
     </a:lvl3pPr>
-    <a:lvl4pPr lvl="3" marR="0" rtl="0" algn="l">
+    <a:lvl4pPr marR="0" lvl="3" algn="l" rtl="0">
       <a:lnSpc>
         <a:spcPct val="100000"/>
       </a:lnSpc>
@@ -131,7 +141,7 @@
         <a:srgbClr val="000000"/>
       </a:buClr>
       <a:buFont typeface="Arial"/>
-      <a:defRPr b="0" i="0" sz="1400" u="none" cap="none" strike="noStrike">
+      <a:defRPr sz="1400" b="0" i="0" u="none" strike="noStrike" cap="none">
         <a:solidFill>
           <a:srgbClr val="000000"/>
         </a:solidFill>
@@ -141,7 +151,7 @@
         <a:sym typeface="Arial"/>
       </a:defRPr>
     </a:lvl4pPr>
-    <a:lvl5pPr lvl="4" marR="0" rtl="0" algn="l">
+    <a:lvl5pPr marR="0" lvl="4" algn="l" rtl="0">
       <a:lnSpc>
         <a:spcPct val="100000"/>
       </a:lnSpc>
@@ -155,7 +165,7 @@
         <a:srgbClr val="000000"/>
       </a:buClr>
       <a:buFont typeface="Arial"/>
-      <a:defRPr b="0" i="0" sz="1400" u="none" cap="none" strike="noStrike">
+      <a:defRPr sz="1400" b="0" i="0" u="none" strike="noStrike" cap="none">
         <a:solidFill>
           <a:srgbClr val="000000"/>
         </a:solidFill>
@@ -165,7 +175,7 @@
         <a:sym typeface="Arial"/>
       </a:defRPr>
     </a:lvl5pPr>
-    <a:lvl6pPr lvl="5" marR="0" rtl="0" algn="l">
+    <a:lvl6pPr marR="0" lvl="5" algn="l" rtl="0">
       <a:lnSpc>
         <a:spcPct val="100000"/>
       </a:lnSpc>
@@ -179,7 +189,7 @@
         <a:srgbClr val="000000"/>
       </a:buClr>
       <a:buFont typeface="Arial"/>
-      <a:defRPr b="0" i="0" sz="1400" u="none" cap="none" strike="noStrike">
+      <a:defRPr sz="1400" b="0" i="0" u="none" strike="noStrike" cap="none">
         <a:solidFill>
           <a:srgbClr val="000000"/>
         </a:solidFill>
@@ -189,7 +199,7 @@
         <a:sym typeface="Arial"/>
       </a:defRPr>
     </a:lvl6pPr>
-    <a:lvl7pPr lvl="6" marR="0" rtl="0" algn="l">
+    <a:lvl7pPr marR="0" lvl="6" algn="l" rtl="0">
       <a:lnSpc>
         <a:spcPct val="100000"/>
       </a:lnSpc>
@@ -203,7 +213,7 @@
         <a:srgbClr val="000000"/>
       </a:buClr>
       <a:buFont typeface="Arial"/>
-      <a:defRPr b="0" i="0" sz="1400" u="none" cap="none" strike="noStrike">
+      <a:defRPr sz="1400" b="0" i="0" u="none" strike="noStrike" cap="none">
         <a:solidFill>
           <a:srgbClr val="000000"/>
         </a:solidFill>
@@ -213,7 +223,7 @@
         <a:sym typeface="Arial"/>
       </a:defRPr>
     </a:lvl7pPr>
-    <a:lvl8pPr lvl="7" marR="0" rtl="0" algn="l">
+    <a:lvl8pPr marR="0" lvl="7" algn="l" rtl="0">
       <a:lnSpc>
         <a:spcPct val="100000"/>
       </a:lnSpc>
@@ -227,7 +237,7 @@
         <a:srgbClr val="000000"/>
       </a:buClr>
       <a:buFont typeface="Arial"/>
-      <a:defRPr b="0" i="0" sz="1400" u="none" cap="none" strike="noStrike">
+      <a:defRPr sz="1400" b="0" i="0" u="none" strike="noStrike" cap="none">
         <a:solidFill>
           <a:srgbClr val="000000"/>
         </a:solidFill>
@@ -237,7 +247,7 @@
         <a:sym typeface="Arial"/>
       </a:defRPr>
     </a:lvl8pPr>
-    <a:lvl9pPr lvl="8" marR="0" rtl="0" algn="l">
+    <a:lvl9pPr marR="0" lvl="8" algn="l" rtl="0">
       <a:lnSpc>
         <a:spcPct val="100000"/>
       </a:lnSpc>
@@ -251,7 +261,7 @@
         <a:srgbClr val="000000"/>
       </a:buClr>
       <a:buFont typeface="Arial"/>
-      <a:defRPr b="0" i="0" sz="1400" u="none" cap="none" strike="noStrike">
+      <a:defRPr sz="1400" b="0" i="0" u="none" strike="noStrike" cap="none">
         <a:solidFill>
           <a:srgbClr val="000000"/>
         </a:solidFill>
@@ -265,12 +275,21 @@
 </p:presentation>
 </file>
 
+<file path=ppt/revisionInfo.xml><?xml version="1.0" encoding="utf-8"?>
+<p1510:revInfo xmlns:a="http://schemas.openxmlformats.org/drawingml/2006/main" xmlns:r="http://schemas.openxmlformats.org/officeDocument/2006/relationships" xmlns:p1510="http://schemas.microsoft.com/office/powerpoint/2015/10/main"/>
+</file>
+
 <file path=ppt/notesMasters/notesMaster1.xml><?xml version="1.0" encoding="utf-8"?>
-<p:notesMaster xmlns:a="http://schemas.openxmlformats.org/drawingml/2006/main" xmlns:r="http://schemas.openxmlformats.org/officeDocument/2006/relationships" xmlns:mc="http://schemas.openxmlformats.org/markup-compatibility/2006" xmlns:mv="urn:schemas-microsoft-com:mac:vml" xmlns:p="http://schemas.openxmlformats.org/presentationml/2006/main" xmlns:c="http://schemas.openxmlformats.org/drawingml/2006/chart" xmlns:dgm="http://schemas.openxmlformats.org/drawingml/2006/diagram" xmlns:o="urn:schemas-microsoft-com:office:office" xmlns:v="urn:schemas-microsoft-com:vml" xmlns:pvml="urn:schemas-microsoft-com:office:powerpoint" xmlns:com="http://schemas.openxmlformats.org/drawingml/2006/compatibility" xmlns:p14="http://schemas.microsoft.com/office/powerpoint/2010/main" xmlns:p15="http://schemas.microsoft.com/office/powerpoint/2012/main">
+<p:notesMaster xmlns:a="http://schemas.openxmlformats.org/drawingml/2006/main" xmlns:r="http://schemas.openxmlformats.org/officeDocument/2006/relationships" xmlns:p="http://schemas.openxmlformats.org/presentationml/2006/main">
   <p:cSld>
+    <p:bg>
+      <p:bgRef idx="1001">
+        <a:schemeClr val="bg1"/>
+      </p:bgRef>
+    </p:bg>
     <p:spTree>
       <p:nvGrpSpPr>
-        <p:cNvPr id="2" name="Shape 2"/>
+        <p:cNvPr id="1" name="Shape 2"/>
         <p:cNvGrpSpPr/>
         <p:nvPr/>
       </p:nvGrpSpPr>
@@ -285,9 +304,11 @@
       <p:sp>
         <p:nvSpPr>
           <p:cNvPr id="3" name="Shape 3"/>
-          <p:cNvSpPr/>
+          <p:cNvSpPr>
+            <a:spLocks noGrp="1" noRot="1" noChangeAspect="1"/>
+          </p:cNvSpPr>
           <p:nvPr>
-            <p:ph idx="2" type="sldImg"/>
+            <p:ph type="sldImg" idx="2"/>
           </p:nvPr>
         </p:nvSpPr>
         <p:spPr>
@@ -296,8 +317,13 @@
             <a:ext cx="6096075" cy="3429000"/>
           </a:xfrm>
           <a:custGeom>
+            <a:avLst/>
+            <a:gdLst/>
+            <a:ahLst/>
+            <a:cxnLst/>
+            <a:rect l="0" t="0" r="0" b="0"/>
             <a:pathLst>
-              <a:path extrusionOk="0" h="120000" w="120000">
+              <a:path w="120000" h="120000" extrusionOk="0">
                 <a:moveTo>
                   <a:pt x="0" y="0"/>
                 </a:moveTo>
@@ -315,23 +341,25 @@
             </a:pathLst>
           </a:custGeom>
           <a:noFill/>
-          <a:ln cap="flat" cmpd="sng" w="9525">
+          <a:ln w="9525" cap="flat" cmpd="sng">
             <a:solidFill>
               <a:srgbClr val="000000"/>
             </a:solidFill>
             <a:prstDash val="solid"/>
             <a:round/>
-            <a:headEnd len="sm" w="sm" type="none"/>
-            <a:tailEnd len="sm" w="sm" type="none"/>
+            <a:headEnd type="none" w="sm" len="sm"/>
+            <a:tailEnd type="none" w="sm" len="sm"/>
           </a:ln>
         </p:spPr>
       </p:sp>
       <p:sp>
         <p:nvSpPr>
           <p:cNvPr id="4" name="Shape 4"/>
-          <p:cNvSpPr txBox="1"/>
+          <p:cNvSpPr txBox="1">
+            <a:spLocks noGrp="1"/>
+          </p:cNvSpPr>
           <p:nvPr>
-            <p:ph idx="1" type="body"/>
+            <p:ph type="body" idx="1"/>
           </p:nvPr>
         </p:nvSpPr>
         <p:spPr>
@@ -348,9 +376,9 @@
           </a:ln>
         </p:spPr>
         <p:txBody>
-          <a:bodyPr anchorCtr="0" anchor="t" bIns="91425" lIns="91425" spcFirstLastPara="1" rIns="91425" wrap="square" tIns="91425"/>
+          <a:bodyPr spcFirstLastPara="1" wrap="square" lIns="91425" tIns="91425" rIns="91425" bIns="91425" anchor="t" anchorCtr="0"/>
           <a:lstStyle>
-            <a:lvl1pPr indent="-298450" lvl="0" marL="457200">
+            <a:lvl1pPr marL="457200" lvl="0" indent="-298450">
               <a:spcBef>
                 <a:spcPts val="0"/>
               </a:spcBef>
@@ -361,7 +389,7 @@
               <a:buChar char="●"/>
               <a:defRPr sz="1100"/>
             </a:lvl1pPr>
-            <a:lvl2pPr indent="-298450" lvl="1" marL="914400">
+            <a:lvl2pPr marL="914400" lvl="1" indent="-298450">
               <a:spcBef>
                 <a:spcPts val="0"/>
               </a:spcBef>
@@ -372,7 +400,7 @@
               <a:buChar char="○"/>
               <a:defRPr sz="1100"/>
             </a:lvl2pPr>
-            <a:lvl3pPr indent="-298450" lvl="2" marL="1371600">
+            <a:lvl3pPr marL="1371600" lvl="2" indent="-298450">
               <a:spcBef>
                 <a:spcPts val="0"/>
               </a:spcBef>
@@ -383,7 +411,7 @@
               <a:buChar char="■"/>
               <a:defRPr sz="1100"/>
             </a:lvl3pPr>
-            <a:lvl4pPr indent="-298450" lvl="3" marL="1828800">
+            <a:lvl4pPr marL="1828800" lvl="3" indent="-298450">
               <a:spcBef>
                 <a:spcPts val="0"/>
               </a:spcBef>
@@ -394,7 +422,7 @@
               <a:buChar char="●"/>
               <a:defRPr sz="1100"/>
             </a:lvl4pPr>
-            <a:lvl5pPr indent="-298450" lvl="4" marL="2286000">
+            <a:lvl5pPr marL="2286000" lvl="4" indent="-298450">
               <a:spcBef>
                 <a:spcPts val="0"/>
               </a:spcBef>
@@ -405,7 +433,7 @@
               <a:buChar char="○"/>
               <a:defRPr sz="1100"/>
             </a:lvl5pPr>
-            <a:lvl6pPr indent="-298450" lvl="5" marL="2743200">
+            <a:lvl6pPr marL="2743200" lvl="5" indent="-298450">
               <a:spcBef>
                 <a:spcPts val="0"/>
               </a:spcBef>
@@ -416,7 +444,7 @@
               <a:buChar char="■"/>
               <a:defRPr sz="1100"/>
             </a:lvl6pPr>
-            <a:lvl7pPr indent="-298450" lvl="6" marL="3200400">
+            <a:lvl7pPr marL="3200400" lvl="6" indent="-298450">
               <a:spcBef>
                 <a:spcPts val="0"/>
               </a:spcBef>
@@ -427,7 +455,7 @@
               <a:buChar char="●"/>
               <a:defRPr sz="1100"/>
             </a:lvl7pPr>
-            <a:lvl8pPr indent="-298450" lvl="7" marL="3657600">
+            <a:lvl8pPr marL="3657600" lvl="7" indent="-298450">
               <a:spcBef>
                 <a:spcPts val="0"/>
               </a:spcBef>
@@ -438,7 +466,7 @@
               <a:buChar char="○"/>
               <a:defRPr sz="1100"/>
             </a:lvl8pPr>
-            <a:lvl9pPr indent="-298450" lvl="8" marL="4114800">
+            <a:lvl9pPr marL="4114800" lvl="8" indent="-298450">
               <a:spcBef>
                 <a:spcPts val="0"/>
               </a:spcBef>
@@ -450,14 +478,16 @@
               <a:defRPr sz="1100"/>
             </a:lvl9pPr>
           </a:lstStyle>
-          <a:p/>
+          <a:p>
+            <a:endParaRPr/>
+          </a:p>
         </p:txBody>
       </p:sp>
     </p:spTree>
   </p:cSld>
-  <p:clrMap accent1="accent1" accent2="accent2" accent3="accent3" accent4="accent4" accent5="accent5" accent6="accent6" bg1="lt1" bg2="dk2" tx1="dk1" tx2="lt2" folHlink="folHlink" hlink="hlink"/>
+  <p:clrMap bg1="lt1" tx1="dk1" bg2="dk2" tx2="lt2" accent1="accent1" accent2="accent2" accent3="accent3" accent4="accent4" accent5="accent5" accent6="accent6" hlink="hlink" folHlink="folHlink"/>
   <p:notesStyle>
-    <a:defPPr lvl="0" marR="0" rtl="0" algn="l">
+    <a:defPPr marR="0" lvl="0" algn="l" rtl="0">
       <a:lnSpc>
         <a:spcPct val="100000"/>
       </a:lnSpc>
@@ -468,7 +498,7 @@
         <a:spcPts val="0"/>
       </a:spcAft>
     </a:defPPr>
-    <a:lvl1pPr lvl="0" marR="0" rtl="0" algn="l">
+    <a:lvl1pPr marR="0" lvl="0" algn="l" rtl="0">
       <a:lnSpc>
         <a:spcPct val="100000"/>
       </a:lnSpc>
@@ -482,7 +512,7 @@
         <a:srgbClr val="000000"/>
       </a:buClr>
       <a:buFont typeface="Arial"/>
-      <a:defRPr b="0" i="0" sz="1400" u="none" cap="none" strike="noStrike">
+      <a:defRPr sz="1400" b="0" i="0" u="none" strike="noStrike" cap="none">
         <a:solidFill>
           <a:srgbClr val="000000"/>
         </a:solidFill>
@@ -492,7 +522,7 @@
         <a:sym typeface="Arial"/>
       </a:defRPr>
     </a:lvl1pPr>
-    <a:lvl2pPr lvl="1" marR="0" rtl="0" algn="l">
+    <a:lvl2pPr marR="0" lvl="1" algn="l" rtl="0">
       <a:lnSpc>
         <a:spcPct val="100000"/>
       </a:lnSpc>
@@ -506,7 +536,7 @@
         <a:srgbClr val="000000"/>
       </a:buClr>
       <a:buFont typeface="Arial"/>
-      <a:defRPr b="0" i="0" sz="1400" u="none" cap="none" strike="noStrike">
+      <a:defRPr sz="1400" b="0" i="0" u="none" strike="noStrike" cap="none">
         <a:solidFill>
           <a:srgbClr val="000000"/>
         </a:solidFill>
@@ -516,7 +546,7 @@
         <a:sym typeface="Arial"/>
       </a:defRPr>
     </a:lvl2pPr>
-    <a:lvl3pPr lvl="2" marR="0" rtl="0" algn="l">
+    <a:lvl3pPr marR="0" lvl="2" algn="l" rtl="0">
       <a:lnSpc>
         <a:spcPct val="100000"/>
       </a:lnSpc>
@@ -530,7 +560,7 @@
         <a:srgbClr val="000000"/>
       </a:buClr>
       <a:buFont typeface="Arial"/>
-      <a:defRPr b="0" i="0" sz="1400" u="none" cap="none" strike="noStrike">
+      <a:defRPr sz="1400" b="0" i="0" u="none" strike="noStrike" cap="none">
         <a:solidFill>
           <a:srgbClr val="000000"/>
         </a:solidFill>
@@ -540,7 +570,7 @@
         <a:sym typeface="Arial"/>
       </a:defRPr>
     </a:lvl3pPr>
-    <a:lvl4pPr lvl="3" marR="0" rtl="0" algn="l">
+    <a:lvl4pPr marR="0" lvl="3" algn="l" rtl="0">
       <a:lnSpc>
         <a:spcPct val="100000"/>
       </a:lnSpc>
@@ -554,7 +584,7 @@
         <a:srgbClr val="000000"/>
       </a:buClr>
       <a:buFont typeface="Arial"/>
-      <a:defRPr b="0" i="0" sz="1400" u="none" cap="none" strike="noStrike">
+      <a:defRPr sz="1400" b="0" i="0" u="none" strike="noStrike" cap="none">
         <a:solidFill>
           <a:srgbClr val="000000"/>
         </a:solidFill>
@@ -564,7 +594,7 @@
         <a:sym typeface="Arial"/>
       </a:defRPr>
     </a:lvl4pPr>
-    <a:lvl5pPr lvl="4" marR="0" rtl="0" algn="l">
+    <a:lvl5pPr marR="0" lvl="4" algn="l" rtl="0">
       <a:lnSpc>
         <a:spcPct val="100000"/>
       </a:lnSpc>
@@ -578,7 +608,7 @@
         <a:srgbClr val="000000"/>
       </a:buClr>
       <a:buFont typeface="Arial"/>
-      <a:defRPr b="0" i="0" sz="1400" u="none" cap="none" strike="noStrike">
+      <a:defRPr sz="1400" b="0" i="0" u="none" strike="noStrike" cap="none">
         <a:solidFill>
           <a:srgbClr val="000000"/>
         </a:solidFill>
@@ -588,7 +618,7 @@
         <a:sym typeface="Arial"/>
       </a:defRPr>
     </a:lvl5pPr>
-    <a:lvl6pPr lvl="5" marR="0" rtl="0" algn="l">
+    <a:lvl6pPr marR="0" lvl="5" algn="l" rtl="0">
       <a:lnSpc>
         <a:spcPct val="100000"/>
       </a:lnSpc>
@@ -602,7 +632,7 @@
         <a:srgbClr val="000000"/>
       </a:buClr>
       <a:buFont typeface="Arial"/>
-      <a:defRPr b="0" i="0" sz="1400" u="none" cap="none" strike="noStrike">
+      <a:defRPr sz="1400" b="0" i="0" u="none" strike="noStrike" cap="none">
         <a:solidFill>
           <a:srgbClr val="000000"/>
         </a:solidFill>
@@ -612,7 +642,7 @@
         <a:sym typeface="Arial"/>
       </a:defRPr>
     </a:lvl6pPr>
-    <a:lvl7pPr lvl="6" marR="0" rtl="0" algn="l">
+    <a:lvl7pPr marR="0" lvl="6" algn="l" rtl="0">
       <a:lnSpc>
         <a:spcPct val="100000"/>
       </a:lnSpc>
@@ -626,7 +656,7 @@
         <a:srgbClr val="000000"/>
       </a:buClr>
       <a:buFont typeface="Arial"/>
-      <a:defRPr b="0" i="0" sz="1400" u="none" cap="none" strike="noStrike">
+      <a:defRPr sz="1400" b="0" i="0" u="none" strike="noStrike" cap="none">
         <a:solidFill>
           <a:srgbClr val="000000"/>
         </a:solidFill>
@@ -636,7 +666,7 @@
         <a:sym typeface="Arial"/>
       </a:defRPr>
     </a:lvl7pPr>
-    <a:lvl8pPr lvl="7" marR="0" rtl="0" algn="l">
+    <a:lvl8pPr marR="0" lvl="7" algn="l" rtl="0">
       <a:lnSpc>
         <a:spcPct val="100000"/>
       </a:lnSpc>
@@ -650,7 +680,7 @@
         <a:srgbClr val="000000"/>
       </a:buClr>
       <a:buFont typeface="Arial"/>
-      <a:defRPr b="0" i="0" sz="1400" u="none" cap="none" strike="noStrike">
+      <a:defRPr sz="1400" b="0" i="0" u="none" strike="noStrike" cap="none">
         <a:solidFill>
           <a:srgbClr val="000000"/>
         </a:solidFill>
@@ -660,7 +690,7 @@
         <a:sym typeface="Arial"/>
       </a:defRPr>
     </a:lvl8pPr>
-    <a:lvl9pPr lvl="8" marR="0" rtl="0" algn="l">
+    <a:lvl9pPr marR="0" lvl="8" algn="l" rtl="0">
       <a:lnSpc>
         <a:spcPct val="100000"/>
       </a:lnSpc>
@@ -674,7 +704,7 @@
         <a:srgbClr val="000000"/>
       </a:buClr>
       <a:buFont typeface="Arial"/>
-      <a:defRPr b="0" i="0" sz="1400" u="none" cap="none" strike="noStrike">
+      <a:defRPr sz="1400" b="0" i="0" u="none" strike="noStrike" cap="none">
         <a:solidFill>
           <a:srgbClr val="000000"/>
         </a:solidFill>
@@ -689,11 +719,11 @@
 </file>
 
 <file path=ppt/notesSlides/notesSlide1.xml><?xml version="1.0" encoding="utf-8"?>
-<p:notes xmlns:a="http://schemas.openxmlformats.org/drawingml/2006/main" xmlns:r="http://schemas.openxmlformats.org/officeDocument/2006/relationships" xmlns:mc="http://schemas.openxmlformats.org/markup-compatibility/2006" xmlns:mv="urn:schemas-microsoft-com:mac:vml" xmlns:p="http://schemas.openxmlformats.org/presentationml/2006/main" xmlns:c="http://schemas.openxmlformats.org/drawingml/2006/chart" xmlns:dgm="http://schemas.openxmlformats.org/drawingml/2006/diagram" xmlns:o="urn:schemas-microsoft-com:office:office" xmlns:v="urn:schemas-microsoft-com:vml" xmlns:pvml="urn:schemas-microsoft-com:office:powerpoint" xmlns:com="http://schemas.openxmlformats.org/drawingml/2006/compatibility" xmlns:p14="http://schemas.microsoft.com/office/powerpoint/2010/main" xmlns:p15="http://schemas.microsoft.com/office/powerpoint/2012/main" showMasterPhAnim="0" showMasterSp="0">
+<p:notes xmlns:a="http://schemas.openxmlformats.org/drawingml/2006/main" xmlns:r="http://schemas.openxmlformats.org/officeDocument/2006/relationships" xmlns:p="http://schemas.openxmlformats.org/presentationml/2006/main" showMasterSp="0" showMasterPhAnim="0">
   <p:cSld>
     <p:spTree>
       <p:nvGrpSpPr>
-        <p:cNvPr id="58" name="Shape 58"/>
+        <p:cNvPr id="1" name="Shape 58"/>
         <p:cNvGrpSpPr/>
         <p:nvPr/>
       </p:nvGrpSpPr>
@@ -708,19 +738,26 @@
       <p:sp>
         <p:nvSpPr>
           <p:cNvPr id="59" name="Shape 59"/>
-          <p:cNvSpPr/>
+          <p:cNvSpPr>
+            <a:spLocks noGrp="1" noRot="1" noChangeAspect="1"/>
+          </p:cNvSpPr>
           <p:nvPr>
-            <p:ph idx="2" type="sldImg"/>
+            <p:ph type="sldImg" idx="2"/>
           </p:nvPr>
         </p:nvSpPr>
         <p:spPr>
           <a:xfrm>
-            <a:off x="381300" y="685800"/>
-            <a:ext cx="6096075" cy="3429000"/>
+            <a:off x="381000" y="685800"/>
+            <a:ext cx="6096000" cy="3429000"/>
           </a:xfrm>
           <a:custGeom>
+            <a:avLst/>
+            <a:gdLst/>
+            <a:ahLst/>
+            <a:cxnLst/>
+            <a:rect l="0" t="0" r="0" b="0"/>
             <a:pathLst>
-              <a:path extrusionOk="0" h="120000" w="120000">
+              <a:path w="120000" h="120000" extrusionOk="0">
                 <a:moveTo>
                   <a:pt x="0" y="0"/>
                 </a:moveTo>
@@ -742,9 +779,11 @@
       <p:sp>
         <p:nvSpPr>
           <p:cNvPr id="60" name="Shape 60"/>
-          <p:cNvSpPr txBox="1"/>
+          <p:cNvSpPr txBox="1">
+            <a:spLocks noGrp="1"/>
+          </p:cNvSpPr>
           <p:nvPr>
-            <p:ph idx="1" type="body"/>
+            <p:ph type="body" idx="1"/>
           </p:nvPr>
         </p:nvSpPr>
         <p:spPr>
@@ -757,12 +796,12 @@
           </a:prstGeom>
         </p:spPr>
         <p:txBody>
-          <a:bodyPr anchorCtr="0" anchor="t" bIns="91425" lIns="91425" spcFirstLastPara="1" rIns="91425" wrap="square" tIns="91425">
+          <a:bodyPr spcFirstLastPara="1" wrap="square" lIns="91425" tIns="91425" rIns="91425" bIns="91425" anchor="t" anchorCtr="0">
             <a:noAutofit/>
           </a:bodyPr>
           <a:lstStyle/>
           <a:p>
-            <a:pPr indent="0" lvl="0" marL="0">
+            <a:pPr marL="0" lvl="0" indent="0">
               <a:spcBef>
                 <a:spcPts val="0"/>
               </a:spcBef>
@@ -771,9 +810,6 @@
               </a:spcAft>
               <a:buNone/>
             </a:pPr>
-            <a:r>
-              <a:t/>
-            </a:r>
             <a:endParaRPr/>
           </a:p>
         </p:txBody>
@@ -787,11 +823,11 @@
 </file>
 
 <file path=ppt/notesSlides/notesSlide10.xml><?xml version="1.0" encoding="utf-8"?>
-<p:notes xmlns:a="http://schemas.openxmlformats.org/drawingml/2006/main" xmlns:r="http://schemas.openxmlformats.org/officeDocument/2006/relationships" xmlns:mc="http://schemas.openxmlformats.org/markup-compatibility/2006" xmlns:mv="urn:schemas-microsoft-com:mac:vml" xmlns:p="http://schemas.openxmlformats.org/presentationml/2006/main" xmlns:c="http://schemas.openxmlformats.org/drawingml/2006/chart" xmlns:dgm="http://schemas.openxmlformats.org/drawingml/2006/diagram" xmlns:o="urn:schemas-microsoft-com:office:office" xmlns:v="urn:schemas-microsoft-com:vml" xmlns:pvml="urn:schemas-microsoft-com:office:powerpoint" xmlns:com="http://schemas.openxmlformats.org/drawingml/2006/compatibility" xmlns:p14="http://schemas.microsoft.com/office/powerpoint/2010/main" xmlns:p15="http://schemas.microsoft.com/office/powerpoint/2012/main" showMasterPhAnim="0" showMasterSp="0">
+<p:notes xmlns:a="http://schemas.openxmlformats.org/drawingml/2006/main" xmlns:r="http://schemas.openxmlformats.org/officeDocument/2006/relationships" xmlns:p="http://schemas.openxmlformats.org/presentationml/2006/main" showMasterSp="0" showMasterPhAnim="0">
   <p:cSld>
     <p:spTree>
       <p:nvGrpSpPr>
-        <p:cNvPr id="113" name="Shape 113"/>
+        <p:cNvPr id="1" name="Shape 113"/>
         <p:cNvGrpSpPr/>
         <p:nvPr/>
       </p:nvGrpSpPr>
@@ -806,19 +842,26 @@
       <p:sp>
         <p:nvSpPr>
           <p:cNvPr id="114" name="Shape 114"/>
-          <p:cNvSpPr/>
+          <p:cNvSpPr>
+            <a:spLocks noGrp="1" noRot="1" noChangeAspect="1"/>
+          </p:cNvSpPr>
           <p:nvPr>
-            <p:ph idx="2" type="sldImg"/>
+            <p:ph type="sldImg" idx="2"/>
           </p:nvPr>
         </p:nvSpPr>
         <p:spPr>
           <a:xfrm>
-            <a:off x="381300" y="685800"/>
+            <a:off x="381000" y="685800"/>
             <a:ext cx="6096000" cy="3429000"/>
           </a:xfrm>
           <a:custGeom>
+            <a:avLst/>
+            <a:gdLst/>
+            <a:ahLst/>
+            <a:cxnLst/>
+            <a:rect l="0" t="0" r="0" b="0"/>
             <a:pathLst>
-              <a:path extrusionOk="0" h="120000" w="120000">
+              <a:path w="120000" h="120000" extrusionOk="0">
                 <a:moveTo>
                   <a:pt x="0" y="0"/>
                 </a:moveTo>
@@ -840,9 +883,11 @@
       <p:sp>
         <p:nvSpPr>
           <p:cNvPr id="115" name="Shape 115"/>
-          <p:cNvSpPr txBox="1"/>
+          <p:cNvSpPr txBox="1">
+            <a:spLocks noGrp="1"/>
+          </p:cNvSpPr>
           <p:nvPr>
-            <p:ph idx="1" type="body"/>
+            <p:ph type="body" idx="1"/>
           </p:nvPr>
         </p:nvSpPr>
         <p:spPr>
@@ -855,12 +900,12 @@
           </a:prstGeom>
         </p:spPr>
         <p:txBody>
-          <a:bodyPr anchorCtr="0" anchor="t" bIns="91425" lIns="91425" spcFirstLastPara="1" rIns="91425" wrap="square" tIns="91425">
+          <a:bodyPr spcFirstLastPara="1" wrap="square" lIns="91425" tIns="91425" rIns="91425" bIns="91425" anchor="t" anchorCtr="0">
             <a:noAutofit/>
           </a:bodyPr>
           <a:lstStyle/>
           <a:p>
-            <a:pPr indent="0" lvl="0" marL="0">
+            <a:pPr marL="0" lvl="0" indent="0">
               <a:spcBef>
                 <a:spcPts val="0"/>
               </a:spcBef>
@@ -869,9 +914,6 @@
               </a:spcAft>
               <a:buNone/>
             </a:pPr>
-            <a:r>
-              <a:t/>
-            </a:r>
             <a:endParaRPr/>
           </a:p>
         </p:txBody>
@@ -885,11 +927,11 @@
 </file>
 
 <file path=ppt/notesSlides/notesSlide2.xml><?xml version="1.0" encoding="utf-8"?>
-<p:notes xmlns:a="http://schemas.openxmlformats.org/drawingml/2006/main" xmlns:r="http://schemas.openxmlformats.org/officeDocument/2006/relationships" xmlns:mc="http://schemas.openxmlformats.org/markup-compatibility/2006" xmlns:mv="urn:schemas-microsoft-com:mac:vml" xmlns:p="http://schemas.openxmlformats.org/presentationml/2006/main" xmlns:c="http://schemas.openxmlformats.org/drawingml/2006/chart" xmlns:dgm="http://schemas.openxmlformats.org/drawingml/2006/diagram" xmlns:o="urn:schemas-microsoft-com:office:office" xmlns:v="urn:schemas-microsoft-com:vml" xmlns:pvml="urn:schemas-microsoft-com:office:powerpoint" xmlns:com="http://schemas.openxmlformats.org/drawingml/2006/compatibility" xmlns:p14="http://schemas.microsoft.com/office/powerpoint/2010/main" xmlns:p15="http://schemas.microsoft.com/office/powerpoint/2012/main" showMasterPhAnim="0" showMasterSp="0">
+<p:notes xmlns:a="http://schemas.openxmlformats.org/drawingml/2006/main" xmlns:r="http://schemas.openxmlformats.org/officeDocument/2006/relationships" xmlns:p="http://schemas.openxmlformats.org/presentationml/2006/main" showMasterSp="0" showMasterPhAnim="0">
   <p:cSld>
     <p:spTree>
       <p:nvGrpSpPr>
-        <p:cNvPr id="64" name="Shape 64"/>
+        <p:cNvPr id="1" name="Shape 64"/>
         <p:cNvGrpSpPr/>
         <p:nvPr/>
       </p:nvGrpSpPr>
@@ -904,19 +946,26 @@
       <p:sp>
         <p:nvSpPr>
           <p:cNvPr id="65" name="Shape 65"/>
-          <p:cNvSpPr/>
+          <p:cNvSpPr>
+            <a:spLocks noGrp="1" noRot="1" noChangeAspect="1"/>
+          </p:cNvSpPr>
           <p:nvPr>
-            <p:ph idx="2" type="sldImg"/>
+            <p:ph type="sldImg" idx="2"/>
           </p:nvPr>
         </p:nvSpPr>
         <p:spPr>
           <a:xfrm>
-            <a:off x="381300" y="685800"/>
+            <a:off x="381000" y="685800"/>
             <a:ext cx="6096000" cy="3429000"/>
           </a:xfrm>
           <a:custGeom>
+            <a:avLst/>
+            <a:gdLst/>
+            <a:ahLst/>
+            <a:cxnLst/>
+            <a:rect l="0" t="0" r="0" b="0"/>
             <a:pathLst>
-              <a:path extrusionOk="0" h="120000" w="120000">
+              <a:path w="120000" h="120000" extrusionOk="0">
                 <a:moveTo>
                   <a:pt x="0" y="0"/>
                 </a:moveTo>
@@ -938,9 +987,11 @@
       <p:sp>
         <p:nvSpPr>
           <p:cNvPr id="66" name="Shape 66"/>
-          <p:cNvSpPr txBox="1"/>
+          <p:cNvSpPr txBox="1">
+            <a:spLocks noGrp="1"/>
+          </p:cNvSpPr>
           <p:nvPr>
-            <p:ph idx="1" type="body"/>
+            <p:ph type="body" idx="1"/>
           </p:nvPr>
         </p:nvSpPr>
         <p:spPr>
@@ -953,12 +1004,12 @@
           </a:prstGeom>
         </p:spPr>
         <p:txBody>
-          <a:bodyPr anchorCtr="0" anchor="t" bIns="91425" lIns="91425" spcFirstLastPara="1" rIns="91425" wrap="square" tIns="91425">
+          <a:bodyPr spcFirstLastPara="1" wrap="square" lIns="91425" tIns="91425" rIns="91425" bIns="91425" anchor="t" anchorCtr="0">
             <a:noAutofit/>
           </a:bodyPr>
           <a:lstStyle/>
           <a:p>
-            <a:pPr indent="0" lvl="0" marL="0">
+            <a:pPr marL="0" lvl="0" indent="0">
               <a:spcBef>
                 <a:spcPts val="0"/>
               </a:spcBef>
@@ -967,9 +1018,6 @@
               </a:spcAft>
               <a:buNone/>
             </a:pPr>
-            <a:r>
-              <a:t/>
-            </a:r>
             <a:endParaRPr/>
           </a:p>
         </p:txBody>
@@ -983,11 +1031,11 @@
 </file>
 
 <file path=ppt/notesSlides/notesSlide3.xml><?xml version="1.0" encoding="utf-8"?>
-<p:notes xmlns:a="http://schemas.openxmlformats.org/drawingml/2006/main" xmlns:r="http://schemas.openxmlformats.org/officeDocument/2006/relationships" xmlns:mc="http://schemas.openxmlformats.org/markup-compatibility/2006" xmlns:mv="urn:schemas-microsoft-com:mac:vml" xmlns:p="http://schemas.openxmlformats.org/presentationml/2006/main" xmlns:c="http://schemas.openxmlformats.org/drawingml/2006/chart" xmlns:dgm="http://schemas.openxmlformats.org/drawingml/2006/diagram" xmlns:o="urn:schemas-microsoft-com:office:office" xmlns:v="urn:schemas-microsoft-com:vml" xmlns:pvml="urn:schemas-microsoft-com:office:powerpoint" xmlns:com="http://schemas.openxmlformats.org/drawingml/2006/compatibility" xmlns:p14="http://schemas.microsoft.com/office/powerpoint/2010/main" xmlns:p15="http://schemas.microsoft.com/office/powerpoint/2012/main" showMasterPhAnim="0" showMasterSp="0">
+<p:notes xmlns:a="http://schemas.openxmlformats.org/drawingml/2006/main" xmlns:r="http://schemas.openxmlformats.org/officeDocument/2006/relationships" xmlns:p="http://schemas.openxmlformats.org/presentationml/2006/main" showMasterSp="0" showMasterPhAnim="0">
   <p:cSld>
     <p:spTree>
       <p:nvGrpSpPr>
-        <p:cNvPr id="70" name="Shape 70"/>
+        <p:cNvPr id="1" name="Shape 70"/>
         <p:cNvGrpSpPr/>
         <p:nvPr/>
       </p:nvGrpSpPr>
@@ -1002,19 +1050,26 @@
       <p:sp>
         <p:nvSpPr>
           <p:cNvPr id="71" name="Shape 71"/>
-          <p:cNvSpPr/>
+          <p:cNvSpPr>
+            <a:spLocks noGrp="1" noRot="1" noChangeAspect="1"/>
+          </p:cNvSpPr>
           <p:nvPr>
-            <p:ph idx="2" type="sldImg"/>
+            <p:ph type="sldImg" idx="2"/>
           </p:nvPr>
         </p:nvSpPr>
         <p:spPr>
           <a:xfrm>
-            <a:off x="381300" y="685800"/>
+            <a:off x="381000" y="685800"/>
             <a:ext cx="6096000" cy="3429000"/>
           </a:xfrm>
           <a:custGeom>
+            <a:avLst/>
+            <a:gdLst/>
+            <a:ahLst/>
+            <a:cxnLst/>
+            <a:rect l="0" t="0" r="0" b="0"/>
             <a:pathLst>
-              <a:path extrusionOk="0" h="120000" w="120000">
+              <a:path w="120000" h="120000" extrusionOk="0">
                 <a:moveTo>
                   <a:pt x="0" y="0"/>
                 </a:moveTo>
@@ -1036,9 +1091,11 @@
       <p:sp>
         <p:nvSpPr>
           <p:cNvPr id="72" name="Shape 72"/>
-          <p:cNvSpPr txBox="1"/>
+          <p:cNvSpPr txBox="1">
+            <a:spLocks noGrp="1"/>
+          </p:cNvSpPr>
           <p:nvPr>
-            <p:ph idx="1" type="body"/>
+            <p:ph type="body" idx="1"/>
           </p:nvPr>
         </p:nvSpPr>
         <p:spPr>
@@ -1051,12 +1108,12 @@
           </a:prstGeom>
         </p:spPr>
         <p:txBody>
-          <a:bodyPr anchorCtr="0" anchor="t" bIns="91425" lIns="91425" spcFirstLastPara="1" rIns="91425" wrap="square" tIns="91425">
+          <a:bodyPr spcFirstLastPara="1" wrap="square" lIns="91425" tIns="91425" rIns="91425" bIns="91425" anchor="t" anchorCtr="0">
             <a:noAutofit/>
           </a:bodyPr>
           <a:lstStyle/>
           <a:p>
-            <a:pPr indent="0" lvl="0" marL="0">
+            <a:pPr marL="0" lvl="0" indent="0">
               <a:spcBef>
                 <a:spcPts val="0"/>
               </a:spcBef>
@@ -1065,9 +1122,6 @@
               </a:spcAft>
               <a:buNone/>
             </a:pPr>
-            <a:r>
-              <a:t/>
-            </a:r>
             <a:endParaRPr/>
           </a:p>
         </p:txBody>
@@ -1081,11 +1135,11 @@
 </file>
 
 <file path=ppt/notesSlides/notesSlide4.xml><?xml version="1.0" encoding="utf-8"?>
-<p:notes xmlns:a="http://schemas.openxmlformats.org/drawingml/2006/main" xmlns:r="http://schemas.openxmlformats.org/officeDocument/2006/relationships" xmlns:mc="http://schemas.openxmlformats.org/markup-compatibility/2006" xmlns:mv="urn:schemas-microsoft-com:mac:vml" xmlns:p="http://schemas.openxmlformats.org/presentationml/2006/main" xmlns:c="http://schemas.openxmlformats.org/drawingml/2006/chart" xmlns:dgm="http://schemas.openxmlformats.org/drawingml/2006/diagram" xmlns:o="urn:schemas-microsoft-com:office:office" xmlns:v="urn:schemas-microsoft-com:vml" xmlns:pvml="urn:schemas-microsoft-com:office:powerpoint" xmlns:com="http://schemas.openxmlformats.org/drawingml/2006/compatibility" xmlns:p14="http://schemas.microsoft.com/office/powerpoint/2010/main" xmlns:p15="http://schemas.microsoft.com/office/powerpoint/2012/main" showMasterPhAnim="0" showMasterSp="0">
+<p:notes xmlns:a="http://schemas.openxmlformats.org/drawingml/2006/main" xmlns:r="http://schemas.openxmlformats.org/officeDocument/2006/relationships" xmlns:p="http://schemas.openxmlformats.org/presentationml/2006/main" showMasterSp="0" showMasterPhAnim="0">
   <p:cSld>
     <p:spTree>
       <p:nvGrpSpPr>
-        <p:cNvPr id="76" name="Shape 76"/>
+        <p:cNvPr id="1" name="Shape 76"/>
         <p:cNvGrpSpPr/>
         <p:nvPr/>
       </p:nvGrpSpPr>
@@ -1100,19 +1154,26 @@
       <p:sp>
         <p:nvSpPr>
           <p:cNvPr id="77" name="Shape 77"/>
-          <p:cNvSpPr/>
+          <p:cNvSpPr>
+            <a:spLocks noGrp="1" noRot="1" noChangeAspect="1"/>
+          </p:cNvSpPr>
           <p:nvPr>
-            <p:ph idx="2" type="sldImg"/>
+            <p:ph type="sldImg" idx="2"/>
           </p:nvPr>
         </p:nvSpPr>
         <p:spPr>
           <a:xfrm>
-            <a:off x="381300" y="685800"/>
+            <a:off x="381000" y="685800"/>
             <a:ext cx="6096000" cy="3429000"/>
           </a:xfrm>
           <a:custGeom>
+            <a:avLst/>
+            <a:gdLst/>
+            <a:ahLst/>
+            <a:cxnLst/>
+            <a:rect l="0" t="0" r="0" b="0"/>
             <a:pathLst>
-              <a:path extrusionOk="0" h="120000" w="120000">
+              <a:path w="120000" h="120000" extrusionOk="0">
                 <a:moveTo>
                   <a:pt x="0" y="0"/>
                 </a:moveTo>
@@ -1134,9 +1195,11 @@
       <p:sp>
         <p:nvSpPr>
           <p:cNvPr id="78" name="Shape 78"/>
-          <p:cNvSpPr txBox="1"/>
+          <p:cNvSpPr txBox="1">
+            <a:spLocks noGrp="1"/>
+          </p:cNvSpPr>
           <p:nvPr>
-            <p:ph idx="1" type="body"/>
+            <p:ph type="body" idx="1"/>
           </p:nvPr>
         </p:nvSpPr>
         <p:spPr>
@@ -1149,12 +1212,12 @@
           </a:prstGeom>
         </p:spPr>
         <p:txBody>
-          <a:bodyPr anchorCtr="0" anchor="t" bIns="91425" lIns="91425" spcFirstLastPara="1" rIns="91425" wrap="square" tIns="91425">
+          <a:bodyPr spcFirstLastPara="1" wrap="square" lIns="91425" tIns="91425" rIns="91425" bIns="91425" anchor="t" anchorCtr="0">
             <a:noAutofit/>
           </a:bodyPr>
           <a:lstStyle/>
           <a:p>
-            <a:pPr indent="0" lvl="0" marL="0">
+            <a:pPr marL="0" lvl="0" indent="0">
               <a:spcBef>
                 <a:spcPts val="0"/>
               </a:spcBef>
@@ -1163,9 +1226,6 @@
               </a:spcAft>
               <a:buNone/>
             </a:pPr>
-            <a:r>
-              <a:t/>
-            </a:r>
             <a:endParaRPr/>
           </a:p>
         </p:txBody>
@@ -1179,11 +1239,11 @@
 </file>
 
 <file path=ppt/notesSlides/notesSlide5.xml><?xml version="1.0" encoding="utf-8"?>
-<p:notes xmlns:a="http://schemas.openxmlformats.org/drawingml/2006/main" xmlns:r="http://schemas.openxmlformats.org/officeDocument/2006/relationships" xmlns:mc="http://schemas.openxmlformats.org/markup-compatibility/2006" xmlns:mv="urn:schemas-microsoft-com:mac:vml" xmlns:p="http://schemas.openxmlformats.org/presentationml/2006/main" xmlns:c="http://schemas.openxmlformats.org/drawingml/2006/chart" xmlns:dgm="http://schemas.openxmlformats.org/drawingml/2006/diagram" xmlns:o="urn:schemas-microsoft-com:office:office" xmlns:v="urn:schemas-microsoft-com:vml" xmlns:pvml="urn:schemas-microsoft-com:office:powerpoint" xmlns:com="http://schemas.openxmlformats.org/drawingml/2006/compatibility" xmlns:p14="http://schemas.microsoft.com/office/powerpoint/2010/main" xmlns:p15="http://schemas.microsoft.com/office/powerpoint/2012/main" showMasterPhAnim="0" showMasterSp="0">
+<p:notes xmlns:a="http://schemas.openxmlformats.org/drawingml/2006/main" xmlns:r="http://schemas.openxmlformats.org/officeDocument/2006/relationships" xmlns:p="http://schemas.openxmlformats.org/presentationml/2006/main" showMasterSp="0" showMasterPhAnim="0">
   <p:cSld>
     <p:spTree>
       <p:nvGrpSpPr>
-        <p:cNvPr id="82" name="Shape 82"/>
+        <p:cNvPr id="1" name="Shape 82"/>
         <p:cNvGrpSpPr/>
         <p:nvPr/>
       </p:nvGrpSpPr>
@@ -1198,19 +1258,26 @@
       <p:sp>
         <p:nvSpPr>
           <p:cNvPr id="83" name="Shape 83"/>
-          <p:cNvSpPr/>
+          <p:cNvSpPr>
+            <a:spLocks noGrp="1" noRot="1" noChangeAspect="1"/>
+          </p:cNvSpPr>
           <p:nvPr>
-            <p:ph idx="2" type="sldImg"/>
+            <p:ph type="sldImg" idx="2"/>
           </p:nvPr>
         </p:nvSpPr>
         <p:spPr>
           <a:xfrm>
-            <a:off x="381300" y="685800"/>
+            <a:off x="381000" y="685800"/>
             <a:ext cx="6096000" cy="3429000"/>
           </a:xfrm>
           <a:custGeom>
+            <a:avLst/>
+            <a:gdLst/>
+            <a:ahLst/>
+            <a:cxnLst/>
+            <a:rect l="0" t="0" r="0" b="0"/>
             <a:pathLst>
-              <a:path extrusionOk="0" h="120000" w="120000">
+              <a:path w="120000" h="120000" extrusionOk="0">
                 <a:moveTo>
                   <a:pt x="0" y="0"/>
                 </a:moveTo>
@@ -1232,9 +1299,11 @@
       <p:sp>
         <p:nvSpPr>
           <p:cNvPr id="84" name="Shape 84"/>
-          <p:cNvSpPr txBox="1"/>
+          <p:cNvSpPr txBox="1">
+            <a:spLocks noGrp="1"/>
+          </p:cNvSpPr>
           <p:nvPr>
-            <p:ph idx="1" type="body"/>
+            <p:ph type="body" idx="1"/>
           </p:nvPr>
         </p:nvSpPr>
         <p:spPr>
@@ -1247,12 +1316,12 @@
           </a:prstGeom>
         </p:spPr>
         <p:txBody>
-          <a:bodyPr anchorCtr="0" anchor="t" bIns="91425" lIns="91425" spcFirstLastPara="1" rIns="91425" wrap="square" tIns="91425">
+          <a:bodyPr spcFirstLastPara="1" wrap="square" lIns="91425" tIns="91425" rIns="91425" bIns="91425" anchor="t" anchorCtr="0">
             <a:noAutofit/>
           </a:bodyPr>
           <a:lstStyle/>
           <a:p>
-            <a:pPr indent="0" lvl="0" marL="0">
+            <a:pPr marL="0" lvl="0" indent="0">
               <a:spcBef>
                 <a:spcPts val="0"/>
               </a:spcBef>
@@ -1261,9 +1330,6 @@
               </a:spcAft>
               <a:buNone/>
             </a:pPr>
-            <a:r>
-              <a:t/>
-            </a:r>
             <a:endParaRPr/>
           </a:p>
         </p:txBody>
@@ -1277,11 +1343,11 @@
 </file>
 
 <file path=ppt/notesSlides/notesSlide6.xml><?xml version="1.0" encoding="utf-8"?>
-<p:notes xmlns:a="http://schemas.openxmlformats.org/drawingml/2006/main" xmlns:r="http://schemas.openxmlformats.org/officeDocument/2006/relationships" xmlns:mc="http://schemas.openxmlformats.org/markup-compatibility/2006" xmlns:mv="urn:schemas-microsoft-com:mac:vml" xmlns:p="http://schemas.openxmlformats.org/presentationml/2006/main" xmlns:c="http://schemas.openxmlformats.org/drawingml/2006/chart" xmlns:dgm="http://schemas.openxmlformats.org/drawingml/2006/diagram" xmlns:o="urn:schemas-microsoft-com:office:office" xmlns:v="urn:schemas-microsoft-com:vml" xmlns:pvml="urn:schemas-microsoft-com:office:powerpoint" xmlns:com="http://schemas.openxmlformats.org/drawingml/2006/compatibility" xmlns:p14="http://schemas.microsoft.com/office/powerpoint/2010/main" xmlns:p15="http://schemas.microsoft.com/office/powerpoint/2012/main" showMasterPhAnim="0" showMasterSp="0">
+<p:notes xmlns:a="http://schemas.openxmlformats.org/drawingml/2006/main" xmlns:r="http://schemas.openxmlformats.org/officeDocument/2006/relationships" xmlns:p="http://schemas.openxmlformats.org/presentationml/2006/main" showMasterSp="0" showMasterPhAnim="0">
   <p:cSld>
     <p:spTree>
       <p:nvGrpSpPr>
-        <p:cNvPr id="88" name="Shape 88"/>
+        <p:cNvPr id="1" name="Shape 88"/>
         <p:cNvGrpSpPr/>
         <p:nvPr/>
       </p:nvGrpSpPr>
@@ -1296,19 +1362,26 @@
       <p:sp>
         <p:nvSpPr>
           <p:cNvPr id="89" name="Shape 89"/>
-          <p:cNvSpPr/>
+          <p:cNvSpPr>
+            <a:spLocks noGrp="1" noRot="1" noChangeAspect="1"/>
+          </p:cNvSpPr>
           <p:nvPr>
-            <p:ph idx="2" type="sldImg"/>
+            <p:ph type="sldImg" idx="2"/>
           </p:nvPr>
         </p:nvSpPr>
         <p:spPr>
           <a:xfrm>
-            <a:off x="381300" y="685800"/>
+            <a:off x="381000" y="685800"/>
             <a:ext cx="6096000" cy="3429000"/>
           </a:xfrm>
           <a:custGeom>
+            <a:avLst/>
+            <a:gdLst/>
+            <a:ahLst/>
+            <a:cxnLst/>
+            <a:rect l="0" t="0" r="0" b="0"/>
             <a:pathLst>
-              <a:path extrusionOk="0" h="120000" w="120000">
+              <a:path w="120000" h="120000" extrusionOk="0">
                 <a:moveTo>
                   <a:pt x="0" y="0"/>
                 </a:moveTo>
@@ -1330,9 +1403,11 @@
       <p:sp>
         <p:nvSpPr>
           <p:cNvPr id="90" name="Shape 90"/>
-          <p:cNvSpPr txBox="1"/>
+          <p:cNvSpPr txBox="1">
+            <a:spLocks noGrp="1"/>
+          </p:cNvSpPr>
           <p:nvPr>
-            <p:ph idx="1" type="body"/>
+            <p:ph type="body" idx="1"/>
           </p:nvPr>
         </p:nvSpPr>
         <p:spPr>
@@ -1345,12 +1420,12 @@
           </a:prstGeom>
         </p:spPr>
         <p:txBody>
-          <a:bodyPr anchorCtr="0" anchor="t" bIns="91425" lIns="91425" spcFirstLastPara="1" rIns="91425" wrap="square" tIns="91425">
+          <a:bodyPr spcFirstLastPara="1" wrap="square" lIns="91425" tIns="91425" rIns="91425" bIns="91425" anchor="t" anchorCtr="0">
             <a:noAutofit/>
           </a:bodyPr>
           <a:lstStyle/>
           <a:p>
-            <a:pPr indent="0" lvl="0" marL="0">
+            <a:pPr marL="0" lvl="0" indent="0">
               <a:spcBef>
                 <a:spcPts val="0"/>
               </a:spcBef>
@@ -1359,9 +1434,6 @@
               </a:spcAft>
               <a:buNone/>
             </a:pPr>
-            <a:r>
-              <a:t/>
-            </a:r>
             <a:endParaRPr/>
           </a:p>
         </p:txBody>
@@ -1375,11 +1447,11 @@
 </file>
 
 <file path=ppt/notesSlides/notesSlide7.xml><?xml version="1.0" encoding="utf-8"?>
-<p:notes xmlns:a="http://schemas.openxmlformats.org/drawingml/2006/main" xmlns:r="http://schemas.openxmlformats.org/officeDocument/2006/relationships" xmlns:mc="http://schemas.openxmlformats.org/markup-compatibility/2006" xmlns:mv="urn:schemas-microsoft-com:mac:vml" xmlns:p="http://schemas.openxmlformats.org/presentationml/2006/main" xmlns:c="http://schemas.openxmlformats.org/drawingml/2006/chart" xmlns:dgm="http://schemas.openxmlformats.org/drawingml/2006/diagram" xmlns:o="urn:schemas-microsoft-com:office:office" xmlns:v="urn:schemas-microsoft-com:vml" xmlns:pvml="urn:schemas-microsoft-com:office:powerpoint" xmlns:com="http://schemas.openxmlformats.org/drawingml/2006/compatibility" xmlns:p14="http://schemas.microsoft.com/office/powerpoint/2010/main" xmlns:p15="http://schemas.microsoft.com/office/powerpoint/2012/main" showMasterPhAnim="0" showMasterSp="0">
+<p:notes xmlns:a="http://schemas.openxmlformats.org/drawingml/2006/main" xmlns:r="http://schemas.openxmlformats.org/officeDocument/2006/relationships" xmlns:p="http://schemas.openxmlformats.org/presentationml/2006/main" showMasterSp="0" showMasterPhAnim="0">
   <p:cSld>
     <p:spTree>
       <p:nvGrpSpPr>
-        <p:cNvPr id="94" name="Shape 94"/>
+        <p:cNvPr id="1" name="Shape 94"/>
         <p:cNvGrpSpPr/>
         <p:nvPr/>
       </p:nvGrpSpPr>
@@ -1394,19 +1466,26 @@
       <p:sp>
         <p:nvSpPr>
           <p:cNvPr id="95" name="Shape 95"/>
-          <p:cNvSpPr/>
+          <p:cNvSpPr>
+            <a:spLocks noGrp="1" noRot="1" noChangeAspect="1"/>
+          </p:cNvSpPr>
           <p:nvPr>
-            <p:ph idx="2" type="sldImg"/>
+            <p:ph type="sldImg" idx="2"/>
           </p:nvPr>
         </p:nvSpPr>
         <p:spPr>
           <a:xfrm>
-            <a:off x="381300" y="685800"/>
+            <a:off x="381000" y="685800"/>
             <a:ext cx="6096000" cy="3429000"/>
           </a:xfrm>
           <a:custGeom>
+            <a:avLst/>
+            <a:gdLst/>
+            <a:ahLst/>
+            <a:cxnLst/>
+            <a:rect l="0" t="0" r="0" b="0"/>
             <a:pathLst>
-              <a:path extrusionOk="0" h="120000" w="120000">
+              <a:path w="120000" h="120000" extrusionOk="0">
                 <a:moveTo>
                   <a:pt x="0" y="0"/>
                 </a:moveTo>
@@ -1428,9 +1507,11 @@
       <p:sp>
         <p:nvSpPr>
           <p:cNvPr id="96" name="Shape 96"/>
-          <p:cNvSpPr txBox="1"/>
+          <p:cNvSpPr txBox="1">
+            <a:spLocks noGrp="1"/>
+          </p:cNvSpPr>
           <p:nvPr>
-            <p:ph idx="1" type="body"/>
+            <p:ph type="body" idx="1"/>
           </p:nvPr>
         </p:nvSpPr>
         <p:spPr>
@@ -1443,12 +1524,12 @@
           </a:prstGeom>
         </p:spPr>
         <p:txBody>
-          <a:bodyPr anchorCtr="0" anchor="t" bIns="91425" lIns="91425" spcFirstLastPara="1" rIns="91425" wrap="square" tIns="91425">
+          <a:bodyPr spcFirstLastPara="1" wrap="square" lIns="91425" tIns="91425" rIns="91425" bIns="91425" anchor="t" anchorCtr="0">
             <a:noAutofit/>
           </a:bodyPr>
           <a:lstStyle/>
           <a:p>
-            <a:pPr indent="0" lvl="0" marL="0">
+            <a:pPr marL="0" lvl="0" indent="0">
               <a:spcBef>
                 <a:spcPts val="0"/>
               </a:spcBef>
@@ -1457,9 +1538,6 @@
               </a:spcAft>
               <a:buNone/>
             </a:pPr>
-            <a:r>
-              <a:t/>
-            </a:r>
             <a:endParaRPr/>
           </a:p>
         </p:txBody>
@@ -1473,11 +1551,11 @@
 </file>
 
 <file path=ppt/notesSlides/notesSlide8.xml><?xml version="1.0" encoding="utf-8"?>
-<p:notes xmlns:a="http://schemas.openxmlformats.org/drawingml/2006/main" xmlns:r="http://schemas.openxmlformats.org/officeDocument/2006/relationships" xmlns:mc="http://schemas.openxmlformats.org/markup-compatibility/2006" xmlns:mv="urn:schemas-microsoft-com:mac:vml" xmlns:p="http://schemas.openxmlformats.org/presentationml/2006/main" xmlns:c="http://schemas.openxmlformats.org/drawingml/2006/chart" xmlns:dgm="http://schemas.openxmlformats.org/drawingml/2006/diagram" xmlns:o="urn:schemas-microsoft-com:office:office" xmlns:v="urn:schemas-microsoft-com:vml" xmlns:pvml="urn:schemas-microsoft-com:office:powerpoint" xmlns:com="http://schemas.openxmlformats.org/drawingml/2006/compatibility" xmlns:p14="http://schemas.microsoft.com/office/powerpoint/2010/main" xmlns:p15="http://schemas.microsoft.com/office/powerpoint/2012/main" showMasterPhAnim="0" showMasterSp="0">
+<p:notes xmlns:a="http://schemas.openxmlformats.org/drawingml/2006/main" xmlns:r="http://schemas.openxmlformats.org/officeDocument/2006/relationships" xmlns:p="http://schemas.openxmlformats.org/presentationml/2006/main" showMasterSp="0" showMasterPhAnim="0">
   <p:cSld>
     <p:spTree>
       <p:nvGrpSpPr>
-        <p:cNvPr id="101" name="Shape 101"/>
+        <p:cNvPr id="1" name="Shape 101"/>
         <p:cNvGrpSpPr/>
         <p:nvPr/>
       </p:nvGrpSpPr>
@@ -1492,19 +1570,26 @@
       <p:sp>
         <p:nvSpPr>
           <p:cNvPr id="102" name="Shape 102"/>
-          <p:cNvSpPr/>
+          <p:cNvSpPr>
+            <a:spLocks noGrp="1" noRot="1" noChangeAspect="1"/>
+          </p:cNvSpPr>
           <p:nvPr>
-            <p:ph idx="2" type="sldImg"/>
+            <p:ph type="sldImg" idx="2"/>
           </p:nvPr>
         </p:nvSpPr>
         <p:spPr>
           <a:xfrm>
-            <a:off x="381300" y="685800"/>
+            <a:off x="381000" y="685800"/>
             <a:ext cx="6096000" cy="3429000"/>
           </a:xfrm>
           <a:custGeom>
+            <a:avLst/>
+            <a:gdLst/>
+            <a:ahLst/>
+            <a:cxnLst/>
+            <a:rect l="0" t="0" r="0" b="0"/>
             <a:pathLst>
-              <a:path extrusionOk="0" h="120000" w="120000">
+              <a:path w="120000" h="120000" extrusionOk="0">
                 <a:moveTo>
                   <a:pt x="0" y="0"/>
                 </a:moveTo>
@@ -1526,9 +1611,11 @@
       <p:sp>
         <p:nvSpPr>
           <p:cNvPr id="103" name="Shape 103"/>
-          <p:cNvSpPr txBox="1"/>
+          <p:cNvSpPr txBox="1">
+            <a:spLocks noGrp="1"/>
+          </p:cNvSpPr>
           <p:nvPr>
-            <p:ph idx="1" type="body"/>
+            <p:ph type="body" idx="1"/>
           </p:nvPr>
         </p:nvSpPr>
         <p:spPr>
@@ -1541,12 +1628,12 @@
           </a:prstGeom>
         </p:spPr>
         <p:txBody>
-          <a:bodyPr anchorCtr="0" anchor="t" bIns="91425" lIns="91425" spcFirstLastPara="1" rIns="91425" wrap="square" tIns="91425">
+          <a:bodyPr spcFirstLastPara="1" wrap="square" lIns="91425" tIns="91425" rIns="91425" bIns="91425" anchor="t" anchorCtr="0">
             <a:noAutofit/>
           </a:bodyPr>
           <a:lstStyle/>
           <a:p>
-            <a:pPr indent="0" lvl="0" marL="0">
+            <a:pPr marL="0" lvl="0" indent="0">
               <a:spcBef>
                 <a:spcPts val="0"/>
               </a:spcBef>
@@ -1555,9 +1642,6 @@
               </a:spcAft>
               <a:buNone/>
             </a:pPr>
-            <a:r>
-              <a:t/>
-            </a:r>
             <a:endParaRPr/>
           </a:p>
         </p:txBody>
@@ -1571,11 +1655,11 @@
 </file>
 
 <file path=ppt/notesSlides/notesSlide9.xml><?xml version="1.0" encoding="utf-8"?>
-<p:notes xmlns:a="http://schemas.openxmlformats.org/drawingml/2006/main" xmlns:r="http://schemas.openxmlformats.org/officeDocument/2006/relationships" xmlns:mc="http://schemas.openxmlformats.org/markup-compatibility/2006" xmlns:mv="urn:schemas-microsoft-com:mac:vml" xmlns:p="http://schemas.openxmlformats.org/presentationml/2006/main" xmlns:c="http://schemas.openxmlformats.org/drawingml/2006/chart" xmlns:dgm="http://schemas.openxmlformats.org/drawingml/2006/diagram" xmlns:o="urn:schemas-microsoft-com:office:office" xmlns:v="urn:schemas-microsoft-com:vml" xmlns:pvml="urn:schemas-microsoft-com:office:powerpoint" xmlns:com="http://schemas.openxmlformats.org/drawingml/2006/compatibility" xmlns:p14="http://schemas.microsoft.com/office/powerpoint/2010/main" xmlns:p15="http://schemas.microsoft.com/office/powerpoint/2012/main" showMasterPhAnim="0" showMasterSp="0">
+<p:notes xmlns:a="http://schemas.openxmlformats.org/drawingml/2006/main" xmlns:r="http://schemas.openxmlformats.org/officeDocument/2006/relationships" xmlns:p="http://schemas.openxmlformats.org/presentationml/2006/main" showMasterSp="0" showMasterPhAnim="0">
   <p:cSld>
     <p:spTree>
       <p:nvGrpSpPr>
-        <p:cNvPr id="107" name="Shape 107"/>
+        <p:cNvPr id="1" name="Shape 107"/>
         <p:cNvGrpSpPr/>
         <p:nvPr/>
       </p:nvGrpSpPr>
@@ -1590,19 +1674,26 @@
       <p:sp>
         <p:nvSpPr>
           <p:cNvPr id="108" name="Shape 108"/>
-          <p:cNvSpPr/>
+          <p:cNvSpPr>
+            <a:spLocks noGrp="1" noRot="1" noChangeAspect="1"/>
+          </p:cNvSpPr>
           <p:nvPr>
-            <p:ph idx="2" type="sldImg"/>
+            <p:ph type="sldImg" idx="2"/>
           </p:nvPr>
         </p:nvSpPr>
         <p:spPr>
           <a:xfrm>
-            <a:off x="381300" y="685800"/>
+            <a:off x="381000" y="685800"/>
             <a:ext cx="6096000" cy="3429000"/>
           </a:xfrm>
           <a:custGeom>
+            <a:avLst/>
+            <a:gdLst/>
+            <a:ahLst/>
+            <a:cxnLst/>
+            <a:rect l="0" t="0" r="0" b="0"/>
             <a:pathLst>
-              <a:path extrusionOk="0" h="120000" w="120000">
+              <a:path w="120000" h="120000" extrusionOk="0">
                 <a:moveTo>
                   <a:pt x="0" y="0"/>
                 </a:moveTo>
@@ -1624,9 +1715,11 @@
       <p:sp>
         <p:nvSpPr>
           <p:cNvPr id="109" name="Shape 109"/>
-          <p:cNvSpPr txBox="1"/>
+          <p:cNvSpPr txBox="1">
+            <a:spLocks noGrp="1"/>
+          </p:cNvSpPr>
           <p:nvPr>
-            <p:ph idx="1" type="body"/>
+            <p:ph type="body" idx="1"/>
           </p:nvPr>
         </p:nvSpPr>
         <p:spPr>
@@ -1639,12 +1732,12 @@
           </a:prstGeom>
         </p:spPr>
         <p:txBody>
-          <a:bodyPr anchorCtr="0" anchor="t" bIns="91425" lIns="91425" spcFirstLastPara="1" rIns="91425" wrap="square" tIns="91425">
+          <a:bodyPr spcFirstLastPara="1" wrap="square" lIns="91425" tIns="91425" rIns="91425" bIns="91425" anchor="t" anchorCtr="0">
             <a:noAutofit/>
           </a:bodyPr>
           <a:lstStyle/>
           <a:p>
-            <a:pPr indent="0" lvl="0" marL="0">
+            <a:pPr marL="0" lvl="0" indent="0">
               <a:spcBef>
                 <a:spcPts val="0"/>
               </a:spcBef>
@@ -1653,9 +1746,6 @@
               </a:spcAft>
               <a:buNone/>
             </a:pPr>
-            <a:r>
-              <a:t/>
-            </a:r>
             <a:endParaRPr/>
           </a:p>
         </p:txBody>
@@ -1669,11 +1759,11 @@
 </file>
 
 <file path=ppt/slideLayouts/slideLayout1.xml><?xml version="1.0" encoding="utf-8"?>
-<p:sldLayout xmlns:a="http://schemas.openxmlformats.org/drawingml/2006/main" xmlns:r="http://schemas.openxmlformats.org/officeDocument/2006/relationships" xmlns:mc="http://schemas.openxmlformats.org/markup-compatibility/2006" xmlns:mv="urn:schemas-microsoft-com:mac:vml" xmlns:p="http://schemas.openxmlformats.org/presentationml/2006/main" xmlns:c="http://schemas.openxmlformats.org/drawingml/2006/chart" xmlns:dgm="http://schemas.openxmlformats.org/drawingml/2006/diagram" xmlns:o="urn:schemas-microsoft-com:office:office" xmlns:v="urn:schemas-microsoft-com:vml" xmlns:pvml="urn:schemas-microsoft-com:office:powerpoint" xmlns:com="http://schemas.openxmlformats.org/drawingml/2006/compatibility" xmlns:p14="http://schemas.microsoft.com/office/powerpoint/2010/main" xmlns:p15="http://schemas.microsoft.com/office/powerpoint/2012/main" matchingName="Title slide" type="title">
+<p:sldLayout xmlns:a="http://schemas.openxmlformats.org/drawingml/2006/main" xmlns:r="http://schemas.openxmlformats.org/officeDocument/2006/relationships" xmlns:p="http://schemas.openxmlformats.org/presentationml/2006/main" matchingName="Title slide" type="title">
   <p:cSld name="TITLE">
     <p:spTree>
       <p:nvGrpSpPr>
-        <p:cNvPr id="9" name="Shape 9"/>
+        <p:cNvPr id="1" name="Shape 9"/>
         <p:cNvGrpSpPr/>
         <p:nvPr/>
       </p:nvGrpSpPr>
@@ -1698,7 +1788,7 @@
           </a:xfrm>
           <a:prstGeom prst="triangle">
             <a:avLst>
-              <a:gd fmla="val 50000" name="adj"/>
+              <a:gd name="adj" fmla="val 50000"/>
             </a:avLst>
           </a:prstGeom>
           <a:solidFill>
@@ -1709,12 +1799,12 @@
           </a:ln>
         </p:spPr>
         <p:txBody>
-          <a:bodyPr anchorCtr="0" anchor="ctr" bIns="91425" lIns="91425" spcFirstLastPara="1" rIns="91425" wrap="square" tIns="91425">
+          <a:bodyPr spcFirstLastPara="1" wrap="square" lIns="91425" tIns="91425" rIns="91425" bIns="91425" anchor="ctr" anchorCtr="0">
             <a:noAutofit/>
           </a:bodyPr>
           <a:lstStyle/>
           <a:p>
-            <a:pPr indent="0" lvl="0" marL="0">
+            <a:pPr marL="0" lvl="0" indent="0">
               <a:spcBef>
                 <a:spcPts val="0"/>
               </a:spcBef>
@@ -1723,9 +1813,6 @@
               </a:spcAft>
               <a:buNone/>
             </a:pPr>
-            <a:r>
-              <a:t/>
-            </a:r>
             <a:endParaRPr/>
           </a:p>
         </p:txBody>
@@ -1752,12 +1839,12 @@
           </a:ln>
         </p:spPr>
         <p:txBody>
-          <a:bodyPr anchorCtr="0" anchor="ctr" bIns="91425" lIns="91425" spcFirstLastPara="1" rIns="91425" wrap="square" tIns="91425">
+          <a:bodyPr spcFirstLastPara="1" wrap="square" lIns="91425" tIns="91425" rIns="91425" bIns="91425" anchor="ctr" anchorCtr="0">
             <a:noAutofit/>
           </a:bodyPr>
           <a:lstStyle/>
           <a:p>
-            <a:pPr indent="0" lvl="0" marL="0">
+            <a:pPr marL="0" lvl="0" indent="0">
               <a:spcBef>
                 <a:spcPts val="0"/>
               </a:spcBef>
@@ -1766,9 +1853,6 @@
               </a:spcAft>
               <a:buNone/>
             </a:pPr>
-            <a:r>
-              <a:t/>
-            </a:r>
             <a:endParaRPr/>
           </a:p>
         </p:txBody>
@@ -1776,7 +1860,9 @@
       <p:sp>
         <p:nvSpPr>
           <p:cNvPr id="12" name="Shape 12"/>
-          <p:cNvSpPr txBox="1"/>
+          <p:cNvSpPr txBox="1">
+            <a:spLocks noGrp="1"/>
+          </p:cNvSpPr>
           <p:nvPr>
             <p:ph type="ctrTitle"/>
           </p:nvPr>
@@ -1791,7 +1877,7 @@
           </a:prstGeom>
         </p:spPr>
         <p:txBody>
-          <a:bodyPr anchorCtr="0" anchor="b" bIns="91425" lIns="91425" spcFirstLastPara="1" rIns="91425" wrap="square" tIns="91425"/>
+          <a:bodyPr spcFirstLastPara="1" wrap="square" lIns="91425" tIns="91425" rIns="91425" bIns="91425" anchor="b" anchorCtr="0"/>
           <a:lstStyle>
             <a:lvl1pPr lvl="0" algn="ctr">
               <a:spcBef>
@@ -1956,15 +2042,19 @@
               </a:defRPr>
             </a:lvl9pPr>
           </a:lstStyle>
-          <a:p/>
+          <a:p>
+            <a:endParaRPr/>
+          </a:p>
         </p:txBody>
       </p:sp>
       <p:sp>
         <p:nvSpPr>
           <p:cNvPr id="13" name="Shape 13"/>
-          <p:cNvSpPr txBox="1"/>
+          <p:cNvSpPr txBox="1">
+            <a:spLocks noGrp="1"/>
+          </p:cNvSpPr>
           <p:nvPr>
-            <p:ph idx="1" type="subTitle"/>
+            <p:ph type="subTitle" idx="1"/>
           </p:nvPr>
         </p:nvSpPr>
         <p:spPr>
@@ -1977,7 +2067,7 @@
           </a:prstGeom>
         </p:spPr>
         <p:txBody>
-          <a:bodyPr anchorCtr="0" anchor="ctr" bIns="91425" lIns="91425" spcFirstLastPara="1" rIns="91425" wrap="square" tIns="91425"/>
+          <a:bodyPr spcFirstLastPara="1" wrap="square" lIns="91425" tIns="91425" rIns="91425" bIns="91425" anchor="ctr" anchorCtr="0"/>
           <a:lstStyle>
             <a:lvl1pPr lvl="0" algn="ctr">
               <a:lnSpc>
@@ -2160,15 +2250,19 @@
               </a:defRPr>
             </a:lvl9pPr>
           </a:lstStyle>
-          <a:p/>
+          <a:p>
+            <a:endParaRPr/>
+          </a:p>
         </p:txBody>
       </p:sp>
       <p:sp>
         <p:nvSpPr>
           <p:cNvPr id="14" name="Shape 14"/>
-          <p:cNvSpPr txBox="1"/>
+          <p:cNvSpPr txBox="1">
+            <a:spLocks noGrp="1"/>
+          </p:cNvSpPr>
           <p:nvPr>
-            <p:ph idx="12" type="sldNum"/>
+            <p:ph type="sldNum" idx="12"/>
           </p:nvPr>
         </p:nvSpPr>
         <p:spPr>
@@ -2181,7 +2275,7 @@
           </a:prstGeom>
         </p:spPr>
         <p:txBody>
-          <a:bodyPr anchorCtr="0" anchor="ctr" bIns="91425" lIns="91425" spcFirstLastPara="1" rIns="91425" wrap="square" tIns="91425">
+          <a:bodyPr spcFirstLastPara="1" wrap="square" lIns="91425" tIns="91425" rIns="91425" bIns="91425" anchor="ctr" anchorCtr="0">
             <a:noAutofit/>
           </a:bodyPr>
           <a:lstStyle>
@@ -2250,7 +2344,7 @@
             </a:lvl9pPr>
           </a:lstStyle>
           <a:p>
-            <a:pPr indent="0" lvl="0" marL="0">
+            <a:pPr marL="0" lvl="0" indent="0">
               <a:spcBef>
                 <a:spcPts val="0"/>
               </a:spcBef>
@@ -2276,11 +2370,11 @@
 </file>
 
 <file path=ppt/slideLayouts/slideLayout10.xml><?xml version="1.0" encoding="utf-8"?>
-<p:sldLayout xmlns:a="http://schemas.openxmlformats.org/drawingml/2006/main" xmlns:r="http://schemas.openxmlformats.org/officeDocument/2006/relationships" xmlns:mc="http://schemas.openxmlformats.org/markup-compatibility/2006" xmlns:mv="urn:schemas-microsoft-com:mac:vml" xmlns:p="http://schemas.openxmlformats.org/presentationml/2006/main" xmlns:c="http://schemas.openxmlformats.org/drawingml/2006/chart" xmlns:dgm="http://schemas.openxmlformats.org/drawingml/2006/diagram" xmlns:o="urn:schemas-microsoft-com:office:office" xmlns:v="urn:schemas-microsoft-com:vml" xmlns:pvml="urn:schemas-microsoft-com:office:powerpoint" xmlns:com="http://schemas.openxmlformats.org/drawingml/2006/compatibility" xmlns:p14="http://schemas.microsoft.com/office/powerpoint/2010/main" xmlns:p15="http://schemas.microsoft.com/office/powerpoint/2012/main" matchingName="Big number">
+<p:sldLayout xmlns:a="http://schemas.openxmlformats.org/drawingml/2006/main" xmlns:r="http://schemas.openxmlformats.org/officeDocument/2006/relationships" xmlns:p="http://schemas.openxmlformats.org/presentationml/2006/main" matchingName="Big number">
   <p:cSld name="BIG_NUMBER">
     <p:spTree>
       <p:nvGrpSpPr>
-        <p:cNvPr id="51" name="Shape 51"/>
+        <p:cNvPr id="1" name="Shape 51"/>
         <p:cNvGrpSpPr/>
         <p:nvPr/>
       </p:nvGrpSpPr>
@@ -2307,21 +2401,23 @@
             <a:avLst/>
           </a:prstGeom>
           <a:noFill/>
-          <a:ln cap="flat" cmpd="sng" w="28575">
+          <a:ln w="28575" cap="flat" cmpd="sng">
             <a:solidFill>
               <a:schemeClr val="dk1"/>
             </a:solidFill>
             <a:prstDash val="lgDash"/>
             <a:round/>
-            <a:headEnd len="sm" w="sm" type="none"/>
-            <a:tailEnd len="sm" w="sm" type="none"/>
+            <a:headEnd type="none" w="sm" len="sm"/>
+            <a:tailEnd type="none" w="sm" len="sm"/>
           </a:ln>
         </p:spPr>
       </p:cxnSp>
       <p:sp>
         <p:nvSpPr>
           <p:cNvPr id="53" name="Shape 53"/>
-          <p:cNvSpPr txBox="1"/>
+          <p:cNvSpPr txBox="1">
+            <a:spLocks noGrp="1"/>
+          </p:cNvSpPr>
           <p:nvPr>
             <p:ph type="title"/>
           </p:nvPr>
@@ -2336,7 +2432,7 @@
           </a:prstGeom>
         </p:spPr>
         <p:txBody>
-          <a:bodyPr anchorCtr="0" anchor="b" bIns="91425" lIns="91425" spcFirstLastPara="1" rIns="91425" wrap="square" tIns="91425"/>
+          <a:bodyPr spcFirstLastPara="1" wrap="square" lIns="91425" tIns="91425" rIns="91425" bIns="91425" anchor="b" anchorCtr="0"/>
           <a:lstStyle>
             <a:lvl1pPr lvl="0">
               <a:spcBef>
@@ -2438,15 +2534,19 @@
               <a:defRPr sz="12000"/>
             </a:lvl9pPr>
           </a:lstStyle>
-          <a:p/>
+          <a:p>
+            <a:endParaRPr/>
+          </a:p>
         </p:txBody>
       </p:sp>
       <p:sp>
         <p:nvSpPr>
           <p:cNvPr id="54" name="Shape 54"/>
-          <p:cNvSpPr txBox="1"/>
+          <p:cNvSpPr txBox="1">
+            <a:spLocks noGrp="1"/>
+          </p:cNvSpPr>
           <p:nvPr>
-            <p:ph idx="1" type="body"/>
+            <p:ph type="body" idx="1"/>
           </p:nvPr>
         </p:nvSpPr>
         <p:spPr>
@@ -2459,9 +2559,9 @@
           </a:prstGeom>
         </p:spPr>
         <p:txBody>
-          <a:bodyPr anchorCtr="0" anchor="t" bIns="91425" lIns="91425" spcFirstLastPara="1" rIns="91425" wrap="square" tIns="91425"/>
+          <a:bodyPr spcFirstLastPara="1" wrap="square" lIns="91425" tIns="91425" rIns="91425" bIns="91425" anchor="t" anchorCtr="0"/>
           <a:lstStyle>
-            <a:lvl1pPr indent="-342900" lvl="0" marL="457200">
+            <a:lvl1pPr marL="457200" lvl="0" indent="-342900">
               <a:spcBef>
                 <a:spcPts val="0"/>
               </a:spcBef>
@@ -2472,7 +2572,7 @@
               <a:buChar char="●"/>
               <a:defRPr/>
             </a:lvl1pPr>
-            <a:lvl2pPr indent="-317500" lvl="1" marL="914400">
+            <a:lvl2pPr marL="914400" lvl="1" indent="-317500">
               <a:spcBef>
                 <a:spcPts val="1600"/>
               </a:spcBef>
@@ -2483,7 +2583,7 @@
               <a:buChar char="○"/>
               <a:defRPr/>
             </a:lvl2pPr>
-            <a:lvl3pPr indent="-317500" lvl="2" marL="1371600">
+            <a:lvl3pPr marL="1371600" lvl="2" indent="-317500">
               <a:spcBef>
                 <a:spcPts val="1600"/>
               </a:spcBef>
@@ -2494,7 +2594,7 @@
               <a:buChar char="■"/>
               <a:defRPr/>
             </a:lvl3pPr>
-            <a:lvl4pPr indent="-317500" lvl="3" marL="1828800">
+            <a:lvl4pPr marL="1828800" lvl="3" indent="-317500">
               <a:spcBef>
                 <a:spcPts val="1600"/>
               </a:spcBef>
@@ -2505,7 +2605,7 @@
               <a:buChar char="●"/>
               <a:defRPr/>
             </a:lvl4pPr>
-            <a:lvl5pPr indent="-317500" lvl="4" marL="2286000">
+            <a:lvl5pPr marL="2286000" lvl="4" indent="-317500">
               <a:spcBef>
                 <a:spcPts val="1600"/>
               </a:spcBef>
@@ -2516,7 +2616,7 @@
               <a:buChar char="○"/>
               <a:defRPr/>
             </a:lvl5pPr>
-            <a:lvl6pPr indent="-317500" lvl="5" marL="2743200">
+            <a:lvl6pPr marL="2743200" lvl="5" indent="-317500">
               <a:spcBef>
                 <a:spcPts val="1600"/>
               </a:spcBef>
@@ -2527,7 +2627,7 @@
               <a:buChar char="■"/>
               <a:defRPr/>
             </a:lvl6pPr>
-            <a:lvl7pPr indent="-317500" lvl="6" marL="3200400">
+            <a:lvl7pPr marL="3200400" lvl="6" indent="-317500">
               <a:spcBef>
                 <a:spcPts val="1600"/>
               </a:spcBef>
@@ -2538,7 +2638,7 @@
               <a:buChar char="●"/>
               <a:defRPr/>
             </a:lvl7pPr>
-            <a:lvl8pPr indent="-317500" lvl="7" marL="3657600">
+            <a:lvl8pPr marL="3657600" lvl="7" indent="-317500">
               <a:spcBef>
                 <a:spcPts val="1600"/>
               </a:spcBef>
@@ -2549,7 +2649,7 @@
               <a:buChar char="○"/>
               <a:defRPr/>
             </a:lvl8pPr>
-            <a:lvl9pPr indent="-317500" lvl="8" marL="4114800">
+            <a:lvl9pPr marL="4114800" lvl="8" indent="-317500">
               <a:spcBef>
                 <a:spcPts val="1600"/>
               </a:spcBef>
@@ -2561,15 +2661,19 @@
               <a:defRPr/>
             </a:lvl9pPr>
           </a:lstStyle>
-          <a:p/>
+          <a:p>
+            <a:endParaRPr/>
+          </a:p>
         </p:txBody>
       </p:sp>
       <p:sp>
         <p:nvSpPr>
           <p:cNvPr id="55" name="Shape 55"/>
-          <p:cNvSpPr txBox="1"/>
+          <p:cNvSpPr txBox="1">
+            <a:spLocks noGrp="1"/>
+          </p:cNvSpPr>
           <p:nvPr>
-            <p:ph idx="12" type="sldNum"/>
+            <p:ph type="sldNum" idx="12"/>
           </p:nvPr>
         </p:nvSpPr>
         <p:spPr>
@@ -2582,7 +2686,7 @@
           </a:prstGeom>
         </p:spPr>
         <p:txBody>
-          <a:bodyPr anchorCtr="0" anchor="ctr" bIns="91425" lIns="91425" spcFirstLastPara="1" rIns="91425" wrap="square" tIns="91425">
+          <a:bodyPr spcFirstLastPara="1" wrap="square" lIns="91425" tIns="91425" rIns="91425" bIns="91425" anchor="ctr" anchorCtr="0">
             <a:noAutofit/>
           </a:bodyPr>
           <a:lstStyle>
@@ -2651,7 +2755,7 @@
             </a:lvl9pPr>
           </a:lstStyle>
           <a:p>
-            <a:pPr indent="0" lvl="0" marL="0">
+            <a:pPr marL="0" lvl="0" indent="0">
               <a:spcBef>
                 <a:spcPts val="0"/>
               </a:spcBef>
@@ -2677,11 +2781,11 @@
 </file>
 
 <file path=ppt/slideLayouts/slideLayout11.xml><?xml version="1.0" encoding="utf-8"?>
-<p:sldLayout xmlns:a="http://schemas.openxmlformats.org/drawingml/2006/main" xmlns:r="http://schemas.openxmlformats.org/officeDocument/2006/relationships" xmlns:mc="http://schemas.openxmlformats.org/markup-compatibility/2006" xmlns:mv="urn:schemas-microsoft-com:mac:vml" xmlns:p="http://schemas.openxmlformats.org/presentationml/2006/main" xmlns:c="http://schemas.openxmlformats.org/drawingml/2006/chart" xmlns:dgm="http://schemas.openxmlformats.org/drawingml/2006/diagram" xmlns:o="urn:schemas-microsoft-com:office:office" xmlns:v="urn:schemas-microsoft-com:vml" xmlns:pvml="urn:schemas-microsoft-com:office:powerpoint" xmlns:com="http://schemas.openxmlformats.org/drawingml/2006/compatibility" xmlns:p14="http://schemas.microsoft.com/office/powerpoint/2010/main" xmlns:p15="http://schemas.microsoft.com/office/powerpoint/2012/main" matchingName="Blank" type="blank">
+<p:sldLayout xmlns:a="http://schemas.openxmlformats.org/drawingml/2006/main" xmlns:r="http://schemas.openxmlformats.org/officeDocument/2006/relationships" xmlns:p="http://schemas.openxmlformats.org/presentationml/2006/main" matchingName="Blank" type="blank">
   <p:cSld name="BLANK">
     <p:spTree>
       <p:nvGrpSpPr>
-        <p:cNvPr id="56" name="Shape 56"/>
+        <p:cNvPr id="1" name="Shape 56"/>
         <p:cNvGrpSpPr/>
         <p:nvPr/>
       </p:nvGrpSpPr>
@@ -2696,9 +2800,11 @@
       <p:sp>
         <p:nvSpPr>
           <p:cNvPr id="57" name="Shape 57"/>
-          <p:cNvSpPr txBox="1"/>
+          <p:cNvSpPr txBox="1">
+            <a:spLocks noGrp="1"/>
+          </p:cNvSpPr>
           <p:nvPr>
-            <p:ph idx="12" type="sldNum"/>
+            <p:ph type="sldNum" idx="12"/>
           </p:nvPr>
         </p:nvSpPr>
         <p:spPr>
@@ -2711,7 +2817,7 @@
           </a:prstGeom>
         </p:spPr>
         <p:txBody>
-          <a:bodyPr anchorCtr="0" anchor="ctr" bIns="91425" lIns="91425" spcFirstLastPara="1" rIns="91425" wrap="square" tIns="91425">
+          <a:bodyPr spcFirstLastPara="1" wrap="square" lIns="91425" tIns="91425" rIns="91425" bIns="91425" anchor="ctr" anchorCtr="0">
             <a:noAutofit/>
           </a:bodyPr>
           <a:lstStyle>
@@ -2780,7 +2886,7 @@
             </a:lvl9pPr>
           </a:lstStyle>
           <a:p>
-            <a:pPr indent="0" lvl="0" marL="0">
+            <a:pPr marL="0" lvl="0" indent="0">
               <a:spcBef>
                 <a:spcPts val="0"/>
               </a:spcBef>
@@ -2806,11 +2912,11 @@
 </file>
 
 <file path=ppt/slideLayouts/slideLayout2.xml><?xml version="1.0" encoding="utf-8"?>
-<p:sldLayout xmlns:a="http://schemas.openxmlformats.org/drawingml/2006/main" xmlns:r="http://schemas.openxmlformats.org/officeDocument/2006/relationships" xmlns:mc="http://schemas.openxmlformats.org/markup-compatibility/2006" xmlns:mv="urn:schemas-microsoft-com:mac:vml" xmlns:p="http://schemas.openxmlformats.org/presentationml/2006/main" xmlns:c="http://schemas.openxmlformats.org/drawingml/2006/chart" xmlns:dgm="http://schemas.openxmlformats.org/drawingml/2006/diagram" xmlns:o="urn:schemas-microsoft-com:office:office" xmlns:v="urn:schemas-microsoft-com:vml" xmlns:pvml="urn:schemas-microsoft-com:office:powerpoint" xmlns:com="http://schemas.openxmlformats.org/drawingml/2006/compatibility" xmlns:p14="http://schemas.microsoft.com/office/powerpoint/2010/main" xmlns:p15="http://schemas.microsoft.com/office/powerpoint/2012/main" matchingName="Section header" type="secHead">
+<p:sldLayout xmlns:a="http://schemas.openxmlformats.org/drawingml/2006/main" xmlns:r="http://schemas.openxmlformats.org/officeDocument/2006/relationships" xmlns:p="http://schemas.openxmlformats.org/presentationml/2006/main" matchingName="Section header" type="secHead">
   <p:cSld name="SECTION_HEADER">
     <p:spTree>
       <p:nvGrpSpPr>
-        <p:cNvPr id="15" name="Shape 15"/>
+        <p:cNvPr id="1" name="Shape 15"/>
         <p:cNvGrpSpPr/>
         <p:nvPr/>
       </p:nvGrpSpPr>
@@ -2844,12 +2950,12 @@
           </a:ln>
         </p:spPr>
         <p:txBody>
-          <a:bodyPr anchorCtr="0" anchor="ctr" bIns="91425" lIns="91425" spcFirstLastPara="1" rIns="91425" wrap="square" tIns="91425">
+          <a:bodyPr spcFirstLastPara="1" wrap="square" lIns="91425" tIns="91425" rIns="91425" bIns="91425" anchor="ctr" anchorCtr="0">
             <a:noAutofit/>
           </a:bodyPr>
           <a:lstStyle/>
           <a:p>
-            <a:pPr indent="0" lvl="0" marL="0">
+            <a:pPr marL="0" lvl="0" indent="0">
               <a:spcBef>
                 <a:spcPts val="0"/>
               </a:spcBef>
@@ -2858,9 +2964,6 @@
               </a:spcAft>
               <a:buNone/>
             </a:pPr>
-            <a:r>
-              <a:t/>
-            </a:r>
             <a:endParaRPr/>
           </a:p>
         </p:txBody>
@@ -2868,7 +2971,9 @@
       <p:sp>
         <p:nvSpPr>
           <p:cNvPr id="17" name="Shape 17"/>
-          <p:cNvSpPr txBox="1"/>
+          <p:cNvSpPr txBox="1">
+            <a:spLocks noGrp="1"/>
+          </p:cNvSpPr>
           <p:nvPr>
             <p:ph type="title"/>
           </p:nvPr>
@@ -2883,7 +2988,7 @@
           </a:prstGeom>
         </p:spPr>
         <p:txBody>
-          <a:bodyPr anchorCtr="0" anchor="ctr" bIns="91425" lIns="91425" spcFirstLastPara="1" rIns="91425" wrap="square" tIns="91425"/>
+          <a:bodyPr spcFirstLastPara="1" wrap="square" lIns="91425" tIns="91425" rIns="91425" bIns="91425" anchor="ctr" anchorCtr="0"/>
           <a:lstStyle>
             <a:lvl1pPr lvl="0" algn="ctr">
               <a:spcBef>
@@ -3048,15 +3153,19 @@
               </a:defRPr>
             </a:lvl9pPr>
           </a:lstStyle>
-          <a:p/>
+          <a:p>
+            <a:endParaRPr/>
+          </a:p>
         </p:txBody>
       </p:sp>
       <p:sp>
         <p:nvSpPr>
           <p:cNvPr id="18" name="Shape 18"/>
-          <p:cNvSpPr txBox="1"/>
+          <p:cNvSpPr txBox="1">
+            <a:spLocks noGrp="1"/>
+          </p:cNvSpPr>
           <p:nvPr>
-            <p:ph idx="12" type="sldNum"/>
+            <p:ph type="sldNum" idx="12"/>
           </p:nvPr>
         </p:nvSpPr>
         <p:spPr>
@@ -3069,7 +3178,7 @@
           </a:prstGeom>
         </p:spPr>
         <p:txBody>
-          <a:bodyPr anchorCtr="0" anchor="ctr" bIns="91425" lIns="91425" spcFirstLastPara="1" rIns="91425" wrap="square" tIns="91425">
+          <a:bodyPr spcFirstLastPara="1" wrap="square" lIns="91425" tIns="91425" rIns="91425" bIns="91425" anchor="ctr" anchorCtr="0">
             <a:noAutofit/>
           </a:bodyPr>
           <a:lstStyle>
@@ -3138,7 +3247,7 @@
             </a:lvl9pPr>
           </a:lstStyle>
           <a:p>
-            <a:pPr indent="0" lvl="0" marL="0">
+            <a:pPr marL="0" lvl="0" indent="0">
               <a:spcBef>
                 <a:spcPts val="0"/>
               </a:spcBef>
@@ -3164,11 +3273,11 @@
 </file>
 
 <file path=ppt/slideLayouts/slideLayout3.xml><?xml version="1.0" encoding="utf-8"?>
-<p:sldLayout xmlns:a="http://schemas.openxmlformats.org/drawingml/2006/main" xmlns:r="http://schemas.openxmlformats.org/officeDocument/2006/relationships" xmlns:mc="http://schemas.openxmlformats.org/markup-compatibility/2006" xmlns:mv="urn:schemas-microsoft-com:mac:vml" xmlns:p="http://schemas.openxmlformats.org/presentationml/2006/main" xmlns:c="http://schemas.openxmlformats.org/drawingml/2006/chart" xmlns:dgm="http://schemas.openxmlformats.org/drawingml/2006/diagram" xmlns:o="urn:schemas-microsoft-com:office:office" xmlns:v="urn:schemas-microsoft-com:vml" xmlns:pvml="urn:schemas-microsoft-com:office:powerpoint" xmlns:com="http://schemas.openxmlformats.org/drawingml/2006/compatibility" xmlns:p14="http://schemas.microsoft.com/office/powerpoint/2010/main" xmlns:p15="http://schemas.microsoft.com/office/powerpoint/2012/main" matchingName="Title and body" type="tx">
+<p:sldLayout xmlns:a="http://schemas.openxmlformats.org/drawingml/2006/main" xmlns:r="http://schemas.openxmlformats.org/officeDocument/2006/relationships" xmlns:p="http://schemas.openxmlformats.org/presentationml/2006/main" matchingName="Title and body" type="tx">
   <p:cSld name="TITLE_AND_BODY">
     <p:spTree>
       <p:nvGrpSpPr>
-        <p:cNvPr id="19" name="Shape 19"/>
+        <p:cNvPr id="1" name="Shape 19"/>
         <p:cNvGrpSpPr/>
         <p:nvPr/>
       </p:nvGrpSpPr>
@@ -3195,21 +3304,23 @@
             <a:avLst/>
           </a:prstGeom>
           <a:noFill/>
-          <a:ln cap="flat" cmpd="sng" w="19050">
+          <a:ln w="19050" cap="flat" cmpd="sng">
             <a:solidFill>
               <a:schemeClr val="dk2"/>
             </a:solidFill>
             <a:prstDash val="lgDash"/>
             <a:round/>
-            <a:headEnd len="sm" w="sm" type="none"/>
-            <a:tailEnd len="sm" w="sm" type="none"/>
+            <a:headEnd type="none" w="sm" len="sm"/>
+            <a:tailEnd type="none" w="sm" len="sm"/>
           </a:ln>
         </p:spPr>
       </p:cxnSp>
       <p:sp>
         <p:nvSpPr>
           <p:cNvPr id="21" name="Shape 21"/>
-          <p:cNvSpPr txBox="1"/>
+          <p:cNvSpPr txBox="1">
+            <a:spLocks noGrp="1"/>
+          </p:cNvSpPr>
           <p:nvPr>
             <p:ph type="title"/>
           </p:nvPr>
@@ -3224,7 +3335,7 @@
           </a:prstGeom>
         </p:spPr>
         <p:txBody>
-          <a:bodyPr anchorCtr="0" anchor="b" bIns="91425" lIns="91425" spcFirstLastPara="1" rIns="91425" wrap="square" tIns="91425"/>
+          <a:bodyPr spcFirstLastPara="1" wrap="square" lIns="91425" tIns="91425" rIns="91425" bIns="91425" anchor="b" anchorCtr="0"/>
           <a:lstStyle>
             <a:lvl1pPr lvl="0">
               <a:spcBef>
@@ -3326,15 +3437,19 @@
               <a:defRPr/>
             </a:lvl9pPr>
           </a:lstStyle>
-          <a:p/>
+          <a:p>
+            <a:endParaRPr/>
+          </a:p>
         </p:txBody>
       </p:sp>
       <p:sp>
         <p:nvSpPr>
           <p:cNvPr id="22" name="Shape 22"/>
-          <p:cNvSpPr txBox="1"/>
+          <p:cNvSpPr txBox="1">
+            <a:spLocks noGrp="1"/>
+          </p:cNvSpPr>
           <p:nvPr>
-            <p:ph idx="1" type="body"/>
+            <p:ph type="body" idx="1"/>
           </p:nvPr>
         </p:nvSpPr>
         <p:spPr>
@@ -3347,9 +3462,9 @@
           </a:prstGeom>
         </p:spPr>
         <p:txBody>
-          <a:bodyPr anchorCtr="0" anchor="t" bIns="91425" lIns="91425" spcFirstLastPara="1" rIns="91425" wrap="square" tIns="91425"/>
+          <a:bodyPr spcFirstLastPara="1" wrap="square" lIns="91425" tIns="91425" rIns="91425" bIns="91425" anchor="t" anchorCtr="0"/>
           <a:lstStyle>
-            <a:lvl1pPr indent="-342900" lvl="0" marL="457200">
+            <a:lvl1pPr marL="457200" lvl="0" indent="-342900">
               <a:spcBef>
                 <a:spcPts val="0"/>
               </a:spcBef>
@@ -3360,7 +3475,7 @@
               <a:buChar char="●"/>
               <a:defRPr/>
             </a:lvl1pPr>
-            <a:lvl2pPr indent="-317500" lvl="1" marL="914400">
+            <a:lvl2pPr marL="914400" lvl="1" indent="-317500">
               <a:spcBef>
                 <a:spcPts val="1600"/>
               </a:spcBef>
@@ -3371,7 +3486,7 @@
               <a:buChar char="○"/>
               <a:defRPr/>
             </a:lvl2pPr>
-            <a:lvl3pPr indent="-317500" lvl="2" marL="1371600">
+            <a:lvl3pPr marL="1371600" lvl="2" indent="-317500">
               <a:spcBef>
                 <a:spcPts val="1600"/>
               </a:spcBef>
@@ -3382,7 +3497,7 @@
               <a:buChar char="■"/>
               <a:defRPr/>
             </a:lvl3pPr>
-            <a:lvl4pPr indent="-317500" lvl="3" marL="1828800">
+            <a:lvl4pPr marL="1828800" lvl="3" indent="-317500">
               <a:spcBef>
                 <a:spcPts val="1600"/>
               </a:spcBef>
@@ -3393,7 +3508,7 @@
               <a:buChar char="●"/>
               <a:defRPr/>
             </a:lvl4pPr>
-            <a:lvl5pPr indent="-317500" lvl="4" marL="2286000">
+            <a:lvl5pPr marL="2286000" lvl="4" indent="-317500">
               <a:spcBef>
                 <a:spcPts val="1600"/>
               </a:spcBef>
@@ -3404,7 +3519,7 @@
               <a:buChar char="○"/>
               <a:defRPr/>
             </a:lvl5pPr>
-            <a:lvl6pPr indent="-317500" lvl="5" marL="2743200">
+            <a:lvl6pPr marL="2743200" lvl="5" indent="-317500">
               <a:spcBef>
                 <a:spcPts val="1600"/>
               </a:spcBef>
@@ -3415,7 +3530,7 @@
               <a:buChar char="■"/>
               <a:defRPr/>
             </a:lvl6pPr>
-            <a:lvl7pPr indent="-317500" lvl="6" marL="3200400">
+            <a:lvl7pPr marL="3200400" lvl="6" indent="-317500">
               <a:spcBef>
                 <a:spcPts val="1600"/>
               </a:spcBef>
@@ -3426,7 +3541,7 @@
               <a:buChar char="●"/>
               <a:defRPr/>
             </a:lvl7pPr>
-            <a:lvl8pPr indent="-317500" lvl="7" marL="3657600">
+            <a:lvl8pPr marL="3657600" lvl="7" indent="-317500">
               <a:spcBef>
                 <a:spcPts val="1600"/>
               </a:spcBef>
@@ -3437,7 +3552,7 @@
               <a:buChar char="○"/>
               <a:defRPr/>
             </a:lvl8pPr>
-            <a:lvl9pPr indent="-317500" lvl="8" marL="4114800">
+            <a:lvl9pPr marL="4114800" lvl="8" indent="-317500">
               <a:spcBef>
                 <a:spcPts val="1600"/>
               </a:spcBef>
@@ -3449,15 +3564,19 @@
               <a:defRPr/>
             </a:lvl9pPr>
           </a:lstStyle>
-          <a:p/>
+          <a:p>
+            <a:endParaRPr/>
+          </a:p>
         </p:txBody>
       </p:sp>
       <p:sp>
         <p:nvSpPr>
           <p:cNvPr id="23" name="Shape 23"/>
-          <p:cNvSpPr txBox="1"/>
+          <p:cNvSpPr txBox="1">
+            <a:spLocks noGrp="1"/>
+          </p:cNvSpPr>
           <p:nvPr>
-            <p:ph idx="12" type="sldNum"/>
+            <p:ph type="sldNum" idx="12"/>
           </p:nvPr>
         </p:nvSpPr>
         <p:spPr>
@@ -3470,7 +3589,7 @@
           </a:prstGeom>
         </p:spPr>
         <p:txBody>
-          <a:bodyPr anchorCtr="0" anchor="ctr" bIns="91425" lIns="91425" spcFirstLastPara="1" rIns="91425" wrap="square" tIns="91425">
+          <a:bodyPr spcFirstLastPara="1" wrap="square" lIns="91425" tIns="91425" rIns="91425" bIns="91425" anchor="ctr" anchorCtr="0">
             <a:noAutofit/>
           </a:bodyPr>
           <a:lstStyle>
@@ -3539,7 +3658,7 @@
             </a:lvl9pPr>
           </a:lstStyle>
           <a:p>
-            <a:pPr indent="0" lvl="0" marL="0">
+            <a:pPr marL="0" lvl="0" indent="0">
               <a:spcBef>
                 <a:spcPts val="0"/>
               </a:spcBef>
@@ -3565,11 +3684,11 @@
 </file>
 
 <file path=ppt/slideLayouts/slideLayout4.xml><?xml version="1.0" encoding="utf-8"?>
-<p:sldLayout xmlns:a="http://schemas.openxmlformats.org/drawingml/2006/main" xmlns:r="http://schemas.openxmlformats.org/officeDocument/2006/relationships" xmlns:mc="http://schemas.openxmlformats.org/markup-compatibility/2006" xmlns:mv="urn:schemas-microsoft-com:mac:vml" xmlns:p="http://schemas.openxmlformats.org/presentationml/2006/main" xmlns:c="http://schemas.openxmlformats.org/drawingml/2006/chart" xmlns:dgm="http://schemas.openxmlformats.org/drawingml/2006/diagram" xmlns:o="urn:schemas-microsoft-com:office:office" xmlns:v="urn:schemas-microsoft-com:vml" xmlns:pvml="urn:schemas-microsoft-com:office:powerpoint" xmlns:com="http://schemas.openxmlformats.org/drawingml/2006/compatibility" xmlns:p14="http://schemas.microsoft.com/office/powerpoint/2010/main" xmlns:p15="http://schemas.microsoft.com/office/powerpoint/2012/main" matchingName="Title and two columns" type="twoColTx">
+<p:sldLayout xmlns:a="http://schemas.openxmlformats.org/drawingml/2006/main" xmlns:r="http://schemas.openxmlformats.org/officeDocument/2006/relationships" xmlns:p="http://schemas.openxmlformats.org/presentationml/2006/main" matchingName="Title and two columns" type="twoColTx">
   <p:cSld name="TITLE_AND_TWO_COLUMNS">
     <p:spTree>
       <p:nvGrpSpPr>
-        <p:cNvPr id="24" name="Shape 24"/>
+        <p:cNvPr id="1" name="Shape 24"/>
         <p:cNvGrpSpPr/>
         <p:nvPr/>
       </p:nvGrpSpPr>
@@ -3596,21 +3715,23 @@
             <a:avLst/>
           </a:prstGeom>
           <a:noFill/>
-          <a:ln cap="flat" cmpd="sng" w="19050">
+          <a:ln w="19050" cap="flat" cmpd="sng">
             <a:solidFill>
               <a:schemeClr val="dk2"/>
             </a:solidFill>
             <a:prstDash val="lgDash"/>
             <a:round/>
-            <a:headEnd len="sm" w="sm" type="none"/>
-            <a:tailEnd len="sm" w="sm" type="none"/>
+            <a:headEnd type="none" w="sm" len="sm"/>
+            <a:tailEnd type="none" w="sm" len="sm"/>
           </a:ln>
         </p:spPr>
       </p:cxnSp>
       <p:sp>
         <p:nvSpPr>
           <p:cNvPr id="26" name="Shape 26"/>
-          <p:cNvSpPr txBox="1"/>
+          <p:cNvSpPr txBox="1">
+            <a:spLocks noGrp="1"/>
+          </p:cNvSpPr>
           <p:nvPr>
             <p:ph type="title"/>
           </p:nvPr>
@@ -3625,7 +3746,7 @@
           </a:prstGeom>
         </p:spPr>
         <p:txBody>
-          <a:bodyPr anchorCtr="0" anchor="b" bIns="91425" lIns="91425" spcFirstLastPara="1" rIns="91425" wrap="square" tIns="91425"/>
+          <a:bodyPr spcFirstLastPara="1" wrap="square" lIns="91425" tIns="91425" rIns="91425" bIns="91425" anchor="b" anchorCtr="0"/>
           <a:lstStyle>
             <a:lvl1pPr lvl="0">
               <a:spcBef>
@@ -3727,15 +3848,19 @@
               <a:defRPr/>
             </a:lvl9pPr>
           </a:lstStyle>
-          <a:p/>
+          <a:p>
+            <a:endParaRPr/>
+          </a:p>
         </p:txBody>
       </p:sp>
       <p:sp>
         <p:nvSpPr>
           <p:cNvPr id="27" name="Shape 27"/>
-          <p:cNvSpPr txBox="1"/>
+          <p:cNvSpPr txBox="1">
+            <a:spLocks noGrp="1"/>
+          </p:cNvSpPr>
           <p:nvPr>
-            <p:ph idx="1" type="body"/>
+            <p:ph type="body" idx="1"/>
           </p:nvPr>
         </p:nvSpPr>
         <p:spPr>
@@ -3748,9 +3873,9 @@
           </a:prstGeom>
         </p:spPr>
         <p:txBody>
-          <a:bodyPr anchorCtr="0" anchor="t" bIns="91425" lIns="91425" spcFirstLastPara="1" rIns="91425" wrap="square" tIns="91425"/>
+          <a:bodyPr spcFirstLastPara="1" wrap="square" lIns="91425" tIns="91425" rIns="91425" bIns="91425" anchor="t" anchorCtr="0"/>
           <a:lstStyle>
-            <a:lvl1pPr indent="-317500" lvl="0" marL="457200">
+            <a:lvl1pPr marL="457200" lvl="0" indent="-317500">
               <a:spcBef>
                 <a:spcPts val="0"/>
               </a:spcBef>
@@ -3761,7 +3886,7 @@
               <a:buChar char="●"/>
               <a:defRPr sz="1400"/>
             </a:lvl1pPr>
-            <a:lvl2pPr indent="-304800" lvl="1" marL="914400">
+            <a:lvl2pPr marL="914400" lvl="1" indent="-304800">
               <a:spcBef>
                 <a:spcPts val="1600"/>
               </a:spcBef>
@@ -3772,7 +3897,7 @@
               <a:buChar char="○"/>
               <a:defRPr sz="1200"/>
             </a:lvl2pPr>
-            <a:lvl3pPr indent="-304800" lvl="2" marL="1371600">
+            <a:lvl3pPr marL="1371600" lvl="2" indent="-304800">
               <a:spcBef>
                 <a:spcPts val="1600"/>
               </a:spcBef>
@@ -3783,7 +3908,7 @@
               <a:buChar char="■"/>
               <a:defRPr sz="1200"/>
             </a:lvl3pPr>
-            <a:lvl4pPr indent="-304800" lvl="3" marL="1828800">
+            <a:lvl4pPr marL="1828800" lvl="3" indent="-304800">
               <a:spcBef>
                 <a:spcPts val="1600"/>
               </a:spcBef>
@@ -3794,7 +3919,7 @@
               <a:buChar char="●"/>
               <a:defRPr sz="1200"/>
             </a:lvl4pPr>
-            <a:lvl5pPr indent="-304800" lvl="4" marL="2286000">
+            <a:lvl5pPr marL="2286000" lvl="4" indent="-304800">
               <a:spcBef>
                 <a:spcPts val="1600"/>
               </a:spcBef>
@@ -3805,7 +3930,7 @@
               <a:buChar char="○"/>
               <a:defRPr sz="1200"/>
             </a:lvl5pPr>
-            <a:lvl6pPr indent="-304800" lvl="5" marL="2743200">
+            <a:lvl6pPr marL="2743200" lvl="5" indent="-304800">
               <a:spcBef>
                 <a:spcPts val="1600"/>
               </a:spcBef>
@@ -3816,7 +3941,7 @@
               <a:buChar char="■"/>
               <a:defRPr sz="1200"/>
             </a:lvl6pPr>
-            <a:lvl7pPr indent="-304800" lvl="6" marL="3200400">
+            <a:lvl7pPr marL="3200400" lvl="6" indent="-304800">
               <a:spcBef>
                 <a:spcPts val="1600"/>
               </a:spcBef>
@@ -3827,7 +3952,7 @@
               <a:buChar char="●"/>
               <a:defRPr sz="1200"/>
             </a:lvl7pPr>
-            <a:lvl8pPr indent="-304800" lvl="7" marL="3657600">
+            <a:lvl8pPr marL="3657600" lvl="7" indent="-304800">
               <a:spcBef>
                 <a:spcPts val="1600"/>
               </a:spcBef>
@@ -3838,7 +3963,7 @@
               <a:buChar char="○"/>
               <a:defRPr sz="1200"/>
             </a:lvl8pPr>
-            <a:lvl9pPr indent="-304800" lvl="8" marL="4114800">
+            <a:lvl9pPr marL="4114800" lvl="8" indent="-304800">
               <a:spcBef>
                 <a:spcPts val="1600"/>
               </a:spcBef>
@@ -3850,15 +3975,19 @@
               <a:defRPr sz="1200"/>
             </a:lvl9pPr>
           </a:lstStyle>
-          <a:p/>
+          <a:p>
+            <a:endParaRPr/>
+          </a:p>
         </p:txBody>
       </p:sp>
       <p:sp>
         <p:nvSpPr>
           <p:cNvPr id="28" name="Shape 28"/>
-          <p:cNvSpPr txBox="1"/>
+          <p:cNvSpPr txBox="1">
+            <a:spLocks noGrp="1"/>
+          </p:cNvSpPr>
           <p:nvPr>
-            <p:ph idx="2" type="body"/>
+            <p:ph type="body" idx="2"/>
           </p:nvPr>
         </p:nvSpPr>
         <p:spPr>
@@ -3871,9 +4000,9 @@
           </a:prstGeom>
         </p:spPr>
         <p:txBody>
-          <a:bodyPr anchorCtr="0" anchor="t" bIns="91425" lIns="91425" spcFirstLastPara="1" rIns="91425" wrap="square" tIns="91425"/>
+          <a:bodyPr spcFirstLastPara="1" wrap="square" lIns="91425" tIns="91425" rIns="91425" bIns="91425" anchor="t" anchorCtr="0"/>
           <a:lstStyle>
-            <a:lvl1pPr indent="-317500" lvl="0" marL="457200">
+            <a:lvl1pPr marL="457200" lvl="0" indent="-317500">
               <a:spcBef>
                 <a:spcPts val="0"/>
               </a:spcBef>
@@ -3884,7 +4013,7 @@
               <a:buChar char="●"/>
               <a:defRPr sz="1400"/>
             </a:lvl1pPr>
-            <a:lvl2pPr indent="-304800" lvl="1" marL="914400">
+            <a:lvl2pPr marL="914400" lvl="1" indent="-304800">
               <a:spcBef>
                 <a:spcPts val="1600"/>
               </a:spcBef>
@@ -3895,7 +4024,7 @@
               <a:buChar char="○"/>
               <a:defRPr sz="1200"/>
             </a:lvl2pPr>
-            <a:lvl3pPr indent="-304800" lvl="2" marL="1371600">
+            <a:lvl3pPr marL="1371600" lvl="2" indent="-304800">
               <a:spcBef>
                 <a:spcPts val="1600"/>
               </a:spcBef>
@@ -3906,7 +4035,7 @@
               <a:buChar char="■"/>
               <a:defRPr sz="1200"/>
             </a:lvl3pPr>
-            <a:lvl4pPr indent="-304800" lvl="3" marL="1828800">
+            <a:lvl4pPr marL="1828800" lvl="3" indent="-304800">
               <a:spcBef>
                 <a:spcPts val="1600"/>
               </a:spcBef>
@@ -3917,7 +4046,7 @@
               <a:buChar char="●"/>
               <a:defRPr sz="1200"/>
             </a:lvl4pPr>
-            <a:lvl5pPr indent="-304800" lvl="4" marL="2286000">
+            <a:lvl5pPr marL="2286000" lvl="4" indent="-304800">
               <a:spcBef>
                 <a:spcPts val="1600"/>
               </a:spcBef>
@@ -3928,7 +4057,7 @@
               <a:buChar char="○"/>
               <a:defRPr sz="1200"/>
             </a:lvl5pPr>
-            <a:lvl6pPr indent="-304800" lvl="5" marL="2743200">
+            <a:lvl6pPr marL="2743200" lvl="5" indent="-304800">
               <a:spcBef>
                 <a:spcPts val="1600"/>
               </a:spcBef>
@@ -3939,7 +4068,7 @@
               <a:buChar char="■"/>
               <a:defRPr sz="1200"/>
             </a:lvl6pPr>
-            <a:lvl7pPr indent="-304800" lvl="6" marL="3200400">
+            <a:lvl7pPr marL="3200400" lvl="6" indent="-304800">
               <a:spcBef>
                 <a:spcPts val="1600"/>
               </a:spcBef>
@@ -3950,7 +4079,7 @@
               <a:buChar char="●"/>
               <a:defRPr sz="1200"/>
             </a:lvl7pPr>
-            <a:lvl8pPr indent="-304800" lvl="7" marL="3657600">
+            <a:lvl8pPr marL="3657600" lvl="7" indent="-304800">
               <a:spcBef>
                 <a:spcPts val="1600"/>
               </a:spcBef>
@@ -3961,7 +4090,7 @@
               <a:buChar char="○"/>
               <a:defRPr sz="1200"/>
             </a:lvl8pPr>
-            <a:lvl9pPr indent="-304800" lvl="8" marL="4114800">
+            <a:lvl9pPr marL="4114800" lvl="8" indent="-304800">
               <a:spcBef>
                 <a:spcPts val="1600"/>
               </a:spcBef>
@@ -3973,15 +4102,19 @@
               <a:defRPr sz="1200"/>
             </a:lvl9pPr>
           </a:lstStyle>
-          <a:p/>
+          <a:p>
+            <a:endParaRPr/>
+          </a:p>
         </p:txBody>
       </p:sp>
       <p:sp>
         <p:nvSpPr>
           <p:cNvPr id="29" name="Shape 29"/>
-          <p:cNvSpPr txBox="1"/>
+          <p:cNvSpPr txBox="1">
+            <a:spLocks noGrp="1"/>
+          </p:cNvSpPr>
           <p:nvPr>
-            <p:ph idx="12" type="sldNum"/>
+            <p:ph type="sldNum" idx="12"/>
           </p:nvPr>
         </p:nvSpPr>
         <p:spPr>
@@ -3994,7 +4127,7 @@
           </a:prstGeom>
         </p:spPr>
         <p:txBody>
-          <a:bodyPr anchorCtr="0" anchor="ctr" bIns="91425" lIns="91425" spcFirstLastPara="1" rIns="91425" wrap="square" tIns="91425">
+          <a:bodyPr spcFirstLastPara="1" wrap="square" lIns="91425" tIns="91425" rIns="91425" bIns="91425" anchor="ctr" anchorCtr="0">
             <a:noAutofit/>
           </a:bodyPr>
           <a:lstStyle>
@@ -4063,7 +4196,7 @@
             </a:lvl9pPr>
           </a:lstStyle>
           <a:p>
-            <a:pPr indent="0" lvl="0" marL="0">
+            <a:pPr marL="0" lvl="0" indent="0">
               <a:spcBef>
                 <a:spcPts val="0"/>
               </a:spcBef>
@@ -4089,11 +4222,11 @@
 </file>
 
 <file path=ppt/slideLayouts/slideLayout5.xml><?xml version="1.0" encoding="utf-8"?>
-<p:sldLayout xmlns:a="http://schemas.openxmlformats.org/drawingml/2006/main" xmlns:r="http://schemas.openxmlformats.org/officeDocument/2006/relationships" xmlns:mc="http://schemas.openxmlformats.org/markup-compatibility/2006" xmlns:mv="urn:schemas-microsoft-com:mac:vml" xmlns:p="http://schemas.openxmlformats.org/presentationml/2006/main" xmlns:c="http://schemas.openxmlformats.org/drawingml/2006/chart" xmlns:dgm="http://schemas.openxmlformats.org/drawingml/2006/diagram" xmlns:o="urn:schemas-microsoft-com:office:office" xmlns:v="urn:schemas-microsoft-com:vml" xmlns:pvml="urn:schemas-microsoft-com:office:powerpoint" xmlns:com="http://schemas.openxmlformats.org/drawingml/2006/compatibility" xmlns:p14="http://schemas.microsoft.com/office/powerpoint/2010/main" xmlns:p15="http://schemas.microsoft.com/office/powerpoint/2012/main" matchingName="Title only" type="titleOnly">
+<p:sldLayout xmlns:a="http://schemas.openxmlformats.org/drawingml/2006/main" xmlns:r="http://schemas.openxmlformats.org/officeDocument/2006/relationships" xmlns:p="http://schemas.openxmlformats.org/presentationml/2006/main" matchingName="Title only" type="titleOnly">
   <p:cSld name="TITLE_ONLY">
     <p:spTree>
       <p:nvGrpSpPr>
-        <p:cNvPr id="30" name="Shape 30"/>
+        <p:cNvPr id="1" name="Shape 30"/>
         <p:cNvGrpSpPr/>
         <p:nvPr/>
       </p:nvGrpSpPr>
@@ -4108,7 +4241,9 @@
       <p:sp>
         <p:nvSpPr>
           <p:cNvPr id="31" name="Shape 31"/>
-          <p:cNvSpPr txBox="1"/>
+          <p:cNvSpPr txBox="1">
+            <a:spLocks noGrp="1"/>
+          </p:cNvSpPr>
           <p:nvPr>
             <p:ph type="title"/>
           </p:nvPr>
@@ -4123,7 +4258,7 @@
           </a:prstGeom>
         </p:spPr>
         <p:txBody>
-          <a:bodyPr anchorCtr="0" anchor="b" bIns="91425" lIns="91425" spcFirstLastPara="1" rIns="91425" wrap="square" tIns="91425"/>
+          <a:bodyPr spcFirstLastPara="1" wrap="square" lIns="91425" tIns="91425" rIns="91425" bIns="91425" anchor="b" anchorCtr="0"/>
           <a:lstStyle>
             <a:lvl1pPr lvl="0">
               <a:spcBef>
@@ -4225,15 +4360,19 @@
               <a:defRPr/>
             </a:lvl9pPr>
           </a:lstStyle>
-          <a:p/>
+          <a:p>
+            <a:endParaRPr/>
+          </a:p>
         </p:txBody>
       </p:sp>
       <p:sp>
         <p:nvSpPr>
           <p:cNvPr id="32" name="Shape 32"/>
-          <p:cNvSpPr txBox="1"/>
+          <p:cNvSpPr txBox="1">
+            <a:spLocks noGrp="1"/>
+          </p:cNvSpPr>
           <p:nvPr>
-            <p:ph idx="12" type="sldNum"/>
+            <p:ph type="sldNum" idx="12"/>
           </p:nvPr>
         </p:nvSpPr>
         <p:spPr>
@@ -4246,7 +4385,7 @@
           </a:prstGeom>
         </p:spPr>
         <p:txBody>
-          <a:bodyPr anchorCtr="0" anchor="ctr" bIns="91425" lIns="91425" spcFirstLastPara="1" rIns="91425" wrap="square" tIns="91425">
+          <a:bodyPr spcFirstLastPara="1" wrap="square" lIns="91425" tIns="91425" rIns="91425" bIns="91425" anchor="ctr" anchorCtr="0">
             <a:noAutofit/>
           </a:bodyPr>
           <a:lstStyle>
@@ -4315,7 +4454,7 @@
             </a:lvl9pPr>
           </a:lstStyle>
           <a:p>
-            <a:pPr indent="0" lvl="0" marL="0">
+            <a:pPr marL="0" lvl="0" indent="0">
               <a:spcBef>
                 <a:spcPts val="0"/>
               </a:spcBef>
@@ -4341,11 +4480,11 @@
 </file>
 
 <file path=ppt/slideLayouts/slideLayout6.xml><?xml version="1.0" encoding="utf-8"?>
-<p:sldLayout xmlns:a="http://schemas.openxmlformats.org/drawingml/2006/main" xmlns:r="http://schemas.openxmlformats.org/officeDocument/2006/relationships" xmlns:mc="http://schemas.openxmlformats.org/markup-compatibility/2006" xmlns:mv="urn:schemas-microsoft-com:mac:vml" xmlns:p="http://schemas.openxmlformats.org/presentationml/2006/main" xmlns:c="http://schemas.openxmlformats.org/drawingml/2006/chart" xmlns:dgm="http://schemas.openxmlformats.org/drawingml/2006/diagram" xmlns:o="urn:schemas-microsoft-com:office:office" xmlns:v="urn:schemas-microsoft-com:vml" xmlns:pvml="urn:schemas-microsoft-com:office:powerpoint" xmlns:com="http://schemas.openxmlformats.org/drawingml/2006/compatibility" xmlns:p14="http://schemas.microsoft.com/office/powerpoint/2010/main" xmlns:p15="http://schemas.microsoft.com/office/powerpoint/2012/main" matchingName="One column text">
+<p:sldLayout xmlns:a="http://schemas.openxmlformats.org/drawingml/2006/main" xmlns:r="http://schemas.openxmlformats.org/officeDocument/2006/relationships" xmlns:p="http://schemas.openxmlformats.org/presentationml/2006/main" matchingName="One column text">
   <p:cSld name="ONE_COLUMN_TEXT">
     <p:spTree>
       <p:nvGrpSpPr>
-        <p:cNvPr id="33" name="Shape 33"/>
+        <p:cNvPr id="1" name="Shape 33"/>
         <p:cNvGrpSpPr/>
         <p:nvPr/>
       </p:nvGrpSpPr>
@@ -4372,21 +4511,23 @@
             <a:avLst/>
           </a:prstGeom>
           <a:noFill/>
-          <a:ln cap="flat" cmpd="sng" w="19050">
+          <a:ln w="19050" cap="flat" cmpd="sng">
             <a:solidFill>
               <a:schemeClr val="dk2"/>
             </a:solidFill>
             <a:prstDash val="lgDash"/>
             <a:round/>
-            <a:headEnd len="sm" w="sm" type="none"/>
-            <a:tailEnd len="sm" w="sm" type="none"/>
+            <a:headEnd type="none" w="sm" len="sm"/>
+            <a:tailEnd type="none" w="sm" len="sm"/>
           </a:ln>
         </p:spPr>
       </p:cxnSp>
       <p:sp>
         <p:nvSpPr>
           <p:cNvPr id="35" name="Shape 35"/>
-          <p:cNvSpPr txBox="1"/>
+          <p:cNvSpPr txBox="1">
+            <a:spLocks noGrp="1"/>
+          </p:cNvSpPr>
           <p:nvPr>
             <p:ph type="title"/>
           </p:nvPr>
@@ -4401,7 +4542,7 @@
           </a:prstGeom>
         </p:spPr>
         <p:txBody>
-          <a:bodyPr anchorCtr="0" anchor="b" bIns="91425" lIns="91425" spcFirstLastPara="1" rIns="91425" wrap="square" tIns="91425"/>
+          <a:bodyPr spcFirstLastPara="1" wrap="square" lIns="91425" tIns="91425" rIns="91425" bIns="91425" anchor="b" anchorCtr="0"/>
           <a:lstStyle>
             <a:lvl1pPr lvl="0">
               <a:spcBef>
@@ -4503,15 +4644,19 @@
               <a:defRPr sz="2400"/>
             </a:lvl9pPr>
           </a:lstStyle>
-          <a:p/>
+          <a:p>
+            <a:endParaRPr/>
+          </a:p>
         </p:txBody>
       </p:sp>
       <p:sp>
         <p:nvSpPr>
           <p:cNvPr id="36" name="Shape 36"/>
-          <p:cNvSpPr txBox="1"/>
+          <p:cNvSpPr txBox="1">
+            <a:spLocks noGrp="1"/>
+          </p:cNvSpPr>
           <p:nvPr>
-            <p:ph idx="1" type="body"/>
+            <p:ph type="body" idx="1"/>
           </p:nvPr>
         </p:nvSpPr>
         <p:spPr>
@@ -4524,9 +4669,9 @@
           </a:prstGeom>
         </p:spPr>
         <p:txBody>
-          <a:bodyPr anchorCtr="0" anchor="t" bIns="91425" lIns="91425" spcFirstLastPara="1" rIns="91425" wrap="square" tIns="91425"/>
+          <a:bodyPr spcFirstLastPara="1" wrap="square" lIns="91425" tIns="91425" rIns="91425" bIns="91425" anchor="t" anchorCtr="0"/>
           <a:lstStyle>
-            <a:lvl1pPr indent="-304800" lvl="0" marL="457200">
+            <a:lvl1pPr marL="457200" lvl="0" indent="-304800">
               <a:spcBef>
                 <a:spcPts val="0"/>
               </a:spcBef>
@@ -4537,7 +4682,7 @@
               <a:buChar char="●"/>
               <a:defRPr sz="1200"/>
             </a:lvl1pPr>
-            <a:lvl2pPr indent="-304800" lvl="1" marL="914400">
+            <a:lvl2pPr marL="914400" lvl="1" indent="-304800">
               <a:spcBef>
                 <a:spcPts val="1600"/>
               </a:spcBef>
@@ -4548,7 +4693,7 @@
               <a:buChar char="○"/>
               <a:defRPr sz="1200"/>
             </a:lvl2pPr>
-            <a:lvl3pPr indent="-304800" lvl="2" marL="1371600">
+            <a:lvl3pPr marL="1371600" lvl="2" indent="-304800">
               <a:spcBef>
                 <a:spcPts val="1600"/>
               </a:spcBef>
@@ -4559,7 +4704,7 @@
               <a:buChar char="■"/>
               <a:defRPr sz="1200"/>
             </a:lvl3pPr>
-            <a:lvl4pPr indent="-304800" lvl="3" marL="1828800">
+            <a:lvl4pPr marL="1828800" lvl="3" indent="-304800">
               <a:spcBef>
                 <a:spcPts val="1600"/>
               </a:spcBef>
@@ -4570,7 +4715,7 @@
               <a:buChar char="●"/>
               <a:defRPr sz="1200"/>
             </a:lvl4pPr>
-            <a:lvl5pPr indent="-304800" lvl="4" marL="2286000">
+            <a:lvl5pPr marL="2286000" lvl="4" indent="-304800">
               <a:spcBef>
                 <a:spcPts val="1600"/>
               </a:spcBef>
@@ -4581,7 +4726,7 @@
               <a:buChar char="○"/>
               <a:defRPr sz="1200"/>
             </a:lvl5pPr>
-            <a:lvl6pPr indent="-304800" lvl="5" marL="2743200">
+            <a:lvl6pPr marL="2743200" lvl="5" indent="-304800">
               <a:spcBef>
                 <a:spcPts val="1600"/>
               </a:spcBef>
@@ -4592,7 +4737,7 @@
               <a:buChar char="■"/>
               <a:defRPr sz="1200"/>
             </a:lvl6pPr>
-            <a:lvl7pPr indent="-304800" lvl="6" marL="3200400">
+            <a:lvl7pPr marL="3200400" lvl="6" indent="-304800">
               <a:spcBef>
                 <a:spcPts val="1600"/>
               </a:spcBef>
@@ -4603,7 +4748,7 @@
               <a:buChar char="●"/>
               <a:defRPr sz="1200"/>
             </a:lvl7pPr>
-            <a:lvl8pPr indent="-304800" lvl="7" marL="3657600">
+            <a:lvl8pPr marL="3657600" lvl="7" indent="-304800">
               <a:spcBef>
                 <a:spcPts val="1600"/>
               </a:spcBef>
@@ -4614,7 +4759,7 @@
               <a:buChar char="○"/>
               <a:defRPr sz="1200"/>
             </a:lvl8pPr>
-            <a:lvl9pPr indent="-304800" lvl="8" marL="4114800">
+            <a:lvl9pPr marL="4114800" lvl="8" indent="-304800">
               <a:spcBef>
                 <a:spcPts val="1600"/>
               </a:spcBef>
@@ -4626,15 +4771,19 @@
               <a:defRPr sz="1200"/>
             </a:lvl9pPr>
           </a:lstStyle>
-          <a:p/>
+          <a:p>
+            <a:endParaRPr/>
+          </a:p>
         </p:txBody>
       </p:sp>
       <p:sp>
         <p:nvSpPr>
           <p:cNvPr id="37" name="Shape 37"/>
-          <p:cNvSpPr txBox="1"/>
+          <p:cNvSpPr txBox="1">
+            <a:spLocks noGrp="1"/>
+          </p:cNvSpPr>
           <p:nvPr>
-            <p:ph idx="12" type="sldNum"/>
+            <p:ph type="sldNum" idx="12"/>
           </p:nvPr>
         </p:nvSpPr>
         <p:spPr>
@@ -4647,7 +4796,7 @@
           </a:prstGeom>
         </p:spPr>
         <p:txBody>
-          <a:bodyPr anchorCtr="0" anchor="ctr" bIns="91425" lIns="91425" spcFirstLastPara="1" rIns="91425" wrap="square" tIns="91425">
+          <a:bodyPr spcFirstLastPara="1" wrap="square" lIns="91425" tIns="91425" rIns="91425" bIns="91425" anchor="ctr" anchorCtr="0">
             <a:noAutofit/>
           </a:bodyPr>
           <a:lstStyle>
@@ -4716,7 +4865,7 @@
             </a:lvl9pPr>
           </a:lstStyle>
           <a:p>
-            <a:pPr indent="0" lvl="0" marL="0">
+            <a:pPr marL="0" lvl="0" indent="0">
               <a:spcBef>
                 <a:spcPts val="0"/>
               </a:spcBef>
@@ -4742,18 +4891,19 @@
 </file>
 
 <file path=ppt/slideLayouts/slideLayout7.xml><?xml version="1.0" encoding="utf-8"?>
-<p:sldLayout xmlns:a="http://schemas.openxmlformats.org/drawingml/2006/main" xmlns:r="http://schemas.openxmlformats.org/officeDocument/2006/relationships" xmlns:mc="http://schemas.openxmlformats.org/markup-compatibility/2006" xmlns:mv="urn:schemas-microsoft-com:mac:vml" xmlns:p="http://schemas.openxmlformats.org/presentationml/2006/main" xmlns:c="http://schemas.openxmlformats.org/drawingml/2006/chart" xmlns:dgm="http://schemas.openxmlformats.org/drawingml/2006/diagram" xmlns:o="urn:schemas-microsoft-com:office:office" xmlns:v="urn:schemas-microsoft-com:vml" xmlns:pvml="urn:schemas-microsoft-com:office:powerpoint" xmlns:com="http://schemas.openxmlformats.org/drawingml/2006/compatibility" xmlns:p14="http://schemas.microsoft.com/office/powerpoint/2010/main" xmlns:p15="http://schemas.microsoft.com/office/powerpoint/2012/main" matchingName="Main point">
+<p:sldLayout xmlns:a="http://schemas.openxmlformats.org/drawingml/2006/main" xmlns:r="http://schemas.openxmlformats.org/officeDocument/2006/relationships" xmlns:p="http://schemas.openxmlformats.org/presentationml/2006/main" matchingName="Main point">
   <p:cSld name="MAIN_POINT">
     <p:bg>
       <p:bgPr>
         <a:solidFill>
           <a:schemeClr val="lt2"/>
         </a:solidFill>
+        <a:effectLst/>
       </p:bgPr>
     </p:bg>
     <p:spTree>
       <p:nvGrpSpPr>
-        <p:cNvPr id="38" name="Shape 38"/>
+        <p:cNvPr id="1" name="Shape 38"/>
         <p:cNvGrpSpPr/>
         <p:nvPr/>
       </p:nvGrpSpPr>
@@ -4768,7 +4918,9 @@
       <p:sp>
         <p:nvSpPr>
           <p:cNvPr id="39" name="Shape 39"/>
-          <p:cNvSpPr txBox="1"/>
+          <p:cNvSpPr txBox="1">
+            <a:spLocks noGrp="1"/>
+          </p:cNvSpPr>
           <p:nvPr>
             <p:ph type="title"/>
           </p:nvPr>
@@ -4783,7 +4935,7 @@
           </a:prstGeom>
         </p:spPr>
         <p:txBody>
-          <a:bodyPr anchorCtr="0" anchor="ctr" bIns="91425" lIns="91425" spcFirstLastPara="1" rIns="91425" wrap="square" tIns="91425"/>
+          <a:bodyPr spcFirstLastPara="1" wrap="square" lIns="91425" tIns="91425" rIns="91425" bIns="91425" anchor="ctr" anchorCtr="0"/>
           <a:lstStyle>
             <a:lvl1pPr lvl="0">
               <a:spcBef>
@@ -4948,15 +5100,19 @@
               </a:defRPr>
             </a:lvl9pPr>
           </a:lstStyle>
-          <a:p/>
+          <a:p>
+            <a:endParaRPr/>
+          </a:p>
         </p:txBody>
       </p:sp>
       <p:sp>
         <p:nvSpPr>
           <p:cNvPr id="40" name="Shape 40"/>
-          <p:cNvSpPr txBox="1"/>
+          <p:cNvSpPr txBox="1">
+            <a:spLocks noGrp="1"/>
+          </p:cNvSpPr>
           <p:nvPr>
-            <p:ph idx="12" type="sldNum"/>
+            <p:ph type="sldNum" idx="12"/>
           </p:nvPr>
         </p:nvSpPr>
         <p:spPr>
@@ -4969,7 +5125,7 @@
           </a:prstGeom>
         </p:spPr>
         <p:txBody>
-          <a:bodyPr anchorCtr="0" anchor="ctr" bIns="91425" lIns="91425" spcFirstLastPara="1" rIns="91425" wrap="square" tIns="91425">
+          <a:bodyPr spcFirstLastPara="1" wrap="square" lIns="91425" tIns="91425" rIns="91425" bIns="91425" anchor="ctr" anchorCtr="0">
             <a:noAutofit/>
           </a:bodyPr>
           <a:lstStyle>
@@ -5074,7 +5230,7 @@
             </a:lvl9pPr>
           </a:lstStyle>
           <a:p>
-            <a:pPr indent="0" lvl="0" marL="0">
+            <a:pPr marL="0" lvl="0" indent="0">
               <a:spcBef>
                 <a:spcPts val="0"/>
               </a:spcBef>
@@ -5100,18 +5256,19 @@
 </file>
 
 <file path=ppt/slideLayouts/slideLayout8.xml><?xml version="1.0" encoding="utf-8"?>
-<p:sldLayout xmlns:a="http://schemas.openxmlformats.org/drawingml/2006/main" xmlns:r="http://schemas.openxmlformats.org/officeDocument/2006/relationships" xmlns:mc="http://schemas.openxmlformats.org/markup-compatibility/2006" xmlns:mv="urn:schemas-microsoft-com:mac:vml" xmlns:p="http://schemas.openxmlformats.org/presentationml/2006/main" xmlns:c="http://schemas.openxmlformats.org/drawingml/2006/chart" xmlns:dgm="http://schemas.openxmlformats.org/drawingml/2006/diagram" xmlns:o="urn:schemas-microsoft-com:office:office" xmlns:v="urn:schemas-microsoft-com:vml" xmlns:pvml="urn:schemas-microsoft-com:office:powerpoint" xmlns:com="http://schemas.openxmlformats.org/drawingml/2006/compatibility" xmlns:p14="http://schemas.microsoft.com/office/powerpoint/2010/main" xmlns:p15="http://schemas.microsoft.com/office/powerpoint/2012/main" matchingName="Section title and description">
+<p:sldLayout xmlns:a="http://schemas.openxmlformats.org/drawingml/2006/main" xmlns:r="http://schemas.openxmlformats.org/officeDocument/2006/relationships" xmlns:p="http://schemas.openxmlformats.org/presentationml/2006/main" matchingName="Section title and description">
   <p:cSld name="SECTION_TITLE_AND_DESCRIPTION">
     <p:bg>
       <p:bgPr>
         <a:solidFill>
           <a:schemeClr val="dk1"/>
         </a:solidFill>
+        <a:effectLst/>
       </p:bgPr>
     </p:bg>
     <p:spTree>
       <p:nvGrpSpPr>
-        <p:cNvPr id="41" name="Shape 41"/>
+        <p:cNvPr id="1" name="Shape 41"/>
         <p:cNvGrpSpPr/>
         <p:nvPr/>
       </p:nvGrpSpPr>
@@ -5145,12 +5302,12 @@
           </a:ln>
         </p:spPr>
         <p:txBody>
-          <a:bodyPr anchorCtr="0" anchor="ctr" bIns="91425" lIns="91425" spcFirstLastPara="1" rIns="91425" wrap="square" tIns="91425">
+          <a:bodyPr spcFirstLastPara="1" wrap="square" lIns="91425" tIns="91425" rIns="91425" bIns="91425" anchor="ctr" anchorCtr="0">
             <a:noAutofit/>
           </a:bodyPr>
           <a:lstStyle/>
           <a:p>
-            <a:pPr indent="0" lvl="0" marL="0">
+            <a:pPr marL="0" lvl="0" indent="0">
               <a:spcBef>
                 <a:spcPts val="0"/>
               </a:spcBef>
@@ -5159,9 +5316,6 @@
               </a:spcAft>
               <a:buNone/>
             </a:pPr>
-            <a:r>
-              <a:t/>
-            </a:r>
             <a:endParaRPr/>
           </a:p>
         </p:txBody>
@@ -5181,21 +5335,23 @@
             <a:avLst/>
           </a:prstGeom>
           <a:noFill/>
-          <a:ln cap="flat" cmpd="sng" w="19050">
+          <a:ln w="19050" cap="flat" cmpd="sng">
             <a:solidFill>
               <a:schemeClr val="dk1"/>
             </a:solidFill>
             <a:prstDash val="lgDash"/>
             <a:round/>
-            <a:headEnd len="sm" w="sm" type="none"/>
-            <a:tailEnd len="sm" w="sm" type="none"/>
+            <a:headEnd type="none" w="sm" len="sm"/>
+            <a:tailEnd type="none" w="sm" len="sm"/>
           </a:ln>
         </p:spPr>
       </p:cxnSp>
       <p:sp>
         <p:nvSpPr>
           <p:cNvPr id="44" name="Shape 44"/>
-          <p:cNvSpPr txBox="1"/>
+          <p:cNvSpPr txBox="1">
+            <a:spLocks noGrp="1"/>
+          </p:cNvSpPr>
           <p:nvPr>
             <p:ph type="title"/>
           </p:nvPr>
@@ -5210,7 +5366,7 @@
           </a:prstGeom>
         </p:spPr>
         <p:txBody>
-          <a:bodyPr anchorCtr="0" anchor="b" bIns="91425" lIns="91425" spcFirstLastPara="1" rIns="91425" wrap="square" tIns="91425"/>
+          <a:bodyPr spcFirstLastPara="1" wrap="square" lIns="91425" tIns="91425" rIns="91425" bIns="91425" anchor="b" anchorCtr="0"/>
           <a:lstStyle>
             <a:lvl1pPr lvl="0" algn="ctr">
               <a:spcBef>
@@ -5375,15 +5531,19 @@
               </a:defRPr>
             </a:lvl9pPr>
           </a:lstStyle>
-          <a:p/>
+          <a:p>
+            <a:endParaRPr/>
+          </a:p>
         </p:txBody>
       </p:sp>
       <p:sp>
         <p:nvSpPr>
           <p:cNvPr id="45" name="Shape 45"/>
-          <p:cNvSpPr txBox="1"/>
+          <p:cNvSpPr txBox="1">
+            <a:spLocks noGrp="1"/>
+          </p:cNvSpPr>
           <p:nvPr>
-            <p:ph idx="1" type="subTitle"/>
+            <p:ph type="subTitle" idx="1"/>
           </p:nvPr>
         </p:nvSpPr>
         <p:spPr>
@@ -5396,7 +5556,7 @@
           </a:prstGeom>
         </p:spPr>
         <p:txBody>
-          <a:bodyPr anchorCtr="0" anchor="t" bIns="91425" lIns="91425" spcFirstLastPara="1" rIns="91425" wrap="square" tIns="91425"/>
+          <a:bodyPr spcFirstLastPara="1" wrap="square" lIns="91425" tIns="91425" rIns="91425" bIns="91425" anchor="t" anchorCtr="0"/>
           <a:lstStyle>
             <a:lvl1pPr lvl="0" algn="ctr">
               <a:lnSpc>
@@ -5588,15 +5748,19 @@
               </a:defRPr>
             </a:lvl9pPr>
           </a:lstStyle>
-          <a:p/>
+          <a:p>
+            <a:endParaRPr/>
+          </a:p>
         </p:txBody>
       </p:sp>
       <p:sp>
         <p:nvSpPr>
           <p:cNvPr id="46" name="Shape 46"/>
-          <p:cNvSpPr txBox="1"/>
+          <p:cNvSpPr txBox="1">
+            <a:spLocks noGrp="1"/>
+          </p:cNvSpPr>
           <p:nvPr>
-            <p:ph idx="2" type="body"/>
+            <p:ph type="body" idx="2"/>
           </p:nvPr>
         </p:nvSpPr>
         <p:spPr>
@@ -5609,9 +5773,9 @@
           </a:prstGeom>
         </p:spPr>
         <p:txBody>
-          <a:bodyPr anchorCtr="0" anchor="ctr" bIns="91425" lIns="91425" spcFirstLastPara="1" rIns="91425" wrap="square" tIns="91425"/>
+          <a:bodyPr spcFirstLastPara="1" wrap="square" lIns="91425" tIns="91425" rIns="91425" bIns="91425" anchor="ctr" anchorCtr="0"/>
           <a:lstStyle>
-            <a:lvl1pPr indent="-342900" lvl="0" marL="457200">
+            <a:lvl1pPr marL="457200" lvl="0" indent="-342900">
               <a:spcBef>
                 <a:spcPts val="0"/>
               </a:spcBef>
@@ -5622,7 +5786,7 @@
               <a:buChar char="●"/>
               <a:defRPr/>
             </a:lvl1pPr>
-            <a:lvl2pPr indent="-317500" lvl="1" marL="914400">
+            <a:lvl2pPr marL="914400" lvl="1" indent="-317500">
               <a:spcBef>
                 <a:spcPts val="1600"/>
               </a:spcBef>
@@ -5633,7 +5797,7 @@
               <a:buChar char="○"/>
               <a:defRPr/>
             </a:lvl2pPr>
-            <a:lvl3pPr indent="-317500" lvl="2" marL="1371600">
+            <a:lvl3pPr marL="1371600" lvl="2" indent="-317500">
               <a:spcBef>
                 <a:spcPts val="1600"/>
               </a:spcBef>
@@ -5644,7 +5808,7 @@
               <a:buChar char="■"/>
               <a:defRPr/>
             </a:lvl3pPr>
-            <a:lvl4pPr indent="-317500" lvl="3" marL="1828800">
+            <a:lvl4pPr marL="1828800" lvl="3" indent="-317500">
               <a:spcBef>
                 <a:spcPts val="1600"/>
               </a:spcBef>
@@ -5655,7 +5819,7 @@
               <a:buChar char="●"/>
               <a:defRPr/>
             </a:lvl4pPr>
-            <a:lvl5pPr indent="-317500" lvl="4" marL="2286000">
+            <a:lvl5pPr marL="2286000" lvl="4" indent="-317500">
               <a:spcBef>
                 <a:spcPts val="1600"/>
               </a:spcBef>
@@ -5666,7 +5830,7 @@
               <a:buChar char="○"/>
               <a:defRPr/>
             </a:lvl5pPr>
-            <a:lvl6pPr indent="-317500" lvl="5" marL="2743200">
+            <a:lvl6pPr marL="2743200" lvl="5" indent="-317500">
               <a:spcBef>
                 <a:spcPts val="1600"/>
               </a:spcBef>
@@ -5677,7 +5841,7 @@
               <a:buChar char="■"/>
               <a:defRPr/>
             </a:lvl6pPr>
-            <a:lvl7pPr indent="-317500" lvl="6" marL="3200400">
+            <a:lvl7pPr marL="3200400" lvl="6" indent="-317500">
               <a:spcBef>
                 <a:spcPts val="1600"/>
               </a:spcBef>
@@ -5688,7 +5852,7 @@
               <a:buChar char="●"/>
               <a:defRPr/>
             </a:lvl7pPr>
-            <a:lvl8pPr indent="-317500" lvl="7" marL="3657600">
+            <a:lvl8pPr marL="3657600" lvl="7" indent="-317500">
               <a:spcBef>
                 <a:spcPts val="1600"/>
               </a:spcBef>
@@ -5699,7 +5863,7 @@
               <a:buChar char="○"/>
               <a:defRPr/>
             </a:lvl8pPr>
-            <a:lvl9pPr indent="-317500" lvl="8" marL="4114800">
+            <a:lvl9pPr marL="4114800" lvl="8" indent="-317500">
               <a:spcBef>
                 <a:spcPts val="1600"/>
               </a:spcBef>
@@ -5711,15 +5875,19 @@
               <a:defRPr/>
             </a:lvl9pPr>
           </a:lstStyle>
-          <a:p/>
+          <a:p>
+            <a:endParaRPr/>
+          </a:p>
         </p:txBody>
       </p:sp>
       <p:sp>
         <p:nvSpPr>
           <p:cNvPr id="47" name="Shape 47"/>
-          <p:cNvSpPr txBox="1"/>
+          <p:cNvSpPr txBox="1">
+            <a:spLocks noGrp="1"/>
+          </p:cNvSpPr>
           <p:nvPr>
-            <p:ph idx="12" type="sldNum"/>
+            <p:ph type="sldNum" idx="12"/>
           </p:nvPr>
         </p:nvSpPr>
         <p:spPr>
@@ -5732,7 +5900,7 @@
           </a:prstGeom>
         </p:spPr>
         <p:txBody>
-          <a:bodyPr anchorCtr="0" anchor="ctr" bIns="91425" lIns="91425" spcFirstLastPara="1" rIns="91425" wrap="square" tIns="91425">
+          <a:bodyPr spcFirstLastPara="1" wrap="square" lIns="91425" tIns="91425" rIns="91425" bIns="91425" anchor="ctr" anchorCtr="0">
             <a:noAutofit/>
           </a:bodyPr>
           <a:lstStyle>
@@ -5801,7 +5969,7 @@
             </a:lvl9pPr>
           </a:lstStyle>
           <a:p>
-            <a:pPr indent="0" lvl="0" marL="0">
+            <a:pPr marL="0" lvl="0" indent="0">
               <a:spcBef>
                 <a:spcPts val="0"/>
               </a:spcBef>
@@ -5827,11 +5995,11 @@
 </file>
 
 <file path=ppt/slideLayouts/slideLayout9.xml><?xml version="1.0" encoding="utf-8"?>
-<p:sldLayout xmlns:a="http://schemas.openxmlformats.org/drawingml/2006/main" xmlns:r="http://schemas.openxmlformats.org/officeDocument/2006/relationships" xmlns:mc="http://schemas.openxmlformats.org/markup-compatibility/2006" xmlns:mv="urn:schemas-microsoft-com:mac:vml" xmlns:p="http://schemas.openxmlformats.org/presentationml/2006/main" xmlns:c="http://schemas.openxmlformats.org/drawingml/2006/chart" xmlns:dgm="http://schemas.openxmlformats.org/drawingml/2006/diagram" xmlns:o="urn:schemas-microsoft-com:office:office" xmlns:v="urn:schemas-microsoft-com:vml" xmlns:pvml="urn:schemas-microsoft-com:office:powerpoint" xmlns:com="http://schemas.openxmlformats.org/drawingml/2006/compatibility" xmlns:p14="http://schemas.microsoft.com/office/powerpoint/2010/main" xmlns:p15="http://schemas.microsoft.com/office/powerpoint/2012/main" matchingName="Caption">
+<p:sldLayout xmlns:a="http://schemas.openxmlformats.org/drawingml/2006/main" xmlns:r="http://schemas.openxmlformats.org/officeDocument/2006/relationships" xmlns:p="http://schemas.openxmlformats.org/presentationml/2006/main" matchingName="Caption">
   <p:cSld name="CAPTION_ONLY">
     <p:spTree>
       <p:nvGrpSpPr>
-        <p:cNvPr id="48" name="Shape 48"/>
+        <p:cNvPr id="1" name="Shape 48"/>
         <p:cNvGrpSpPr/>
         <p:nvPr/>
       </p:nvGrpSpPr>
@@ -5846,9 +6014,11 @@
       <p:sp>
         <p:nvSpPr>
           <p:cNvPr id="49" name="Shape 49"/>
-          <p:cNvSpPr txBox="1"/>
+          <p:cNvSpPr txBox="1">
+            <a:spLocks noGrp="1"/>
+          </p:cNvSpPr>
           <p:nvPr>
-            <p:ph idx="1" type="body"/>
+            <p:ph type="body" idx="1"/>
           </p:nvPr>
         </p:nvSpPr>
         <p:spPr>
@@ -5861,9 +6031,9 @@
           </a:prstGeom>
         </p:spPr>
         <p:txBody>
-          <a:bodyPr anchorCtr="0" anchor="ctr" bIns="91425" lIns="91425" spcFirstLastPara="1" rIns="91425" wrap="square" tIns="91425"/>
+          <a:bodyPr spcFirstLastPara="1" wrap="square" lIns="91425" tIns="91425" rIns="91425" bIns="91425" anchor="ctr" anchorCtr="0"/>
           <a:lstStyle>
-            <a:lvl1pPr indent="-228600" lvl="0" marL="457200">
+            <a:lvl1pPr marL="457200" lvl="0" indent="-228600">
               <a:lnSpc>
                 <a:spcPct val="100000"/>
               </a:lnSpc>
@@ -5884,15 +6054,19 @@
               </a:defRPr>
             </a:lvl1pPr>
           </a:lstStyle>
-          <a:p/>
+          <a:p>
+            <a:endParaRPr/>
+          </a:p>
         </p:txBody>
       </p:sp>
       <p:sp>
         <p:nvSpPr>
           <p:cNvPr id="50" name="Shape 50"/>
-          <p:cNvSpPr txBox="1"/>
+          <p:cNvSpPr txBox="1">
+            <a:spLocks noGrp="1"/>
+          </p:cNvSpPr>
           <p:nvPr>
-            <p:ph idx="12" type="sldNum"/>
+            <p:ph type="sldNum" idx="12"/>
           </p:nvPr>
         </p:nvSpPr>
         <p:spPr>
@@ -5905,7 +6079,7 @@
           </a:prstGeom>
         </p:spPr>
         <p:txBody>
-          <a:bodyPr anchorCtr="0" anchor="ctr" bIns="91425" lIns="91425" spcFirstLastPara="1" rIns="91425" wrap="square" tIns="91425">
+          <a:bodyPr spcFirstLastPara="1" wrap="square" lIns="91425" tIns="91425" rIns="91425" bIns="91425" anchor="ctr" anchorCtr="0">
             <a:noAutofit/>
           </a:bodyPr>
           <a:lstStyle>
@@ -5974,7 +6148,7 @@
             </a:lvl9pPr>
           </a:lstStyle>
           <a:p>
-            <a:pPr indent="0" lvl="0" marL="0">
+            <a:pPr marL="0" lvl="0" indent="0">
               <a:spcBef>
                 <a:spcPts val="0"/>
               </a:spcBef>
@@ -6000,18 +6174,19 @@
 </file>
 
 <file path=ppt/slideMasters/slideMaster1.xml><?xml version="1.0" encoding="utf-8"?>
-<p:sldMaster xmlns:a="http://schemas.openxmlformats.org/drawingml/2006/main" xmlns:r="http://schemas.openxmlformats.org/officeDocument/2006/relationships" xmlns:mc="http://schemas.openxmlformats.org/markup-compatibility/2006" xmlns:mv="urn:schemas-microsoft-com:mac:vml" xmlns:p="http://schemas.openxmlformats.org/presentationml/2006/main" xmlns:c="http://schemas.openxmlformats.org/drawingml/2006/chart" xmlns:dgm="http://schemas.openxmlformats.org/drawingml/2006/diagram" xmlns:o="urn:schemas-microsoft-com:office:office" xmlns:v="urn:schemas-microsoft-com:vml" xmlns:pvml="urn:schemas-microsoft-com:office:powerpoint" xmlns:com="http://schemas.openxmlformats.org/drawingml/2006/compatibility" xmlns:p14="http://schemas.microsoft.com/office/powerpoint/2010/main" xmlns:p15="http://schemas.microsoft.com/office/powerpoint/2012/main">
+<p:sldMaster xmlns:a="http://schemas.openxmlformats.org/drawingml/2006/main" xmlns:r="http://schemas.openxmlformats.org/officeDocument/2006/relationships" xmlns:p="http://schemas.openxmlformats.org/presentationml/2006/main">
   <p:cSld name="modern-writer">
     <p:bg>
       <p:bgPr>
         <a:solidFill>
           <a:schemeClr val="lt1"/>
         </a:solidFill>
+        <a:effectLst/>
       </p:bgPr>
     </p:bg>
     <p:spTree>
       <p:nvGrpSpPr>
-        <p:cNvPr id="5" name="Shape 5"/>
+        <p:cNvPr id="1" name="Shape 5"/>
         <p:cNvGrpSpPr/>
         <p:nvPr/>
       </p:nvGrpSpPr>
@@ -6026,7 +6201,9 @@
       <p:sp>
         <p:nvSpPr>
           <p:cNvPr id="6" name="Shape 6"/>
-          <p:cNvSpPr txBox="1"/>
+          <p:cNvSpPr txBox="1">
+            <a:spLocks noGrp="1"/>
+          </p:cNvSpPr>
           <p:nvPr>
             <p:ph type="title"/>
           </p:nvPr>
@@ -6045,7 +6222,7 @@
           </a:ln>
         </p:spPr>
         <p:txBody>
-          <a:bodyPr anchorCtr="0" anchor="b" bIns="91425" lIns="91425" spcFirstLastPara="1" rIns="91425" wrap="square" tIns="91425"/>
+          <a:bodyPr spcFirstLastPara="1" wrap="square" lIns="91425" tIns="91425" rIns="91425" bIns="91425" anchor="b" anchorCtr="0"/>
           <a:lstStyle>
             <a:lvl1pPr lvl="0">
               <a:spcBef>
@@ -6255,15 +6432,19 @@
               </a:defRPr>
             </a:lvl9pPr>
           </a:lstStyle>
-          <a:p/>
+          <a:p>
+            <a:endParaRPr/>
+          </a:p>
         </p:txBody>
       </p:sp>
       <p:sp>
         <p:nvSpPr>
           <p:cNvPr id="7" name="Shape 7"/>
-          <p:cNvSpPr txBox="1"/>
+          <p:cNvSpPr txBox="1">
+            <a:spLocks noGrp="1"/>
+          </p:cNvSpPr>
           <p:nvPr>
-            <p:ph idx="1" type="body"/>
+            <p:ph type="body" idx="1"/>
           </p:nvPr>
         </p:nvSpPr>
         <p:spPr>
@@ -6280,9 +6461,9 @@
           </a:ln>
         </p:spPr>
         <p:txBody>
-          <a:bodyPr anchorCtr="0" anchor="t" bIns="91425" lIns="91425" spcFirstLastPara="1" rIns="91425" wrap="square" tIns="91425"/>
+          <a:bodyPr spcFirstLastPara="1" wrap="square" lIns="91425" tIns="91425" rIns="91425" bIns="91425" anchor="t" anchorCtr="0"/>
           <a:lstStyle>
-            <a:lvl1pPr indent="-342900" lvl="0" marL="457200">
+            <a:lvl1pPr marL="457200" lvl="0" indent="-342900">
               <a:lnSpc>
                 <a:spcPct val="115000"/>
               </a:lnSpc>
@@ -6308,7 +6489,7 @@
                 <a:sym typeface="Source Code Pro"/>
               </a:defRPr>
             </a:lvl1pPr>
-            <a:lvl2pPr indent="-317500" lvl="1" marL="914400">
+            <a:lvl2pPr marL="914400" lvl="1" indent="-317500">
               <a:lnSpc>
                 <a:spcPct val="115000"/>
               </a:lnSpc>
@@ -6334,7 +6515,7 @@
                 <a:sym typeface="Source Code Pro"/>
               </a:defRPr>
             </a:lvl2pPr>
-            <a:lvl3pPr indent="-317500" lvl="2" marL="1371600">
+            <a:lvl3pPr marL="1371600" lvl="2" indent="-317500">
               <a:lnSpc>
                 <a:spcPct val="115000"/>
               </a:lnSpc>
@@ -6360,7 +6541,7 @@
                 <a:sym typeface="Source Code Pro"/>
               </a:defRPr>
             </a:lvl3pPr>
-            <a:lvl4pPr indent="-317500" lvl="3" marL="1828800">
+            <a:lvl4pPr marL="1828800" lvl="3" indent="-317500">
               <a:lnSpc>
                 <a:spcPct val="115000"/>
               </a:lnSpc>
@@ -6386,7 +6567,7 @@
                 <a:sym typeface="Source Code Pro"/>
               </a:defRPr>
             </a:lvl4pPr>
-            <a:lvl5pPr indent="-317500" lvl="4" marL="2286000">
+            <a:lvl5pPr marL="2286000" lvl="4" indent="-317500">
               <a:lnSpc>
                 <a:spcPct val="115000"/>
               </a:lnSpc>
@@ -6412,7 +6593,7 @@
                 <a:sym typeface="Source Code Pro"/>
               </a:defRPr>
             </a:lvl5pPr>
-            <a:lvl6pPr indent="-317500" lvl="5" marL="2743200">
+            <a:lvl6pPr marL="2743200" lvl="5" indent="-317500">
               <a:lnSpc>
                 <a:spcPct val="115000"/>
               </a:lnSpc>
@@ -6438,7 +6619,7 @@
                 <a:sym typeface="Source Code Pro"/>
               </a:defRPr>
             </a:lvl6pPr>
-            <a:lvl7pPr indent="-317500" lvl="6" marL="3200400">
+            <a:lvl7pPr marL="3200400" lvl="6" indent="-317500">
               <a:lnSpc>
                 <a:spcPct val="115000"/>
               </a:lnSpc>
@@ -6464,7 +6645,7 @@
                 <a:sym typeface="Source Code Pro"/>
               </a:defRPr>
             </a:lvl7pPr>
-            <a:lvl8pPr indent="-317500" lvl="7" marL="3657600">
+            <a:lvl8pPr marL="3657600" lvl="7" indent="-317500">
               <a:lnSpc>
                 <a:spcPct val="115000"/>
               </a:lnSpc>
@@ -6490,7 +6671,7 @@
                 <a:sym typeface="Source Code Pro"/>
               </a:defRPr>
             </a:lvl8pPr>
-            <a:lvl9pPr indent="-317500" lvl="8" marL="4114800">
+            <a:lvl9pPr marL="4114800" lvl="8" indent="-317500">
               <a:lnSpc>
                 <a:spcPct val="115000"/>
               </a:lnSpc>
@@ -6517,15 +6698,19 @@
               </a:defRPr>
             </a:lvl9pPr>
           </a:lstStyle>
-          <a:p/>
+          <a:p>
+            <a:endParaRPr/>
+          </a:p>
         </p:txBody>
       </p:sp>
       <p:sp>
         <p:nvSpPr>
           <p:cNvPr id="8" name="Shape 8"/>
-          <p:cNvSpPr txBox="1"/>
+          <p:cNvSpPr txBox="1">
+            <a:spLocks noGrp="1"/>
+          </p:cNvSpPr>
           <p:nvPr>
-            <p:ph idx="12" type="sldNum"/>
+            <p:ph type="sldNum" idx="12"/>
           </p:nvPr>
         </p:nvSpPr>
         <p:spPr>
@@ -6542,7 +6727,7 @@
           </a:ln>
         </p:spPr>
         <p:txBody>
-          <a:bodyPr anchorCtr="0" anchor="ctr" bIns="91425" lIns="91425" spcFirstLastPara="1" rIns="91425" wrap="square" tIns="91425">
+          <a:bodyPr spcFirstLastPara="1" wrap="square" lIns="91425" tIns="91425" rIns="91425" bIns="91425" anchor="ctr" anchorCtr="0">
             <a:noAutofit/>
           </a:bodyPr>
           <a:lstStyle>
@@ -6683,7 +6868,7 @@
             </a:lvl9pPr>
           </a:lstStyle>
           <a:p>
-            <a:pPr indent="0" lvl="0" marL="0">
+            <a:pPr marL="0" lvl="0" indent="0">
               <a:spcBef>
                 <a:spcPts val="0"/>
               </a:spcBef>
@@ -6702,7 +6887,7 @@
       </p:sp>
     </p:spTree>
   </p:cSld>
-  <p:clrMap accent1="accent1" accent2="accent2" accent3="accent3" accent4="accent4" accent5="accent5" accent6="accent6" bg1="lt1" bg2="dk2" tx1="dk1" tx2="lt2" folHlink="folHlink" hlink="hlink"/>
+  <p:clrMap bg1="lt1" tx1="dk1" bg2="dk2" tx2="lt2" accent1="accent1" accent2="accent2" accent3="accent3" accent4="accent4" accent5="accent5" accent6="accent6" hlink="hlink" folHlink="folHlink"/>
   <p:sldLayoutIdLst>
     <p:sldLayoutId id="2147483648" r:id="rId1"/>
     <p:sldLayoutId id="2147483649" r:id="rId2"/>
@@ -6716,10 +6901,10 @@
     <p:sldLayoutId id="2147483657" r:id="rId10"/>
     <p:sldLayoutId id="2147483658" r:id="rId11"/>
   </p:sldLayoutIdLst>
-  <p:hf dt="0" ftr="0" hdr="0" sldNum="0"/>
+  <p:hf sldNum="0" hdr="0" ftr="0" dt="0"/>
   <p:txStyles>
     <p:titleStyle>
-      <a:defPPr lvl="0" marR="0" rtl="0" algn="l">
+      <a:defPPr marR="0" lvl="0" algn="l" rtl="0">
         <a:lnSpc>
           <a:spcPct val="100000"/>
         </a:lnSpc>
@@ -6730,7 +6915,7 @@
           <a:spcPts val="0"/>
         </a:spcAft>
       </a:defPPr>
-      <a:lvl1pPr lvl="0" marR="0" rtl="0" algn="l">
+      <a:lvl1pPr marR="0" lvl="0" algn="l" rtl="0">
         <a:lnSpc>
           <a:spcPct val="100000"/>
         </a:lnSpc>
@@ -6744,7 +6929,7 @@
           <a:srgbClr val="000000"/>
         </a:buClr>
         <a:buFont typeface="Arial"/>
-        <a:defRPr b="0" i="0" sz="1400" u="none" cap="none" strike="noStrike">
+        <a:defRPr sz="1400" b="0" i="0" u="none" strike="noStrike" cap="none">
           <a:solidFill>
             <a:srgbClr val="000000"/>
           </a:solidFill>
@@ -6754,7 +6939,7 @@
           <a:sym typeface="Arial"/>
         </a:defRPr>
       </a:lvl1pPr>
-      <a:lvl2pPr lvl="1" marR="0" rtl="0" algn="l">
+      <a:lvl2pPr marR="0" lvl="1" algn="l" rtl="0">
         <a:lnSpc>
           <a:spcPct val="100000"/>
         </a:lnSpc>
@@ -6768,7 +6953,7 @@
           <a:srgbClr val="000000"/>
         </a:buClr>
         <a:buFont typeface="Arial"/>
-        <a:defRPr b="0" i="0" sz="1400" u="none" cap="none" strike="noStrike">
+        <a:defRPr sz="1400" b="0" i="0" u="none" strike="noStrike" cap="none">
           <a:solidFill>
             <a:srgbClr val="000000"/>
           </a:solidFill>
@@ -6778,7 +6963,7 @@
           <a:sym typeface="Arial"/>
         </a:defRPr>
       </a:lvl2pPr>
-      <a:lvl3pPr lvl="2" marR="0" rtl="0" algn="l">
+      <a:lvl3pPr marR="0" lvl="2" algn="l" rtl="0">
         <a:lnSpc>
           <a:spcPct val="100000"/>
         </a:lnSpc>
@@ -6792,7 +6977,7 @@
           <a:srgbClr val="000000"/>
         </a:buClr>
         <a:buFont typeface="Arial"/>
-        <a:defRPr b="0" i="0" sz="1400" u="none" cap="none" strike="noStrike">
+        <a:defRPr sz="1400" b="0" i="0" u="none" strike="noStrike" cap="none">
           <a:solidFill>
             <a:srgbClr val="000000"/>
           </a:solidFill>
@@ -6802,7 +6987,7 @@
           <a:sym typeface="Arial"/>
         </a:defRPr>
       </a:lvl3pPr>
-      <a:lvl4pPr lvl="3" marR="0" rtl="0" algn="l">
+      <a:lvl4pPr marR="0" lvl="3" algn="l" rtl="0">
         <a:lnSpc>
           <a:spcPct val="100000"/>
         </a:lnSpc>
@@ -6816,7 +7001,7 @@
           <a:srgbClr val="000000"/>
         </a:buClr>
         <a:buFont typeface="Arial"/>
-        <a:defRPr b="0" i="0" sz="1400" u="none" cap="none" strike="noStrike">
+        <a:defRPr sz="1400" b="0" i="0" u="none" strike="noStrike" cap="none">
           <a:solidFill>
             <a:srgbClr val="000000"/>
           </a:solidFill>
@@ -6826,7 +7011,7 @@
           <a:sym typeface="Arial"/>
         </a:defRPr>
       </a:lvl4pPr>
-      <a:lvl5pPr lvl="4" marR="0" rtl="0" algn="l">
+      <a:lvl5pPr marR="0" lvl="4" algn="l" rtl="0">
         <a:lnSpc>
           <a:spcPct val="100000"/>
         </a:lnSpc>
@@ -6840,7 +7025,7 @@
           <a:srgbClr val="000000"/>
         </a:buClr>
         <a:buFont typeface="Arial"/>
-        <a:defRPr b="0" i="0" sz="1400" u="none" cap="none" strike="noStrike">
+        <a:defRPr sz="1400" b="0" i="0" u="none" strike="noStrike" cap="none">
           <a:solidFill>
             <a:srgbClr val="000000"/>
           </a:solidFill>
@@ -6850,7 +7035,7 @@
           <a:sym typeface="Arial"/>
         </a:defRPr>
       </a:lvl5pPr>
-      <a:lvl6pPr lvl="5" marR="0" rtl="0" algn="l">
+      <a:lvl6pPr marR="0" lvl="5" algn="l" rtl="0">
         <a:lnSpc>
           <a:spcPct val="100000"/>
         </a:lnSpc>
@@ -6864,7 +7049,7 @@
           <a:srgbClr val="000000"/>
         </a:buClr>
         <a:buFont typeface="Arial"/>
-        <a:defRPr b="0" i="0" sz="1400" u="none" cap="none" strike="noStrike">
+        <a:defRPr sz="1400" b="0" i="0" u="none" strike="noStrike" cap="none">
           <a:solidFill>
             <a:srgbClr val="000000"/>
           </a:solidFill>
@@ -6874,7 +7059,7 @@
           <a:sym typeface="Arial"/>
         </a:defRPr>
       </a:lvl6pPr>
-      <a:lvl7pPr lvl="6" marR="0" rtl="0" algn="l">
+      <a:lvl7pPr marR="0" lvl="6" algn="l" rtl="0">
         <a:lnSpc>
           <a:spcPct val="100000"/>
         </a:lnSpc>
@@ -6888,7 +7073,7 @@
           <a:srgbClr val="000000"/>
         </a:buClr>
         <a:buFont typeface="Arial"/>
-        <a:defRPr b="0" i="0" sz="1400" u="none" cap="none" strike="noStrike">
+        <a:defRPr sz="1400" b="0" i="0" u="none" strike="noStrike" cap="none">
           <a:solidFill>
             <a:srgbClr val="000000"/>
           </a:solidFill>
@@ -6898,7 +7083,7 @@
           <a:sym typeface="Arial"/>
         </a:defRPr>
       </a:lvl7pPr>
-      <a:lvl8pPr lvl="7" marR="0" rtl="0" algn="l">
+      <a:lvl8pPr marR="0" lvl="7" algn="l" rtl="0">
         <a:lnSpc>
           <a:spcPct val="100000"/>
         </a:lnSpc>
@@ -6912,7 +7097,7 @@
           <a:srgbClr val="000000"/>
         </a:buClr>
         <a:buFont typeface="Arial"/>
-        <a:defRPr b="0" i="0" sz="1400" u="none" cap="none" strike="noStrike">
+        <a:defRPr sz="1400" b="0" i="0" u="none" strike="noStrike" cap="none">
           <a:solidFill>
             <a:srgbClr val="000000"/>
           </a:solidFill>
@@ -6922,7 +7107,7 @@
           <a:sym typeface="Arial"/>
         </a:defRPr>
       </a:lvl8pPr>
-      <a:lvl9pPr lvl="8" marR="0" rtl="0" algn="l">
+      <a:lvl9pPr marR="0" lvl="8" algn="l" rtl="0">
         <a:lnSpc>
           <a:spcPct val="100000"/>
         </a:lnSpc>
@@ -6936,7 +7121,7 @@
           <a:srgbClr val="000000"/>
         </a:buClr>
         <a:buFont typeface="Arial"/>
-        <a:defRPr b="0" i="0" sz="1400" u="none" cap="none" strike="noStrike">
+        <a:defRPr sz="1400" b="0" i="0" u="none" strike="noStrike" cap="none">
           <a:solidFill>
             <a:srgbClr val="000000"/>
           </a:solidFill>
@@ -6948,7 +7133,7 @@
       </a:lvl9pPr>
     </p:titleStyle>
     <p:bodyStyle>
-      <a:defPPr lvl="0" marR="0" rtl="0" algn="l">
+      <a:defPPr marR="0" lvl="0" algn="l" rtl="0">
         <a:lnSpc>
           <a:spcPct val="100000"/>
         </a:lnSpc>
@@ -6959,7 +7144,7 @@
           <a:spcPts val="0"/>
         </a:spcAft>
       </a:defPPr>
-      <a:lvl1pPr lvl="0" marR="0" rtl="0" algn="l">
+      <a:lvl1pPr marR="0" lvl="0" algn="l" rtl="0">
         <a:lnSpc>
           <a:spcPct val="100000"/>
         </a:lnSpc>
@@ -6973,7 +7158,7 @@
           <a:srgbClr val="000000"/>
         </a:buClr>
         <a:buFont typeface="Arial"/>
-        <a:defRPr b="0" i="0" sz="1400" u="none" cap="none" strike="noStrike">
+        <a:defRPr sz="1400" b="0" i="0" u="none" strike="noStrike" cap="none">
           <a:solidFill>
             <a:srgbClr val="000000"/>
           </a:solidFill>
@@ -6983,7 +7168,7 @@
           <a:sym typeface="Arial"/>
         </a:defRPr>
       </a:lvl1pPr>
-      <a:lvl2pPr lvl="1" marR="0" rtl="0" algn="l">
+      <a:lvl2pPr marR="0" lvl="1" algn="l" rtl="0">
         <a:lnSpc>
           <a:spcPct val="100000"/>
         </a:lnSpc>
@@ -6997,7 +7182,7 @@
           <a:srgbClr val="000000"/>
         </a:buClr>
         <a:buFont typeface="Arial"/>
-        <a:defRPr b="0" i="0" sz="1400" u="none" cap="none" strike="noStrike">
+        <a:defRPr sz="1400" b="0" i="0" u="none" strike="noStrike" cap="none">
           <a:solidFill>
             <a:srgbClr val="000000"/>
           </a:solidFill>
@@ -7007,7 +7192,7 @@
           <a:sym typeface="Arial"/>
         </a:defRPr>
       </a:lvl2pPr>
-      <a:lvl3pPr lvl="2" marR="0" rtl="0" algn="l">
+      <a:lvl3pPr marR="0" lvl="2" algn="l" rtl="0">
         <a:lnSpc>
           <a:spcPct val="100000"/>
         </a:lnSpc>
@@ -7021,7 +7206,7 @@
           <a:srgbClr val="000000"/>
         </a:buClr>
         <a:buFont typeface="Arial"/>
-        <a:defRPr b="0" i="0" sz="1400" u="none" cap="none" strike="noStrike">
+        <a:defRPr sz="1400" b="0" i="0" u="none" strike="noStrike" cap="none">
           <a:solidFill>
             <a:srgbClr val="000000"/>
           </a:solidFill>
@@ -7031,7 +7216,7 @@
           <a:sym typeface="Arial"/>
         </a:defRPr>
       </a:lvl3pPr>
-      <a:lvl4pPr lvl="3" marR="0" rtl="0" algn="l">
+      <a:lvl4pPr marR="0" lvl="3" algn="l" rtl="0">
         <a:lnSpc>
           <a:spcPct val="100000"/>
         </a:lnSpc>
@@ -7045,7 +7230,7 @@
           <a:srgbClr val="000000"/>
         </a:buClr>
         <a:buFont typeface="Arial"/>
-        <a:defRPr b="0" i="0" sz="1400" u="none" cap="none" strike="noStrike">
+        <a:defRPr sz="1400" b="0" i="0" u="none" strike="noStrike" cap="none">
           <a:solidFill>
             <a:srgbClr val="000000"/>
           </a:solidFill>
@@ -7055,7 +7240,7 @@
           <a:sym typeface="Arial"/>
         </a:defRPr>
       </a:lvl4pPr>
-      <a:lvl5pPr lvl="4" marR="0" rtl="0" algn="l">
+      <a:lvl5pPr marR="0" lvl="4" algn="l" rtl="0">
         <a:lnSpc>
           <a:spcPct val="100000"/>
         </a:lnSpc>
@@ -7069,7 +7254,7 @@
           <a:srgbClr val="000000"/>
         </a:buClr>
         <a:buFont typeface="Arial"/>
-        <a:defRPr b="0" i="0" sz="1400" u="none" cap="none" strike="noStrike">
+        <a:defRPr sz="1400" b="0" i="0" u="none" strike="noStrike" cap="none">
           <a:solidFill>
             <a:srgbClr val="000000"/>
           </a:solidFill>
@@ -7079,7 +7264,7 @@
           <a:sym typeface="Arial"/>
         </a:defRPr>
       </a:lvl5pPr>
-      <a:lvl6pPr lvl="5" marR="0" rtl="0" algn="l">
+      <a:lvl6pPr marR="0" lvl="5" algn="l" rtl="0">
         <a:lnSpc>
           <a:spcPct val="100000"/>
         </a:lnSpc>
@@ -7093,7 +7278,7 @@
           <a:srgbClr val="000000"/>
         </a:buClr>
         <a:buFont typeface="Arial"/>
-        <a:defRPr b="0" i="0" sz="1400" u="none" cap="none" strike="noStrike">
+        <a:defRPr sz="1400" b="0" i="0" u="none" strike="noStrike" cap="none">
           <a:solidFill>
             <a:srgbClr val="000000"/>
           </a:solidFill>
@@ -7103,7 +7288,7 @@
           <a:sym typeface="Arial"/>
         </a:defRPr>
       </a:lvl6pPr>
-      <a:lvl7pPr lvl="6" marR="0" rtl="0" algn="l">
+      <a:lvl7pPr marR="0" lvl="6" algn="l" rtl="0">
         <a:lnSpc>
           <a:spcPct val="100000"/>
         </a:lnSpc>
@@ -7117,7 +7302,7 @@
           <a:srgbClr val="000000"/>
         </a:buClr>
         <a:buFont typeface="Arial"/>
-        <a:defRPr b="0" i="0" sz="1400" u="none" cap="none" strike="noStrike">
+        <a:defRPr sz="1400" b="0" i="0" u="none" strike="noStrike" cap="none">
           <a:solidFill>
             <a:srgbClr val="000000"/>
           </a:solidFill>
@@ -7127,7 +7312,7 @@
           <a:sym typeface="Arial"/>
         </a:defRPr>
       </a:lvl7pPr>
-      <a:lvl8pPr lvl="7" marR="0" rtl="0" algn="l">
+      <a:lvl8pPr marR="0" lvl="7" algn="l" rtl="0">
         <a:lnSpc>
           <a:spcPct val="100000"/>
         </a:lnSpc>
@@ -7141,7 +7326,7 @@
           <a:srgbClr val="000000"/>
         </a:buClr>
         <a:buFont typeface="Arial"/>
-        <a:defRPr b="0" i="0" sz="1400" u="none" cap="none" strike="noStrike">
+        <a:defRPr sz="1400" b="0" i="0" u="none" strike="noStrike" cap="none">
           <a:solidFill>
             <a:srgbClr val="000000"/>
           </a:solidFill>
@@ -7151,7 +7336,7 @@
           <a:sym typeface="Arial"/>
         </a:defRPr>
       </a:lvl8pPr>
-      <a:lvl9pPr lvl="8" marR="0" rtl="0" algn="l">
+      <a:lvl9pPr marR="0" lvl="8" algn="l" rtl="0">
         <a:lnSpc>
           <a:spcPct val="100000"/>
         </a:lnSpc>
@@ -7165,7 +7350,7 @@
           <a:srgbClr val="000000"/>
         </a:buClr>
         <a:buFont typeface="Arial"/>
-        <a:defRPr b="0" i="0" sz="1400" u="none" cap="none" strike="noStrike">
+        <a:defRPr sz="1400" b="0" i="0" u="none" strike="noStrike" cap="none">
           <a:solidFill>
             <a:srgbClr val="000000"/>
           </a:solidFill>
@@ -7177,7 +7362,7 @@
       </a:lvl9pPr>
     </p:bodyStyle>
     <p:otherStyle>
-      <a:defPPr lvl="0" marR="0" rtl="0" algn="l">
+      <a:defPPr marR="0" lvl="0" algn="l" rtl="0">
         <a:lnSpc>
           <a:spcPct val="100000"/>
         </a:lnSpc>
@@ -7188,7 +7373,7 @@
           <a:spcPts val="0"/>
         </a:spcAft>
       </a:defPPr>
-      <a:lvl1pPr lvl="0" marR="0" rtl="0" algn="l">
+      <a:lvl1pPr marR="0" lvl="0" algn="l" rtl="0">
         <a:lnSpc>
           <a:spcPct val="100000"/>
         </a:lnSpc>
@@ -7202,7 +7387,7 @@
           <a:srgbClr val="000000"/>
         </a:buClr>
         <a:buFont typeface="Arial"/>
-        <a:defRPr b="0" i="0" sz="1400" u="none" cap="none" strike="noStrike">
+        <a:defRPr sz="1400" b="0" i="0" u="none" strike="noStrike" cap="none">
           <a:solidFill>
             <a:srgbClr val="000000"/>
           </a:solidFill>
@@ -7212,7 +7397,7 @@
           <a:sym typeface="Arial"/>
         </a:defRPr>
       </a:lvl1pPr>
-      <a:lvl2pPr lvl="1" marR="0" rtl="0" algn="l">
+      <a:lvl2pPr marR="0" lvl="1" algn="l" rtl="0">
         <a:lnSpc>
           <a:spcPct val="100000"/>
         </a:lnSpc>
@@ -7226,7 +7411,7 @@
           <a:srgbClr val="000000"/>
         </a:buClr>
         <a:buFont typeface="Arial"/>
-        <a:defRPr b="0" i="0" sz="1400" u="none" cap="none" strike="noStrike">
+        <a:defRPr sz="1400" b="0" i="0" u="none" strike="noStrike" cap="none">
           <a:solidFill>
             <a:srgbClr val="000000"/>
           </a:solidFill>
@@ -7236,7 +7421,7 @@
           <a:sym typeface="Arial"/>
         </a:defRPr>
       </a:lvl2pPr>
-      <a:lvl3pPr lvl="2" marR="0" rtl="0" algn="l">
+      <a:lvl3pPr marR="0" lvl="2" algn="l" rtl="0">
         <a:lnSpc>
           <a:spcPct val="100000"/>
         </a:lnSpc>
@@ -7250,7 +7435,7 @@
           <a:srgbClr val="000000"/>
         </a:buClr>
         <a:buFont typeface="Arial"/>
-        <a:defRPr b="0" i="0" sz="1400" u="none" cap="none" strike="noStrike">
+        <a:defRPr sz="1400" b="0" i="0" u="none" strike="noStrike" cap="none">
           <a:solidFill>
             <a:srgbClr val="000000"/>
           </a:solidFill>
@@ -7260,7 +7445,7 @@
           <a:sym typeface="Arial"/>
         </a:defRPr>
       </a:lvl3pPr>
-      <a:lvl4pPr lvl="3" marR="0" rtl="0" algn="l">
+      <a:lvl4pPr marR="0" lvl="3" algn="l" rtl="0">
         <a:lnSpc>
           <a:spcPct val="100000"/>
         </a:lnSpc>
@@ -7274,7 +7459,7 @@
           <a:srgbClr val="000000"/>
         </a:buClr>
         <a:buFont typeface="Arial"/>
-        <a:defRPr b="0" i="0" sz="1400" u="none" cap="none" strike="noStrike">
+        <a:defRPr sz="1400" b="0" i="0" u="none" strike="noStrike" cap="none">
           <a:solidFill>
             <a:srgbClr val="000000"/>
           </a:solidFill>
@@ -7284,7 +7469,7 @@
           <a:sym typeface="Arial"/>
         </a:defRPr>
       </a:lvl4pPr>
-      <a:lvl5pPr lvl="4" marR="0" rtl="0" algn="l">
+      <a:lvl5pPr marR="0" lvl="4" algn="l" rtl="0">
         <a:lnSpc>
           <a:spcPct val="100000"/>
         </a:lnSpc>
@@ -7298,7 +7483,7 @@
           <a:srgbClr val="000000"/>
         </a:buClr>
         <a:buFont typeface="Arial"/>
-        <a:defRPr b="0" i="0" sz="1400" u="none" cap="none" strike="noStrike">
+        <a:defRPr sz="1400" b="0" i="0" u="none" strike="noStrike" cap="none">
           <a:solidFill>
             <a:srgbClr val="000000"/>
           </a:solidFill>
@@ -7308,7 +7493,7 @@
           <a:sym typeface="Arial"/>
         </a:defRPr>
       </a:lvl5pPr>
-      <a:lvl6pPr lvl="5" marR="0" rtl="0" algn="l">
+      <a:lvl6pPr marR="0" lvl="5" algn="l" rtl="0">
         <a:lnSpc>
           <a:spcPct val="100000"/>
         </a:lnSpc>
@@ -7322,7 +7507,7 @@
           <a:srgbClr val="000000"/>
         </a:buClr>
         <a:buFont typeface="Arial"/>
-        <a:defRPr b="0" i="0" sz="1400" u="none" cap="none" strike="noStrike">
+        <a:defRPr sz="1400" b="0" i="0" u="none" strike="noStrike" cap="none">
           <a:solidFill>
             <a:srgbClr val="000000"/>
           </a:solidFill>
@@ -7332,7 +7517,7 @@
           <a:sym typeface="Arial"/>
         </a:defRPr>
       </a:lvl6pPr>
-      <a:lvl7pPr lvl="6" marR="0" rtl="0" algn="l">
+      <a:lvl7pPr marR="0" lvl="6" algn="l" rtl="0">
         <a:lnSpc>
           <a:spcPct val="100000"/>
         </a:lnSpc>
@@ -7346,7 +7531,7 @@
           <a:srgbClr val="000000"/>
         </a:buClr>
         <a:buFont typeface="Arial"/>
-        <a:defRPr b="0" i="0" sz="1400" u="none" cap="none" strike="noStrike">
+        <a:defRPr sz="1400" b="0" i="0" u="none" strike="noStrike" cap="none">
           <a:solidFill>
             <a:srgbClr val="000000"/>
           </a:solidFill>
@@ -7356,7 +7541,7 @@
           <a:sym typeface="Arial"/>
         </a:defRPr>
       </a:lvl7pPr>
-      <a:lvl8pPr lvl="7" marR="0" rtl="0" algn="l">
+      <a:lvl8pPr marR="0" lvl="7" algn="l" rtl="0">
         <a:lnSpc>
           <a:spcPct val="100000"/>
         </a:lnSpc>
@@ -7370,7 +7555,7 @@
           <a:srgbClr val="000000"/>
         </a:buClr>
         <a:buFont typeface="Arial"/>
-        <a:defRPr b="0" i="0" sz="1400" u="none" cap="none" strike="noStrike">
+        <a:defRPr sz="1400" b="0" i="0" u="none" strike="noStrike" cap="none">
           <a:solidFill>
             <a:srgbClr val="000000"/>
           </a:solidFill>
@@ -7380,7 +7565,7 @@
           <a:sym typeface="Arial"/>
         </a:defRPr>
       </a:lvl8pPr>
-      <a:lvl9pPr lvl="8" marR="0" rtl="0" algn="l">
+      <a:lvl9pPr marR="0" lvl="8" algn="l" rtl="0">
         <a:lnSpc>
           <a:spcPct val="100000"/>
         </a:lnSpc>
@@ -7394,7 +7579,7 @@
           <a:srgbClr val="000000"/>
         </a:buClr>
         <a:buFont typeface="Arial"/>
-        <a:defRPr b="0" i="0" sz="1400" u="none" cap="none" strike="noStrike">
+        <a:defRPr sz="1400" b="0" i="0" u="none" strike="noStrike" cap="none">
           <a:solidFill>
             <a:srgbClr val="000000"/>
           </a:solidFill>
@@ -7410,11 +7595,11 @@
 </file>
 
 <file path=ppt/slides/slide1.xml><?xml version="1.0" encoding="utf-8"?>
-<p:sld xmlns:a="http://schemas.openxmlformats.org/drawingml/2006/main" xmlns:r="http://schemas.openxmlformats.org/officeDocument/2006/relationships" xmlns:mc="http://schemas.openxmlformats.org/markup-compatibility/2006" xmlns:mv="urn:schemas-microsoft-com:mac:vml" xmlns:p="http://schemas.openxmlformats.org/presentationml/2006/main" xmlns:c="http://schemas.openxmlformats.org/drawingml/2006/chart" xmlns:dgm="http://schemas.openxmlformats.org/drawingml/2006/diagram" xmlns:o="urn:schemas-microsoft-com:office:office" xmlns:v="urn:schemas-microsoft-com:vml" xmlns:pvml="urn:schemas-microsoft-com:office:powerpoint" xmlns:com="http://schemas.openxmlformats.org/drawingml/2006/compatibility" xmlns:p14="http://schemas.microsoft.com/office/powerpoint/2010/main" xmlns:p15="http://schemas.microsoft.com/office/powerpoint/2012/main">
+<p:sld xmlns:a="http://schemas.openxmlformats.org/drawingml/2006/main" xmlns:r="http://schemas.openxmlformats.org/officeDocument/2006/relationships" xmlns:p="http://schemas.openxmlformats.org/presentationml/2006/main">
   <p:cSld>
     <p:spTree>
       <p:nvGrpSpPr>
-        <p:cNvPr id="61" name="Shape 61"/>
+        <p:cNvPr id="1" name="Shape 61"/>
         <p:cNvGrpSpPr/>
         <p:nvPr/>
       </p:nvGrpSpPr>
@@ -7429,7 +7614,9 @@
       <p:sp>
         <p:nvSpPr>
           <p:cNvPr id="62" name="Shape 62"/>
-          <p:cNvSpPr txBox="1"/>
+          <p:cNvSpPr txBox="1">
+            <a:spLocks noGrp="1"/>
+          </p:cNvSpPr>
           <p:nvPr>
             <p:ph type="ctrTitle"/>
           </p:nvPr>
@@ -7444,12 +7631,12 @@
           </a:prstGeom>
         </p:spPr>
         <p:txBody>
-          <a:bodyPr anchorCtr="0" anchor="b" bIns="91425" lIns="91425" spcFirstLastPara="1" rIns="91425" wrap="square" tIns="91425">
+          <a:bodyPr spcFirstLastPara="1" wrap="square" lIns="91425" tIns="91425" rIns="91425" bIns="91425" anchor="b" anchorCtr="0">
             <a:noAutofit/>
           </a:bodyPr>
           <a:lstStyle/>
           <a:p>
-            <a:pPr indent="0" lvl="0" marL="0" rtl="0">
+            <a:pPr marL="0" lvl="0" indent="0" rtl="0">
               <a:spcBef>
                 <a:spcPts val="0"/>
               </a:spcBef>
@@ -7459,23 +7646,34 @@
               <a:buNone/>
             </a:pPr>
             <a:r>
-              <a:rPr lang="en"/>
+              <a:rPr lang="en" dirty="0">
+                <a:latin typeface="Microsoft YaHei UI" panose="020B0503020204020204" pitchFamily="34" charset="-122"/>
+                <a:ea typeface="Microsoft YaHei UI" panose="020B0503020204020204" pitchFamily="34" charset="-122"/>
+              </a:rPr>
               <a:t>On-Premise to Cloud Migration</a:t>
             </a:r>
             <a:r>
-              <a:rPr lang="en" sz="4800"/>
+              <a:rPr lang="en" sz="4800" dirty="0">
+                <a:latin typeface="Microsoft YaHei UI" panose="020B0503020204020204" pitchFamily="34" charset="-122"/>
+                <a:ea typeface="Microsoft YaHei UI" panose="020B0503020204020204" pitchFamily="34" charset="-122"/>
+              </a:rPr>
               <a:t> </a:t>
             </a:r>
-            <a:endParaRPr sz="4800"/>
+            <a:endParaRPr sz="4800" dirty="0">
+              <a:latin typeface="Microsoft YaHei UI" panose="020B0503020204020204" pitchFamily="34" charset="-122"/>
+              <a:ea typeface="Microsoft YaHei UI" panose="020B0503020204020204" pitchFamily="34" charset="-122"/>
+            </a:endParaRPr>
           </a:p>
         </p:txBody>
       </p:sp>
       <p:sp>
         <p:nvSpPr>
           <p:cNvPr id="63" name="Shape 63"/>
-          <p:cNvSpPr txBox="1"/>
+          <p:cNvSpPr txBox="1">
+            <a:spLocks noGrp="1"/>
+          </p:cNvSpPr>
           <p:nvPr>
-            <p:ph idx="1" type="subTitle"/>
+            <p:ph type="subTitle" idx="1"/>
           </p:nvPr>
         </p:nvSpPr>
         <p:spPr>
@@ -7488,12 +7686,12 @@
           </a:prstGeom>
         </p:spPr>
         <p:txBody>
-          <a:bodyPr anchorCtr="0" anchor="ctr" bIns="91425" lIns="91425" spcFirstLastPara="1" rIns="91425" wrap="square" tIns="91425">
+          <a:bodyPr spcFirstLastPara="1" wrap="square" lIns="91425" tIns="91425" rIns="91425" bIns="91425" anchor="ctr" anchorCtr="0">
             <a:noAutofit/>
           </a:bodyPr>
           <a:lstStyle/>
           <a:p>
-            <a:pPr indent="0" lvl="0" marL="0">
+            <a:pPr marL="0" lvl="0" indent="0">
               <a:spcBef>
                 <a:spcPts val="0"/>
               </a:spcBef>
@@ -7503,14 +7701,23 @@
               <a:buNone/>
             </a:pPr>
             <a:r>
-              <a:rPr b="1" lang="en"/>
+              <a:rPr lang="en" sz="2800" b="1" dirty="0">
+                <a:latin typeface="Microsoft YaHei" panose="020B0503020204020204" pitchFamily="34" charset="-122"/>
+                <a:ea typeface="Microsoft YaHei" panose="020B0503020204020204" pitchFamily="34" charset="-122"/>
+              </a:rPr>
               <a:t>Team Cloud: </a:t>
             </a:r>
             <a:r>
-              <a:rPr lang="en"/>
+              <a:rPr lang="en" sz="2800" dirty="0">
+                <a:latin typeface="Microsoft YaHei" panose="020B0503020204020204" pitchFamily="34" charset="-122"/>
+                <a:ea typeface="Microsoft YaHei" panose="020B0503020204020204" pitchFamily="34" charset="-122"/>
+              </a:rPr>
               <a:t>Andrew Bae, Jonathan Nguyen, Osman Choudhary, Yobell Woldu, &amp; Nandu Rami </a:t>
             </a:r>
-            <a:endParaRPr/>
+            <a:endParaRPr sz="2800" dirty="0">
+              <a:latin typeface="Microsoft YaHei" panose="020B0503020204020204" pitchFamily="34" charset="-122"/>
+              <a:ea typeface="Microsoft YaHei" panose="020B0503020204020204" pitchFamily="34" charset="-122"/>
+            </a:endParaRPr>
           </a:p>
         </p:txBody>
       </p:sp>
@@ -7523,11 +7730,11 @@
 </file>
 
 <file path=ppt/slides/slide10.xml><?xml version="1.0" encoding="utf-8"?>
-<p:sld xmlns:a="http://schemas.openxmlformats.org/drawingml/2006/main" xmlns:r="http://schemas.openxmlformats.org/officeDocument/2006/relationships" xmlns:mc="http://schemas.openxmlformats.org/markup-compatibility/2006" xmlns:mv="urn:schemas-microsoft-com:mac:vml" xmlns:p="http://schemas.openxmlformats.org/presentationml/2006/main" xmlns:c="http://schemas.openxmlformats.org/drawingml/2006/chart" xmlns:dgm="http://schemas.openxmlformats.org/drawingml/2006/diagram" xmlns:o="urn:schemas-microsoft-com:office:office" xmlns:v="urn:schemas-microsoft-com:vml" xmlns:pvml="urn:schemas-microsoft-com:office:powerpoint" xmlns:com="http://schemas.openxmlformats.org/drawingml/2006/compatibility" xmlns:p14="http://schemas.microsoft.com/office/powerpoint/2010/main" xmlns:p15="http://schemas.microsoft.com/office/powerpoint/2012/main">
+<p:sld xmlns:a="http://schemas.openxmlformats.org/drawingml/2006/main" xmlns:r="http://schemas.openxmlformats.org/officeDocument/2006/relationships" xmlns:p="http://schemas.openxmlformats.org/presentationml/2006/main">
   <p:cSld>
     <p:spTree>
       <p:nvGrpSpPr>
-        <p:cNvPr id="116" name="Shape 116"/>
+        <p:cNvPr id="1" name="Shape 116"/>
         <p:cNvGrpSpPr/>
         <p:nvPr/>
       </p:nvGrpSpPr>
@@ -7542,7 +7749,9 @@
       <p:sp>
         <p:nvSpPr>
           <p:cNvPr id="117" name="Shape 117"/>
-          <p:cNvSpPr txBox="1"/>
+          <p:cNvSpPr txBox="1">
+            <a:spLocks noGrp="1"/>
+          </p:cNvSpPr>
           <p:nvPr>
             <p:ph type="title"/>
           </p:nvPr>
@@ -7557,12 +7766,12 @@
           </a:prstGeom>
         </p:spPr>
         <p:txBody>
-          <a:bodyPr anchorCtr="0" anchor="b" bIns="91425" lIns="91425" spcFirstLastPara="1" rIns="91425" wrap="square" tIns="91425">
+          <a:bodyPr spcFirstLastPara="1" wrap="square" lIns="91425" tIns="91425" rIns="91425" bIns="91425" anchor="b" anchorCtr="0">
             <a:noAutofit/>
           </a:bodyPr>
           <a:lstStyle/>
           <a:p>
-            <a:pPr indent="0" lvl="0" marL="0">
+            <a:pPr marL="0" lvl="0" indent="0">
               <a:spcBef>
                 <a:spcPts val="0"/>
               </a:spcBef>
@@ -7572,10 +7781,16 @@
               <a:buNone/>
             </a:pPr>
             <a:r>
-              <a:rPr lang="en"/>
+              <a:rPr lang="en" dirty="0">
+                <a:latin typeface="Microsoft YaHei" panose="020B0503020204020204" pitchFamily="34" charset="-122"/>
+                <a:ea typeface="Microsoft YaHei" panose="020B0503020204020204" pitchFamily="34" charset="-122"/>
+              </a:rPr>
               <a:t>Work Plan</a:t>
             </a:r>
-            <a:endParaRPr/>
+            <a:endParaRPr dirty="0">
+              <a:latin typeface="Microsoft YaHei" panose="020B0503020204020204" pitchFamily="34" charset="-122"/>
+              <a:ea typeface="Microsoft YaHei" panose="020B0503020204020204" pitchFamily="34" charset="-122"/>
+            </a:endParaRPr>
           </a:p>
         </p:txBody>
       </p:sp>
@@ -7587,7 +7802,7 @@
         </p:nvGraphicFramePr>
         <p:xfrm>
           <a:off x="1170900" y="1468820"/>
-          <a:ext cx="3000000" cy="3000000"/>
+          <a:ext cx="6802200" cy="2834430"/>
         </p:xfrm>
         <a:graphic>
           <a:graphicData uri="http://schemas.openxmlformats.org/drawingml/2006/table">
@@ -7597,19 +7812,35 @@
                 <a:tableStyleId>{24558F3D-B36D-4E79-95D3-D169D9286C06}</a:tableStyleId>
               </a:tblPr>
               <a:tblGrid>
-                <a:gridCol w="2267400"/>
-                <a:gridCol w="2267400"/>
-                <a:gridCol w="2267400"/>
+                <a:gridCol w="2267400">
+                  <a:extLst>
+                    <a:ext uri="{9D8B030D-6E8A-4147-A177-3AD203B41FA5}">
+                      <a16:colId xmlns:a16="http://schemas.microsoft.com/office/drawing/2014/main" val="20000"/>
+                    </a:ext>
+                  </a:extLst>
+                </a:gridCol>
+                <a:gridCol w="2267400">
+                  <a:extLst>
+                    <a:ext uri="{9D8B030D-6E8A-4147-A177-3AD203B41FA5}">
+                      <a16:colId xmlns:a16="http://schemas.microsoft.com/office/drawing/2014/main" val="20001"/>
+                    </a:ext>
+                  </a:extLst>
+                </a:gridCol>
+                <a:gridCol w="2267400">
+                  <a:extLst>
+                    <a:ext uri="{9D8B030D-6E8A-4147-A177-3AD203B41FA5}">
+                      <a16:colId xmlns:a16="http://schemas.microsoft.com/office/drawing/2014/main" val="20002"/>
+                    </a:ext>
+                  </a:extLst>
+                </a:gridCol>
               </a:tblGrid>
               <a:tr h="400850">
                 <a:tc>
                   <a:txBody>
-                    <a:bodyPr>
-                      <a:noAutofit/>
-                    </a:bodyPr>
+                    <a:bodyPr/>
                     <a:lstStyle/>
                     <a:p>
-                      <a:pPr indent="0" lvl="0" marL="0" algn="ctr">
+                      <a:pPr marL="0" lvl="0" indent="0" algn="ctr">
                         <a:spcBef>
                           <a:spcPts val="0"/>
                         </a:spcBef>
@@ -7619,22 +7850,20 @@
                         <a:buNone/>
                       </a:pPr>
                       <a:r>
-                        <a:rPr b="1" lang="en" sz="1800"/>
+                        <a:rPr lang="en" sz="1800" b="1" dirty="0"/>
                         <a:t>Phase</a:t>
                       </a:r>
-                      <a:endParaRPr b="1" sz="1800"/>
+                      <a:endParaRPr sz="1800" b="1" dirty="0"/>
                     </a:p>
                   </a:txBody>
-                  <a:tcPr marT="91425" marB="91425" marR="91425" marL="91425"/>
+                  <a:tcPr marL="91425" marR="91425" marT="91425" marB="91425"/>
                 </a:tc>
                 <a:tc>
                   <a:txBody>
-                    <a:bodyPr>
-                      <a:noAutofit/>
-                    </a:bodyPr>
+                    <a:bodyPr/>
                     <a:lstStyle/>
                     <a:p>
-                      <a:pPr indent="0" lvl="0" marL="0" algn="ctr">
+                      <a:pPr marL="0" lvl="0" indent="0" algn="ctr">
                         <a:spcBef>
                           <a:spcPts val="0"/>
                         </a:spcBef>
@@ -7644,22 +7873,20 @@
                         <a:buNone/>
                       </a:pPr>
                       <a:r>
-                        <a:rPr b="1" lang="en"/>
+                        <a:rPr lang="en" b="1"/>
                         <a:t>Task</a:t>
                       </a:r>
                       <a:endParaRPr b="1"/>
                     </a:p>
                   </a:txBody>
-                  <a:tcPr marT="91425" marB="91425" marR="91425" marL="91425"/>
+                  <a:tcPr marL="91425" marR="91425" marT="91425" marB="91425"/>
                 </a:tc>
                 <a:tc>
                   <a:txBody>
-                    <a:bodyPr>
-                      <a:noAutofit/>
-                    </a:bodyPr>
+                    <a:bodyPr/>
                     <a:lstStyle/>
                     <a:p>
-                      <a:pPr indent="0" lvl="0" marL="0" rtl="0" algn="ctr">
+                      <a:pPr marL="0" lvl="0" indent="0" algn="ctr" rtl="0">
                         <a:spcBef>
                           <a:spcPts val="0"/>
                         </a:spcBef>
@@ -7669,24 +7896,27 @@
                         <a:buNone/>
                       </a:pPr>
                       <a:r>
-                        <a:rPr b="1" lang="en"/>
+                        <a:rPr lang="en" b="1"/>
                         <a:t>Completion Period</a:t>
                       </a:r>
                       <a:endParaRPr b="1"/>
                     </a:p>
                   </a:txBody>
-                  <a:tcPr marT="91425" marB="91425" marR="91425" marL="91425"/>
+                  <a:tcPr marL="91425" marR="91425" marT="91425" marB="91425"/>
                 </a:tc>
+                <a:extLst>
+                  <a:ext uri="{0D108BD9-81ED-4DB2-BD59-A6C34878D82A}">
+                    <a16:rowId xmlns:a16="http://schemas.microsoft.com/office/drawing/2014/main" val="10000"/>
+                  </a:ext>
+                </a:extLst>
               </a:tr>
               <a:tr h="342625">
                 <a:tc>
                   <a:txBody>
-                    <a:bodyPr>
-                      <a:noAutofit/>
-                    </a:bodyPr>
+                    <a:bodyPr/>
                     <a:lstStyle/>
                     <a:p>
-                      <a:pPr indent="0" lvl="0" marL="0">
+                      <a:pPr marL="0" lvl="0" indent="0">
                         <a:spcBef>
                           <a:spcPts val="0"/>
                         </a:spcBef>
@@ -7696,22 +7926,20 @@
                         <a:buNone/>
                       </a:pPr>
                       <a:r>
-                        <a:rPr b="1" lang="en"/>
+                        <a:rPr lang="en" b="1" dirty="0"/>
                         <a:t>Preparation</a:t>
                       </a:r>
-                      <a:endParaRPr b="1"/>
+                      <a:endParaRPr b="1" dirty="0"/>
                     </a:p>
                   </a:txBody>
-                  <a:tcPr marT="91425" marB="91425" marR="91425" marL="91425"/>
+                  <a:tcPr marL="91425" marR="91425" marT="91425" marB="91425"/>
                 </a:tc>
                 <a:tc>
                   <a:txBody>
-                    <a:bodyPr>
-                      <a:noAutofit/>
-                    </a:bodyPr>
+                    <a:bodyPr/>
                     <a:lstStyle/>
                     <a:p>
-                      <a:pPr indent="0" lvl="0" marL="0">
+                      <a:pPr marL="0" lvl="0" indent="0">
                         <a:spcBef>
                           <a:spcPts val="0"/>
                         </a:spcBef>
@@ -7727,16 +7955,14 @@
                       <a:endParaRPr/>
                     </a:p>
                   </a:txBody>
-                  <a:tcPr marT="91425" marB="91425" marR="91425" marL="91425"/>
+                  <a:tcPr marL="91425" marR="91425" marT="91425" marB="91425"/>
                 </a:tc>
                 <a:tc>
                   <a:txBody>
-                    <a:bodyPr>
-                      <a:noAutofit/>
-                    </a:bodyPr>
+                    <a:bodyPr/>
                     <a:lstStyle/>
                     <a:p>
-                      <a:pPr indent="0" lvl="0" marL="0" rtl="0">
+                      <a:pPr marL="0" lvl="0" indent="0" rtl="0">
                         <a:spcBef>
                           <a:spcPts val="0"/>
                         </a:spcBef>
@@ -7752,18 +7978,40 @@
                       <a:endParaRPr/>
                     </a:p>
                   </a:txBody>
-                  <a:tcPr marT="91425" marB="91425" marR="91425" marL="91425"/>
+                  <a:tcPr marL="91425" marR="91425" marT="91425" marB="91425"/>
                 </a:tc>
+                <a:extLst>
+                  <a:ext uri="{0D108BD9-81ED-4DB2-BD59-A6C34878D82A}">
+                    <a16:rowId xmlns:a16="http://schemas.microsoft.com/office/drawing/2014/main" val="10001"/>
+                  </a:ext>
+                </a:extLst>
               </a:tr>
               <a:tr h="342625">
                 <a:tc>
                   <a:txBody>
-                    <a:bodyPr>
-                      <a:noAutofit/>
-                    </a:bodyPr>
+                    <a:bodyPr/>
                     <a:lstStyle/>
                     <a:p>
-                      <a:pPr indent="0" lvl="0" marL="0">
+                      <a:pPr marL="0" lvl="0" indent="0">
+                        <a:spcBef>
+                          <a:spcPts val="0"/>
+                        </a:spcBef>
+                        <a:spcAft>
+                          <a:spcPts val="0"/>
+                        </a:spcAft>
+                        <a:buNone/>
+                      </a:pPr>
+                      <a:endParaRPr dirty="0"/>
+                    </a:p>
+                  </a:txBody>
+                  <a:tcPr marL="91425" marR="91425" marT="91425" marB="91425"/>
+                </a:tc>
+                <a:tc>
+                  <a:txBody>
+                    <a:bodyPr/>
+                    <a:lstStyle/>
+                    <a:p>
+                      <a:pPr marL="0" lvl="0" indent="0">
                         <a:spcBef>
                           <a:spcPts val="0"/>
                         </a:spcBef>
@@ -7773,46 +8021,20 @@
                         <a:buNone/>
                       </a:pPr>
                       <a:r>
-                        <a:t/>
+                        <a:rPr lang="en" dirty="0"/>
+                        <a:t>Cloud preparation</a:t>
                       </a:r>
-                      <a:endParaRPr/>
+                      <a:endParaRPr dirty="0"/>
                     </a:p>
                   </a:txBody>
-                  <a:tcPr marT="91425" marB="91425" marR="91425" marL="91425"/>
+                  <a:tcPr marL="91425" marR="91425" marT="91425" marB="91425"/>
                 </a:tc>
                 <a:tc>
                   <a:txBody>
-                    <a:bodyPr>
-                      <a:noAutofit/>
-                    </a:bodyPr>
+                    <a:bodyPr/>
                     <a:lstStyle/>
                     <a:p>
-                      <a:pPr indent="0" lvl="0" marL="0">
-                        <a:spcBef>
-                          <a:spcPts val="0"/>
-                        </a:spcBef>
-                        <a:spcAft>
-                          <a:spcPts val="0"/>
-                        </a:spcAft>
-                        <a:buNone/>
-                      </a:pPr>
-                      <a:r>
-                        <a:rPr lang="en"/>
-                        <a:t>Cloud preparation</a:t>
-                      </a:r>
-                      <a:endParaRPr/>
-                    </a:p>
-                  </a:txBody>
-                  <a:tcPr marT="91425" marB="91425" marR="91425" marL="91425"/>
-                </a:tc>
-                <a:tc>
-                  <a:txBody>
-                    <a:bodyPr>
-                      <a:noAutofit/>
-                    </a:bodyPr>
-                    <a:lstStyle/>
-                    <a:p>
-                      <a:pPr indent="0" lvl="0" marL="0">
+                      <a:pPr marL="0" lvl="0" indent="0">
                         <a:spcBef>
                           <a:spcPts val="0"/>
                         </a:spcBef>
@@ -7828,18 +8050,21 @@
                       <a:endParaRPr/>
                     </a:p>
                   </a:txBody>
-                  <a:tcPr marT="91425" marB="91425" marR="91425" marL="91425"/>
+                  <a:tcPr marL="91425" marR="91425" marT="91425" marB="91425"/>
                 </a:tc>
+                <a:extLst>
+                  <a:ext uri="{0D108BD9-81ED-4DB2-BD59-A6C34878D82A}">
+                    <a16:rowId xmlns:a16="http://schemas.microsoft.com/office/drawing/2014/main" val="10002"/>
+                  </a:ext>
+                </a:extLst>
               </a:tr>
               <a:tr h="345950">
                 <a:tc>
                   <a:txBody>
-                    <a:bodyPr>
-                      <a:noAutofit/>
-                    </a:bodyPr>
+                    <a:bodyPr/>
                     <a:lstStyle/>
                     <a:p>
-                      <a:pPr indent="0" lvl="0" marL="0">
+                      <a:pPr marL="0" lvl="0" indent="0">
                         <a:spcBef>
                           <a:spcPts val="0"/>
                         </a:spcBef>
@@ -7848,22 +8073,17 @@
                         </a:spcAft>
                         <a:buNone/>
                       </a:pPr>
-                      <a:r>
-                        <a:t/>
-                      </a:r>
                       <a:endParaRPr/>
                     </a:p>
                   </a:txBody>
-                  <a:tcPr marT="91425" marB="91425" marR="91425" marL="91425"/>
+                  <a:tcPr marL="91425" marR="91425" marT="91425" marB="91425"/>
                 </a:tc>
                 <a:tc>
                   <a:txBody>
-                    <a:bodyPr>
-                      <a:noAutofit/>
-                    </a:bodyPr>
+                    <a:bodyPr/>
                     <a:lstStyle/>
                     <a:p>
-                      <a:pPr indent="0" lvl="0" marL="0">
+                      <a:pPr marL="0" lvl="0" indent="0">
                         <a:spcBef>
                           <a:spcPts val="0"/>
                         </a:spcBef>
@@ -7879,16 +8099,14 @@
                       <a:endParaRPr/>
                     </a:p>
                   </a:txBody>
-                  <a:tcPr marT="91425" marB="91425" marR="91425" marL="91425"/>
+                  <a:tcPr marL="91425" marR="91425" marT="91425" marB="91425"/>
                 </a:tc>
                 <a:tc>
                   <a:txBody>
-                    <a:bodyPr>
-                      <a:noAutofit/>
-                    </a:bodyPr>
+                    <a:bodyPr/>
                     <a:lstStyle/>
                     <a:p>
-                      <a:pPr indent="0" lvl="0" marL="0">
+                      <a:pPr marL="0" lvl="0" indent="0">
                         <a:spcBef>
                           <a:spcPts val="0"/>
                         </a:spcBef>
@@ -7904,18 +8122,21 @@
                       <a:endParaRPr/>
                     </a:p>
                   </a:txBody>
-                  <a:tcPr marT="91425" marB="91425" marR="91425" marL="91425"/>
+                  <a:tcPr marL="91425" marR="91425" marT="91425" marB="91425"/>
                 </a:tc>
+                <a:extLst>
+                  <a:ext uri="{0D108BD9-81ED-4DB2-BD59-A6C34878D82A}">
+                    <a16:rowId xmlns:a16="http://schemas.microsoft.com/office/drawing/2014/main" val="10003"/>
+                  </a:ext>
+                </a:extLst>
               </a:tr>
               <a:tr h="342625">
                 <a:tc>
                   <a:txBody>
-                    <a:bodyPr>
-                      <a:noAutofit/>
-                    </a:bodyPr>
+                    <a:bodyPr/>
                     <a:lstStyle/>
                     <a:p>
-                      <a:pPr indent="0" lvl="0" marL="0">
+                      <a:pPr marL="0" lvl="0" indent="0">
                         <a:spcBef>
                           <a:spcPts val="0"/>
                         </a:spcBef>
@@ -7925,22 +8146,20 @@
                         <a:buNone/>
                       </a:pPr>
                       <a:r>
-                        <a:rPr b="1" lang="en"/>
+                        <a:rPr lang="en" b="1" dirty="0"/>
                         <a:t>Integration</a:t>
                       </a:r>
-                      <a:endParaRPr b="1"/>
+                      <a:endParaRPr b="1" dirty="0"/>
                     </a:p>
                   </a:txBody>
-                  <a:tcPr marT="91425" marB="91425" marR="91425" marL="91425"/>
+                  <a:tcPr marL="91425" marR="91425" marT="91425" marB="91425"/>
                 </a:tc>
                 <a:tc>
                   <a:txBody>
-                    <a:bodyPr>
-                      <a:noAutofit/>
-                    </a:bodyPr>
+                    <a:bodyPr/>
                     <a:lstStyle/>
                     <a:p>
-                      <a:pPr indent="0" lvl="0" marL="0">
+                      <a:pPr marL="0" lvl="0" indent="0">
                         <a:spcBef>
                           <a:spcPts val="0"/>
                         </a:spcBef>
@@ -7956,16 +8175,14 @@
                       <a:endParaRPr/>
                     </a:p>
                   </a:txBody>
-                  <a:tcPr marT="91425" marB="91425" marR="91425" marL="91425"/>
+                  <a:tcPr marL="91425" marR="91425" marT="91425" marB="91425"/>
                 </a:tc>
                 <a:tc>
                   <a:txBody>
-                    <a:bodyPr>
-                      <a:noAutofit/>
-                    </a:bodyPr>
+                    <a:bodyPr/>
                     <a:lstStyle/>
                     <a:p>
-                      <a:pPr indent="0" lvl="0" marL="0">
+                      <a:pPr marL="0" lvl="0" indent="0">
                         <a:spcBef>
                           <a:spcPts val="0"/>
                         </a:spcBef>
@@ -7981,18 +8198,21 @@
                       <a:endParaRPr/>
                     </a:p>
                   </a:txBody>
-                  <a:tcPr marT="91425" marB="91425" marR="91425" marL="91425"/>
+                  <a:tcPr marL="91425" marR="91425" marT="91425" marB="91425"/>
                 </a:tc>
+                <a:extLst>
+                  <a:ext uri="{0D108BD9-81ED-4DB2-BD59-A6C34878D82A}">
+                    <a16:rowId xmlns:a16="http://schemas.microsoft.com/office/drawing/2014/main" val="10004"/>
+                  </a:ext>
+                </a:extLst>
               </a:tr>
               <a:tr h="342625">
                 <a:tc>
                   <a:txBody>
-                    <a:bodyPr>
-                      <a:noAutofit/>
-                    </a:bodyPr>
+                    <a:bodyPr/>
                     <a:lstStyle/>
                     <a:p>
-                      <a:pPr indent="0" lvl="0" marL="0">
+                      <a:pPr marL="0" lvl="0" indent="0">
                         <a:spcBef>
                           <a:spcPts val="0"/>
                         </a:spcBef>
@@ -8001,22 +8221,17 @@
                         </a:spcAft>
                         <a:buNone/>
                       </a:pPr>
-                      <a:r>
-                        <a:t/>
-                      </a:r>
                       <a:endParaRPr/>
                     </a:p>
                   </a:txBody>
-                  <a:tcPr marT="91425" marB="91425" marR="91425" marL="91425"/>
+                  <a:tcPr marL="91425" marR="91425" marT="91425" marB="91425"/>
                 </a:tc>
                 <a:tc>
                   <a:txBody>
-                    <a:bodyPr>
-                      <a:noAutofit/>
-                    </a:bodyPr>
+                    <a:bodyPr/>
                     <a:lstStyle/>
                     <a:p>
-                      <a:pPr indent="0" lvl="0" marL="0">
+                      <a:pPr marL="0" lvl="0" indent="0">
                         <a:spcBef>
                           <a:spcPts val="0"/>
                         </a:spcBef>
@@ -8032,16 +8247,14 @@
                       <a:endParaRPr/>
                     </a:p>
                   </a:txBody>
-                  <a:tcPr marT="91425" marB="91425" marR="91425" marL="91425"/>
+                  <a:tcPr marL="91425" marR="91425" marT="91425" marB="91425"/>
                 </a:tc>
                 <a:tc>
                   <a:txBody>
-                    <a:bodyPr>
-                      <a:noAutofit/>
-                    </a:bodyPr>
+                    <a:bodyPr/>
                     <a:lstStyle/>
                     <a:p>
-                      <a:pPr indent="0" lvl="0" marL="0">
+                      <a:pPr marL="0" lvl="0" indent="0">
                         <a:spcBef>
                           <a:spcPts val="0"/>
                         </a:spcBef>
@@ -8057,18 +8270,21 @@
                       <a:endParaRPr/>
                     </a:p>
                   </a:txBody>
-                  <a:tcPr marT="91425" marB="91425" marR="91425" marL="91425"/>
+                  <a:tcPr marL="91425" marR="91425" marT="91425" marB="91425"/>
                 </a:tc>
+                <a:extLst>
+                  <a:ext uri="{0D108BD9-81ED-4DB2-BD59-A6C34878D82A}">
+                    <a16:rowId xmlns:a16="http://schemas.microsoft.com/office/drawing/2014/main" val="10005"/>
+                  </a:ext>
+                </a:extLst>
               </a:tr>
               <a:tr h="345950">
                 <a:tc>
                   <a:txBody>
-                    <a:bodyPr>
-                      <a:noAutofit/>
-                    </a:bodyPr>
+                    <a:bodyPr/>
                     <a:lstStyle/>
                     <a:p>
-                      <a:pPr indent="0" lvl="0" marL="0">
+                      <a:pPr marL="0" lvl="0" indent="0">
                         <a:spcBef>
                           <a:spcPts val="0"/>
                         </a:spcBef>
@@ -8077,22 +8293,17 @@
                         </a:spcAft>
                         <a:buNone/>
                       </a:pPr>
-                      <a:r>
-                        <a:t/>
-                      </a:r>
                       <a:endParaRPr b="1"/>
                     </a:p>
                   </a:txBody>
-                  <a:tcPr marT="91425" marB="91425" marR="91425" marL="91425"/>
+                  <a:tcPr marL="91425" marR="91425" marT="91425" marB="91425"/>
                 </a:tc>
                 <a:tc>
                   <a:txBody>
-                    <a:bodyPr>
-                      <a:noAutofit/>
-                    </a:bodyPr>
+                    <a:bodyPr/>
                     <a:lstStyle/>
                     <a:p>
-                      <a:pPr indent="0" lvl="0" marL="0">
+                      <a:pPr marL="0" lvl="0" indent="0">
                         <a:spcBef>
                           <a:spcPts val="0"/>
                         </a:spcBef>
@@ -8108,16 +8319,14 @@
                       <a:endParaRPr/>
                     </a:p>
                   </a:txBody>
-                  <a:tcPr marT="91425" marB="91425" marR="91425" marL="91425"/>
+                  <a:tcPr marL="91425" marR="91425" marT="91425" marB="91425"/>
                 </a:tc>
                 <a:tc>
                   <a:txBody>
-                    <a:bodyPr>
-                      <a:noAutofit/>
-                    </a:bodyPr>
+                    <a:bodyPr/>
                     <a:lstStyle/>
                     <a:p>
-                      <a:pPr indent="0" lvl="0" marL="0">
+                      <a:pPr marL="0" lvl="0" indent="0">
                         <a:spcBef>
                           <a:spcPts val="0"/>
                         </a:spcBef>
@@ -8127,14 +8336,19 @@
                         <a:buNone/>
                       </a:pPr>
                       <a:r>
-                        <a:rPr lang="en"/>
+                        <a:rPr lang="en" dirty="0"/>
                         <a:t>Week 9</a:t>
                       </a:r>
-                      <a:endParaRPr/>
+                      <a:endParaRPr dirty="0"/>
                     </a:p>
                   </a:txBody>
-                  <a:tcPr marT="91425" marB="91425" marR="91425" marL="91425"/>
+                  <a:tcPr marL="91425" marR="91425" marT="91425" marB="91425"/>
                 </a:tc>
+                <a:extLst>
+                  <a:ext uri="{0D108BD9-81ED-4DB2-BD59-A6C34878D82A}">
+                    <a16:rowId xmlns:a16="http://schemas.microsoft.com/office/drawing/2014/main" val="10006"/>
+                  </a:ext>
+                </a:extLst>
               </a:tr>
             </a:tbl>
           </a:graphicData>
@@ -8149,11 +8363,11 @@
 </file>
 
 <file path=ppt/slides/slide2.xml><?xml version="1.0" encoding="utf-8"?>
-<p:sld xmlns:a="http://schemas.openxmlformats.org/drawingml/2006/main" xmlns:r="http://schemas.openxmlformats.org/officeDocument/2006/relationships" xmlns:mc="http://schemas.openxmlformats.org/markup-compatibility/2006" xmlns:mv="urn:schemas-microsoft-com:mac:vml" xmlns:p="http://schemas.openxmlformats.org/presentationml/2006/main" xmlns:c="http://schemas.openxmlformats.org/drawingml/2006/chart" xmlns:dgm="http://schemas.openxmlformats.org/drawingml/2006/diagram" xmlns:o="urn:schemas-microsoft-com:office:office" xmlns:v="urn:schemas-microsoft-com:vml" xmlns:pvml="urn:schemas-microsoft-com:office:powerpoint" xmlns:com="http://schemas.openxmlformats.org/drawingml/2006/compatibility" xmlns:p14="http://schemas.microsoft.com/office/powerpoint/2010/main" xmlns:p15="http://schemas.microsoft.com/office/powerpoint/2012/main">
+<p:sld xmlns:a="http://schemas.openxmlformats.org/drawingml/2006/main" xmlns:r="http://schemas.openxmlformats.org/officeDocument/2006/relationships" xmlns:p="http://schemas.openxmlformats.org/presentationml/2006/main">
   <p:cSld>
     <p:spTree>
       <p:nvGrpSpPr>
-        <p:cNvPr id="67" name="Shape 67"/>
+        <p:cNvPr id="1" name="Shape 67"/>
         <p:cNvGrpSpPr/>
         <p:nvPr/>
       </p:nvGrpSpPr>
@@ -8168,7 +8382,9 @@
       <p:sp>
         <p:nvSpPr>
           <p:cNvPr id="68" name="Shape 68"/>
-          <p:cNvSpPr txBox="1"/>
+          <p:cNvSpPr txBox="1">
+            <a:spLocks noGrp="1"/>
+          </p:cNvSpPr>
           <p:nvPr>
             <p:ph type="title"/>
           </p:nvPr>
@@ -8183,12 +8399,12 @@
           </a:prstGeom>
         </p:spPr>
         <p:txBody>
-          <a:bodyPr anchorCtr="0" anchor="b" bIns="91425" lIns="91425" spcFirstLastPara="1" rIns="91425" wrap="square" tIns="91425">
+          <a:bodyPr spcFirstLastPara="1" wrap="square" lIns="91425" tIns="91425" rIns="91425" bIns="91425" anchor="b" anchorCtr="0">
             <a:noAutofit/>
           </a:bodyPr>
           <a:lstStyle/>
           <a:p>
-            <a:pPr indent="0" lvl="0" marL="0">
+            <a:pPr marL="0" lvl="0" indent="0">
               <a:spcBef>
                 <a:spcPts val="0"/>
               </a:spcBef>
@@ -8198,19 +8414,27 @@
               <a:buNone/>
             </a:pPr>
             <a:r>
-              <a:rPr lang="en"/>
+              <a:rPr lang="en" dirty="0">
+                <a:latin typeface="Microsoft YaHei" panose="020B0503020204020204" pitchFamily="34" charset="-122"/>
+                <a:ea typeface="Microsoft YaHei" panose="020B0503020204020204" pitchFamily="34" charset="-122"/>
+              </a:rPr>
               <a:t>System Request </a:t>
             </a:r>
-            <a:endParaRPr/>
+            <a:endParaRPr dirty="0">
+              <a:latin typeface="Microsoft YaHei" panose="020B0503020204020204" pitchFamily="34" charset="-122"/>
+              <a:ea typeface="Microsoft YaHei" panose="020B0503020204020204" pitchFamily="34" charset="-122"/>
+            </a:endParaRPr>
           </a:p>
         </p:txBody>
       </p:sp>
       <p:sp>
         <p:nvSpPr>
           <p:cNvPr id="69" name="Shape 69"/>
-          <p:cNvSpPr txBox="1"/>
+          <p:cNvSpPr txBox="1">
+            <a:spLocks noGrp="1"/>
+          </p:cNvSpPr>
           <p:nvPr>
-            <p:ph idx="1" type="body"/>
+            <p:ph type="body" idx="1"/>
           </p:nvPr>
         </p:nvSpPr>
         <p:spPr>
@@ -8223,12 +8447,12 @@
           </a:prstGeom>
         </p:spPr>
         <p:txBody>
-          <a:bodyPr anchorCtr="0" anchor="t" bIns="91425" lIns="91425" spcFirstLastPara="1" rIns="91425" wrap="square" tIns="91425">
+          <a:bodyPr spcFirstLastPara="1" wrap="square" lIns="91425" tIns="91425" rIns="91425" bIns="91425" anchor="t" anchorCtr="0">
             <a:noAutofit/>
           </a:bodyPr>
           <a:lstStyle/>
           <a:p>
-            <a:pPr indent="0" lvl="0" marL="0">
+            <a:pPr marL="0" lvl="0" indent="0">
               <a:spcBef>
                 <a:spcPts val="0"/>
               </a:spcBef>
@@ -8238,13 +8462,13 @@
               <a:buNone/>
             </a:pPr>
             <a:r>
-              <a:rPr lang="en"/>
+              <a:rPr lang="en" dirty="0"/>
               <a:t>Project Sponsor: Chief Information Officer, Cloud and Infrastructure Department</a:t>
             </a:r>
-            <a:endParaRPr/>
+            <a:endParaRPr dirty="0"/>
           </a:p>
           <a:p>
-            <a:pPr indent="0" lvl="0" marL="0">
+            <a:pPr marL="0" lvl="0" indent="0">
               <a:spcBef>
                 <a:spcPts val="1600"/>
               </a:spcBef>
@@ -8254,10 +8478,10 @@
               <a:buNone/>
             </a:pPr>
             <a:r>
-              <a:rPr lang="en"/>
+              <a:rPr lang="en" dirty="0"/>
               <a:t>Business Need: Move locally saved documents and processes to the cloud via Sharepoint, eliminating the problem of overwriting files, adding a check in and check out feature, and provide disaster recovery tools and methods </a:t>
             </a:r>
-            <a:endParaRPr/>
+            <a:endParaRPr dirty="0"/>
           </a:p>
         </p:txBody>
       </p:sp>
@@ -8270,11 +8494,11 @@
 </file>
 
 <file path=ppt/slides/slide3.xml><?xml version="1.0" encoding="utf-8"?>
-<p:sld xmlns:a="http://schemas.openxmlformats.org/drawingml/2006/main" xmlns:r="http://schemas.openxmlformats.org/officeDocument/2006/relationships" xmlns:mc="http://schemas.openxmlformats.org/markup-compatibility/2006" xmlns:mv="urn:schemas-microsoft-com:mac:vml" xmlns:p="http://schemas.openxmlformats.org/presentationml/2006/main" xmlns:c="http://schemas.openxmlformats.org/drawingml/2006/chart" xmlns:dgm="http://schemas.openxmlformats.org/drawingml/2006/diagram" xmlns:o="urn:schemas-microsoft-com:office:office" xmlns:v="urn:schemas-microsoft-com:vml" xmlns:pvml="urn:schemas-microsoft-com:office:powerpoint" xmlns:com="http://schemas.openxmlformats.org/drawingml/2006/compatibility" xmlns:p14="http://schemas.microsoft.com/office/powerpoint/2010/main" xmlns:p15="http://schemas.microsoft.com/office/powerpoint/2012/main">
+<p:sld xmlns:a="http://schemas.openxmlformats.org/drawingml/2006/main" xmlns:r="http://schemas.openxmlformats.org/officeDocument/2006/relationships" xmlns:p="http://schemas.openxmlformats.org/presentationml/2006/main">
   <p:cSld>
     <p:spTree>
       <p:nvGrpSpPr>
-        <p:cNvPr id="73" name="Shape 73"/>
+        <p:cNvPr id="1" name="Shape 73"/>
         <p:cNvGrpSpPr/>
         <p:nvPr/>
       </p:nvGrpSpPr>
@@ -8289,7 +8513,9 @@
       <p:sp>
         <p:nvSpPr>
           <p:cNvPr id="74" name="Shape 74"/>
-          <p:cNvSpPr txBox="1"/>
+          <p:cNvSpPr txBox="1">
+            <a:spLocks noGrp="1"/>
+          </p:cNvSpPr>
           <p:nvPr>
             <p:ph type="title"/>
           </p:nvPr>
@@ -8304,12 +8530,12 @@
           </a:prstGeom>
         </p:spPr>
         <p:txBody>
-          <a:bodyPr anchorCtr="0" anchor="b" bIns="91425" lIns="91425" spcFirstLastPara="1" rIns="91425" wrap="square" tIns="91425">
+          <a:bodyPr spcFirstLastPara="1" wrap="square" lIns="91425" tIns="91425" rIns="91425" bIns="91425" anchor="b" anchorCtr="0">
             <a:noAutofit/>
           </a:bodyPr>
           <a:lstStyle/>
           <a:p>
-            <a:pPr indent="0" lvl="0" marL="0">
+            <a:pPr marL="0" lvl="0" indent="0">
               <a:spcBef>
                 <a:spcPts val="0"/>
               </a:spcBef>
@@ -8319,19 +8545,27 @@
               <a:buNone/>
             </a:pPr>
             <a:r>
-              <a:rPr lang="en"/>
+              <a:rPr lang="en" dirty="0">
+                <a:latin typeface="Microsoft YaHei" panose="020B0503020204020204" pitchFamily="34" charset="-122"/>
+                <a:ea typeface="Microsoft YaHei" panose="020B0503020204020204" pitchFamily="34" charset="-122"/>
+              </a:rPr>
               <a:t>System Request-  Cont.</a:t>
             </a:r>
-            <a:endParaRPr/>
+            <a:endParaRPr dirty="0">
+              <a:latin typeface="Microsoft YaHei" panose="020B0503020204020204" pitchFamily="34" charset="-122"/>
+              <a:ea typeface="Microsoft YaHei" panose="020B0503020204020204" pitchFamily="34" charset="-122"/>
+            </a:endParaRPr>
           </a:p>
         </p:txBody>
       </p:sp>
       <p:sp>
         <p:nvSpPr>
           <p:cNvPr id="75" name="Shape 75"/>
-          <p:cNvSpPr txBox="1"/>
+          <p:cNvSpPr txBox="1">
+            <a:spLocks noGrp="1"/>
+          </p:cNvSpPr>
           <p:nvPr>
-            <p:ph idx="1" type="body"/>
+            <p:ph type="body" idx="1"/>
           </p:nvPr>
         </p:nvSpPr>
         <p:spPr>
@@ -8344,12 +8578,12 @@
           </a:prstGeom>
         </p:spPr>
         <p:txBody>
-          <a:bodyPr anchorCtr="0" anchor="t" bIns="91425" lIns="91425" spcFirstLastPara="1" rIns="91425" wrap="square" tIns="91425">
+          <a:bodyPr spcFirstLastPara="1" wrap="square" lIns="91425" tIns="91425" rIns="91425" bIns="91425" anchor="t" anchorCtr="0">
             <a:noAutofit/>
           </a:bodyPr>
           <a:lstStyle/>
           <a:p>
-            <a:pPr indent="0" lvl="0" marL="0">
+            <a:pPr marL="0" lvl="0" indent="0">
               <a:spcBef>
                 <a:spcPts val="0"/>
               </a:spcBef>
@@ -8365,7 +8599,7 @@
             <a:endParaRPr/>
           </a:p>
           <a:p>
-            <a:pPr indent="0" lvl="0" marL="0">
+            <a:pPr marL="0" lvl="0" indent="0">
               <a:spcBef>
                 <a:spcPts val="1600"/>
               </a:spcBef>
@@ -8376,11 +8610,7 @@
             </a:pPr>
             <a:r>
               <a:rPr lang="en"/>
-              <a:t>Business Value: Decrease time in reverting data loss, increase productivity and workflow, and reduction in on-premise server </a:t>
-            </a:r>
-            <a:r>
-              <a:rPr lang="en"/>
-              <a:t>maintenance in both man hours and electricity</a:t>
+              <a:t>Business Value: Decrease time in reverting data loss, increase productivity and workflow, and reduction in on-premise server maintenance in both man hours and electricity</a:t>
             </a:r>
             <a:endParaRPr/>
           </a:p>
@@ -8395,11 +8625,11 @@
 </file>
 
 <file path=ppt/slides/slide4.xml><?xml version="1.0" encoding="utf-8"?>
-<p:sld xmlns:a="http://schemas.openxmlformats.org/drawingml/2006/main" xmlns:r="http://schemas.openxmlformats.org/officeDocument/2006/relationships" xmlns:mc="http://schemas.openxmlformats.org/markup-compatibility/2006" xmlns:mv="urn:schemas-microsoft-com:mac:vml" xmlns:p="http://schemas.openxmlformats.org/presentationml/2006/main" xmlns:c="http://schemas.openxmlformats.org/drawingml/2006/chart" xmlns:dgm="http://schemas.openxmlformats.org/drawingml/2006/diagram" xmlns:o="urn:schemas-microsoft-com:office:office" xmlns:v="urn:schemas-microsoft-com:vml" xmlns:pvml="urn:schemas-microsoft-com:office:powerpoint" xmlns:com="http://schemas.openxmlformats.org/drawingml/2006/compatibility" xmlns:p14="http://schemas.microsoft.com/office/powerpoint/2010/main" xmlns:p15="http://schemas.microsoft.com/office/powerpoint/2012/main">
+<p:sld xmlns:a="http://schemas.openxmlformats.org/drawingml/2006/main" xmlns:r="http://schemas.openxmlformats.org/officeDocument/2006/relationships" xmlns:p="http://schemas.openxmlformats.org/presentationml/2006/main">
   <p:cSld>
     <p:spTree>
       <p:nvGrpSpPr>
-        <p:cNvPr id="79" name="Shape 79"/>
+        <p:cNvPr id="1" name="Shape 79"/>
         <p:cNvGrpSpPr/>
         <p:nvPr/>
       </p:nvGrpSpPr>
@@ -8414,7 +8644,9 @@
       <p:sp>
         <p:nvSpPr>
           <p:cNvPr id="80" name="Shape 80"/>
-          <p:cNvSpPr txBox="1"/>
+          <p:cNvSpPr txBox="1">
+            <a:spLocks noGrp="1"/>
+          </p:cNvSpPr>
           <p:nvPr>
             <p:ph type="title"/>
           </p:nvPr>
@@ -8429,12 +8661,12 @@
           </a:prstGeom>
         </p:spPr>
         <p:txBody>
-          <a:bodyPr anchorCtr="0" anchor="b" bIns="91425" lIns="91425" spcFirstLastPara="1" rIns="91425" wrap="square" tIns="91425">
+          <a:bodyPr spcFirstLastPara="1" wrap="square" lIns="91425" tIns="91425" rIns="91425" bIns="91425" anchor="b" anchorCtr="0">
             <a:noAutofit/>
           </a:bodyPr>
           <a:lstStyle/>
           <a:p>
-            <a:pPr indent="0" lvl="0" marL="0">
+            <a:pPr marL="0" lvl="0" indent="0">
               <a:spcBef>
                 <a:spcPts val="0"/>
               </a:spcBef>
@@ -8444,19 +8676,27 @@
               <a:buNone/>
             </a:pPr>
             <a:r>
-              <a:rPr lang="en"/>
+              <a:rPr lang="en" dirty="0">
+                <a:latin typeface="Microsoft YaHei" panose="020B0503020204020204" pitchFamily="34" charset="-122"/>
+                <a:ea typeface="Microsoft YaHei" panose="020B0503020204020204" pitchFamily="34" charset="-122"/>
+              </a:rPr>
               <a:t>System Request - Cont.</a:t>
             </a:r>
-            <a:endParaRPr/>
+            <a:endParaRPr dirty="0">
+              <a:latin typeface="Microsoft YaHei" panose="020B0503020204020204" pitchFamily="34" charset="-122"/>
+              <a:ea typeface="Microsoft YaHei" panose="020B0503020204020204" pitchFamily="34" charset="-122"/>
+            </a:endParaRPr>
           </a:p>
         </p:txBody>
       </p:sp>
       <p:sp>
         <p:nvSpPr>
           <p:cNvPr id="81" name="Shape 81"/>
-          <p:cNvSpPr txBox="1"/>
+          <p:cNvSpPr txBox="1">
+            <a:spLocks noGrp="1"/>
+          </p:cNvSpPr>
           <p:nvPr>
-            <p:ph idx="1" type="body"/>
+            <p:ph type="body" idx="1"/>
           </p:nvPr>
         </p:nvSpPr>
         <p:spPr>
@@ -8469,12 +8709,12 @@
           </a:prstGeom>
         </p:spPr>
         <p:txBody>
-          <a:bodyPr anchorCtr="0" anchor="t" bIns="91425" lIns="91425" spcFirstLastPara="1" rIns="91425" wrap="square" tIns="91425">
+          <a:bodyPr spcFirstLastPara="1" wrap="square" lIns="91425" tIns="91425" rIns="91425" bIns="91425" anchor="t" anchorCtr="0">
             <a:noAutofit/>
           </a:bodyPr>
           <a:lstStyle/>
           <a:p>
-            <a:pPr indent="0" lvl="0" marL="0">
+            <a:pPr marL="0" lvl="0" indent="0">
               <a:spcBef>
                 <a:spcPts val="0"/>
               </a:spcBef>
@@ -8500,11 +8740,11 @@
 </file>
 
 <file path=ppt/slides/slide5.xml><?xml version="1.0" encoding="utf-8"?>
-<p:sld xmlns:a="http://schemas.openxmlformats.org/drawingml/2006/main" xmlns:r="http://schemas.openxmlformats.org/officeDocument/2006/relationships" xmlns:mc="http://schemas.openxmlformats.org/markup-compatibility/2006" xmlns:mv="urn:schemas-microsoft-com:mac:vml" xmlns:p="http://schemas.openxmlformats.org/presentationml/2006/main" xmlns:c="http://schemas.openxmlformats.org/drawingml/2006/chart" xmlns:dgm="http://schemas.openxmlformats.org/drawingml/2006/diagram" xmlns:o="urn:schemas-microsoft-com:office:office" xmlns:v="urn:schemas-microsoft-com:vml" xmlns:pvml="urn:schemas-microsoft-com:office:powerpoint" xmlns:com="http://schemas.openxmlformats.org/drawingml/2006/compatibility" xmlns:p14="http://schemas.microsoft.com/office/powerpoint/2010/main" xmlns:p15="http://schemas.microsoft.com/office/powerpoint/2012/main">
+<p:sld xmlns:a="http://schemas.openxmlformats.org/drawingml/2006/main" xmlns:r="http://schemas.openxmlformats.org/officeDocument/2006/relationships" xmlns:p="http://schemas.openxmlformats.org/presentationml/2006/main">
   <p:cSld>
     <p:spTree>
       <p:nvGrpSpPr>
-        <p:cNvPr id="85" name="Shape 85"/>
+        <p:cNvPr id="1" name="Shape 85"/>
         <p:cNvGrpSpPr/>
         <p:nvPr/>
       </p:nvGrpSpPr>
@@ -8519,7 +8759,9 @@
       <p:sp>
         <p:nvSpPr>
           <p:cNvPr id="86" name="Shape 86"/>
-          <p:cNvSpPr txBox="1"/>
+          <p:cNvSpPr txBox="1">
+            <a:spLocks noGrp="1"/>
+          </p:cNvSpPr>
           <p:nvPr>
             <p:ph type="title"/>
           </p:nvPr>
@@ -8534,12 +8776,12 @@
           </a:prstGeom>
         </p:spPr>
         <p:txBody>
-          <a:bodyPr anchorCtr="0" anchor="b" bIns="91425" lIns="91425" spcFirstLastPara="1" rIns="91425" wrap="square" tIns="91425">
+          <a:bodyPr spcFirstLastPara="1" wrap="square" lIns="91425" tIns="91425" rIns="91425" bIns="91425" anchor="b" anchorCtr="0">
             <a:noAutofit/>
           </a:bodyPr>
           <a:lstStyle/>
           <a:p>
-            <a:pPr indent="0" lvl="0" marL="0">
+            <a:pPr marL="0" lvl="0" indent="0">
               <a:spcBef>
                 <a:spcPts val="0"/>
               </a:spcBef>
@@ -8549,23 +8791,27 @@
               <a:buNone/>
             </a:pPr>
             <a:r>
-              <a:rPr lang="en"/>
-              <a:t>Feasibility</a:t>
+              <a:rPr lang="en" dirty="0">
+                <a:latin typeface="Microsoft YaHei" panose="020B0503020204020204" pitchFamily="34" charset="-122"/>
+                <a:ea typeface="Microsoft YaHei" panose="020B0503020204020204" pitchFamily="34" charset="-122"/>
+              </a:rPr>
+              <a:t>Feasibility Analysis - Technical</a:t>
             </a:r>
-            <a:r>
-              <a:rPr lang="en"/>
-              <a:t> Analysis - Technical</a:t>
-            </a:r>
-            <a:endParaRPr/>
+            <a:endParaRPr dirty="0">
+              <a:latin typeface="Microsoft YaHei" panose="020B0503020204020204" pitchFamily="34" charset="-122"/>
+              <a:ea typeface="Microsoft YaHei" panose="020B0503020204020204" pitchFamily="34" charset="-122"/>
+            </a:endParaRPr>
           </a:p>
         </p:txBody>
       </p:sp>
       <p:sp>
         <p:nvSpPr>
           <p:cNvPr id="87" name="Shape 87"/>
-          <p:cNvSpPr txBox="1"/>
+          <p:cNvSpPr txBox="1">
+            <a:spLocks noGrp="1"/>
+          </p:cNvSpPr>
           <p:nvPr>
-            <p:ph idx="1" type="body"/>
+            <p:ph type="body" idx="1"/>
           </p:nvPr>
         </p:nvSpPr>
         <p:spPr>
@@ -8578,12 +8824,12 @@
           </a:prstGeom>
         </p:spPr>
         <p:txBody>
-          <a:bodyPr anchorCtr="0" anchor="t" bIns="91425" lIns="91425" spcFirstLastPara="1" rIns="91425" wrap="square" tIns="91425">
+          <a:bodyPr spcFirstLastPara="1" wrap="square" lIns="91425" tIns="91425" rIns="91425" bIns="91425" anchor="t" anchorCtr="0">
             <a:noAutofit/>
           </a:bodyPr>
           <a:lstStyle/>
           <a:p>
-            <a:pPr indent="0" lvl="0" marL="0">
+            <a:pPr marL="0" lvl="0" indent="0">
               <a:spcBef>
                 <a:spcPts val="0"/>
               </a:spcBef>
@@ -8599,7 +8845,7 @@
             <a:endParaRPr/>
           </a:p>
           <a:p>
-            <a:pPr indent="0" lvl="0" marL="0">
+            <a:pPr marL="0" lvl="0" indent="0">
               <a:spcBef>
                 <a:spcPts val="1600"/>
               </a:spcBef>
@@ -8615,7 +8861,7 @@
             <a:endParaRPr/>
           </a:p>
           <a:p>
-            <a:pPr indent="0" lvl="0" marL="0">
+            <a:pPr marL="0" lvl="0" indent="0">
               <a:spcBef>
                 <a:spcPts val="1600"/>
               </a:spcBef>
@@ -8641,11 +8887,11 @@
 </file>
 
 <file path=ppt/slides/slide6.xml><?xml version="1.0" encoding="utf-8"?>
-<p:sld xmlns:a="http://schemas.openxmlformats.org/drawingml/2006/main" xmlns:r="http://schemas.openxmlformats.org/officeDocument/2006/relationships" xmlns:mc="http://schemas.openxmlformats.org/markup-compatibility/2006" xmlns:mv="urn:schemas-microsoft-com:mac:vml" xmlns:p="http://schemas.openxmlformats.org/presentationml/2006/main" xmlns:c="http://schemas.openxmlformats.org/drawingml/2006/chart" xmlns:dgm="http://schemas.openxmlformats.org/drawingml/2006/diagram" xmlns:o="urn:schemas-microsoft-com:office:office" xmlns:v="urn:schemas-microsoft-com:vml" xmlns:pvml="urn:schemas-microsoft-com:office:powerpoint" xmlns:com="http://schemas.openxmlformats.org/drawingml/2006/compatibility" xmlns:p14="http://schemas.microsoft.com/office/powerpoint/2010/main" xmlns:p15="http://schemas.microsoft.com/office/powerpoint/2012/main">
+<p:sld xmlns:a="http://schemas.openxmlformats.org/drawingml/2006/main" xmlns:r="http://schemas.openxmlformats.org/officeDocument/2006/relationships" xmlns:p="http://schemas.openxmlformats.org/presentationml/2006/main">
   <p:cSld>
     <p:spTree>
       <p:nvGrpSpPr>
-        <p:cNvPr id="91" name="Shape 91"/>
+        <p:cNvPr id="1" name="Shape 91"/>
         <p:cNvGrpSpPr/>
         <p:nvPr/>
       </p:nvGrpSpPr>
@@ -8660,7 +8906,9 @@
       <p:sp>
         <p:nvSpPr>
           <p:cNvPr id="92" name="Shape 92"/>
-          <p:cNvSpPr txBox="1"/>
+          <p:cNvSpPr txBox="1">
+            <a:spLocks noGrp="1"/>
+          </p:cNvSpPr>
           <p:nvPr>
             <p:ph type="title"/>
           </p:nvPr>
@@ -8675,12 +8923,12 @@
           </a:prstGeom>
         </p:spPr>
         <p:txBody>
-          <a:bodyPr anchorCtr="0" anchor="b" bIns="91425" lIns="91425" spcFirstLastPara="1" rIns="91425" wrap="square" tIns="91425">
+          <a:bodyPr spcFirstLastPara="1" wrap="square" lIns="91425" tIns="91425" rIns="91425" bIns="91425" anchor="b" anchorCtr="0">
             <a:noAutofit/>
           </a:bodyPr>
           <a:lstStyle/>
           <a:p>
-            <a:pPr indent="0" lvl="0" marL="0">
+            <a:pPr marL="0" lvl="0" indent="0">
               <a:spcBef>
                 <a:spcPts val="0"/>
               </a:spcBef>
@@ -8690,19 +8938,27 @@
               <a:buNone/>
             </a:pPr>
             <a:r>
-              <a:rPr lang="en"/>
+              <a:rPr lang="en" dirty="0">
+                <a:latin typeface="Microsoft YaHei" panose="020B0503020204020204" pitchFamily="34" charset="-122"/>
+                <a:ea typeface="Microsoft YaHei" panose="020B0503020204020204" pitchFamily="34" charset="-122"/>
+              </a:rPr>
               <a:t>Feasibility Analysis - Economic</a:t>
             </a:r>
-            <a:endParaRPr/>
+            <a:endParaRPr dirty="0">
+              <a:latin typeface="Microsoft YaHei" panose="020B0503020204020204" pitchFamily="34" charset="-122"/>
+              <a:ea typeface="Microsoft YaHei" panose="020B0503020204020204" pitchFamily="34" charset="-122"/>
+            </a:endParaRPr>
           </a:p>
         </p:txBody>
       </p:sp>
       <p:sp>
         <p:nvSpPr>
           <p:cNvPr id="93" name="Shape 93"/>
-          <p:cNvSpPr txBox="1"/>
+          <p:cNvSpPr txBox="1">
+            <a:spLocks noGrp="1"/>
+          </p:cNvSpPr>
           <p:nvPr>
-            <p:ph idx="1" type="body"/>
+            <p:ph type="body" idx="1"/>
           </p:nvPr>
         </p:nvSpPr>
         <p:spPr>
@@ -8715,12 +8971,12 @@
           </a:prstGeom>
         </p:spPr>
         <p:txBody>
-          <a:bodyPr anchorCtr="0" anchor="t" bIns="91425" lIns="91425" spcFirstLastPara="1" rIns="91425" wrap="square" tIns="91425">
+          <a:bodyPr spcFirstLastPara="1" wrap="square" lIns="91425" tIns="91425" rIns="91425" bIns="91425" anchor="t" anchorCtr="0">
             <a:noAutofit/>
           </a:bodyPr>
           <a:lstStyle/>
           <a:p>
-            <a:pPr indent="0" lvl="0" marL="0">
+            <a:pPr marL="0" lvl="0" indent="0">
               <a:spcBef>
                 <a:spcPts val="0"/>
               </a:spcBef>
@@ -8736,7 +8992,7 @@
             <a:endParaRPr sz="1600"/>
           </a:p>
           <a:p>
-            <a:pPr indent="0" lvl="0" marL="0">
+            <a:pPr marL="0" lvl="0" indent="0">
               <a:spcBef>
                 <a:spcPts val="1600"/>
               </a:spcBef>
@@ -8752,7 +9008,7 @@
             <a:endParaRPr sz="1600"/>
           </a:p>
           <a:p>
-            <a:pPr indent="0" lvl="0" marL="0">
+            <a:pPr marL="0" lvl="0" indent="0">
               <a:spcBef>
                 <a:spcPts val="1600"/>
               </a:spcBef>
@@ -8763,15 +9019,7 @@
             </a:pPr>
             <a:r>
               <a:rPr lang="en" sz="1600"/>
-              <a:t>Viability: The project will cost money and not create revenue but will streamline the process of sharing, editing and working with files such as Excel spreadsheets and Word documents. The break-even point does not occur because at our current rate, we will be saving money year after year with the reduced cost of </a:t>
-            </a:r>
-            <a:r>
-              <a:rPr lang="en" sz="1600"/>
-              <a:t>maintenance</a:t>
-            </a:r>
-            <a:r>
-              <a:rPr lang="en" sz="1600"/>
-              <a:t> </a:t>
+              <a:t>Viability: The project will cost money and not create revenue but will streamline the process of sharing, editing and working with files such as Excel spreadsheets and Word documents. The break-even point does not occur because at our current rate, we will be saving money year after year with the reduced cost of maintenance </a:t>
             </a:r>
             <a:endParaRPr sz="1600"/>
           </a:p>
@@ -8786,11 +9034,11 @@
 </file>
 
 <file path=ppt/slides/slide7.xml><?xml version="1.0" encoding="utf-8"?>
-<p:sld xmlns:a="http://schemas.openxmlformats.org/drawingml/2006/main" xmlns:r="http://schemas.openxmlformats.org/officeDocument/2006/relationships" xmlns:mc="http://schemas.openxmlformats.org/markup-compatibility/2006" xmlns:mv="urn:schemas-microsoft-com:mac:vml" xmlns:p="http://schemas.openxmlformats.org/presentationml/2006/main" xmlns:c="http://schemas.openxmlformats.org/drawingml/2006/chart" xmlns:dgm="http://schemas.openxmlformats.org/drawingml/2006/diagram" xmlns:o="urn:schemas-microsoft-com:office:office" xmlns:v="urn:schemas-microsoft-com:vml" xmlns:pvml="urn:schemas-microsoft-com:office:powerpoint" xmlns:com="http://schemas.openxmlformats.org/drawingml/2006/compatibility" xmlns:p14="http://schemas.microsoft.com/office/powerpoint/2010/main" xmlns:p15="http://schemas.microsoft.com/office/powerpoint/2012/main">
+<p:sld xmlns:a="http://schemas.openxmlformats.org/drawingml/2006/main" xmlns:r="http://schemas.openxmlformats.org/officeDocument/2006/relationships" xmlns:p="http://schemas.openxmlformats.org/presentationml/2006/main">
   <p:cSld>
     <p:spTree>
       <p:nvGrpSpPr>
-        <p:cNvPr id="97" name="Shape 97"/>
+        <p:cNvPr id="1" name="Shape 97"/>
         <p:cNvGrpSpPr/>
         <p:nvPr/>
       </p:nvGrpSpPr>
@@ -8805,7 +9053,9 @@
       <p:sp>
         <p:nvSpPr>
           <p:cNvPr id="98" name="Shape 98"/>
-          <p:cNvSpPr txBox="1"/>
+          <p:cNvSpPr txBox="1">
+            <a:spLocks noGrp="1"/>
+          </p:cNvSpPr>
           <p:nvPr>
             <p:ph type="title"/>
           </p:nvPr>
@@ -8820,12 +9070,12 @@
           </a:prstGeom>
         </p:spPr>
         <p:txBody>
-          <a:bodyPr anchorCtr="0" anchor="b" bIns="91425" lIns="91425" spcFirstLastPara="1" rIns="91425" wrap="square" tIns="91425">
+          <a:bodyPr spcFirstLastPara="1" wrap="square" lIns="91425" tIns="91425" rIns="91425" bIns="91425" anchor="b" anchorCtr="0">
             <a:noAutofit/>
           </a:bodyPr>
           <a:lstStyle/>
           <a:p>
-            <a:pPr indent="0" lvl="0" marL="0">
+            <a:pPr marL="0" lvl="0" indent="0">
               <a:spcBef>
                 <a:spcPts val="0"/>
               </a:spcBef>
@@ -8834,9 +9084,6 @@
               </a:spcAft>
               <a:buNone/>
             </a:pPr>
-            <a:r>
-              <a:t/>
-            </a:r>
             <a:endParaRPr/>
           </a:p>
         </p:txBody>
@@ -8844,9 +9091,11 @@
       <p:sp>
         <p:nvSpPr>
           <p:cNvPr id="99" name="Shape 99"/>
-          <p:cNvSpPr txBox="1"/>
+          <p:cNvSpPr txBox="1">
+            <a:spLocks noGrp="1"/>
+          </p:cNvSpPr>
           <p:nvPr>
-            <p:ph idx="1" type="body"/>
+            <p:ph type="body" idx="1"/>
           </p:nvPr>
         </p:nvSpPr>
         <p:spPr>
@@ -8859,12 +9108,12 @@
           </a:prstGeom>
         </p:spPr>
         <p:txBody>
-          <a:bodyPr anchorCtr="0" anchor="t" bIns="91425" lIns="91425" spcFirstLastPara="1" rIns="91425" wrap="square" tIns="91425">
+          <a:bodyPr spcFirstLastPara="1" wrap="square" lIns="91425" tIns="91425" rIns="91425" bIns="91425" anchor="t" anchorCtr="0">
             <a:noAutofit/>
           </a:bodyPr>
           <a:lstStyle/>
           <a:p>
-            <a:pPr indent="0" lvl="0" marL="0">
+            <a:pPr marL="0" lvl="0" indent="0">
               <a:spcBef>
                 <a:spcPts val="0"/>
               </a:spcBef>
@@ -8873,9 +9122,6 @@
               </a:spcAft>
               <a:buNone/>
             </a:pPr>
-            <a:r>
-              <a:t/>
-            </a:r>
             <a:endParaRPr/>
           </a:p>
         </p:txBody>
@@ -8917,11 +9163,11 @@
 </file>
 
 <file path=ppt/slides/slide8.xml><?xml version="1.0" encoding="utf-8"?>
-<p:sld xmlns:a="http://schemas.openxmlformats.org/drawingml/2006/main" xmlns:r="http://schemas.openxmlformats.org/officeDocument/2006/relationships" xmlns:mc="http://schemas.openxmlformats.org/markup-compatibility/2006" xmlns:mv="urn:schemas-microsoft-com:mac:vml" xmlns:p="http://schemas.openxmlformats.org/presentationml/2006/main" xmlns:c="http://schemas.openxmlformats.org/drawingml/2006/chart" xmlns:dgm="http://schemas.openxmlformats.org/drawingml/2006/diagram" xmlns:o="urn:schemas-microsoft-com:office:office" xmlns:v="urn:schemas-microsoft-com:vml" xmlns:pvml="urn:schemas-microsoft-com:office:powerpoint" xmlns:com="http://schemas.openxmlformats.org/drawingml/2006/compatibility" xmlns:p14="http://schemas.microsoft.com/office/powerpoint/2010/main" xmlns:p15="http://schemas.microsoft.com/office/powerpoint/2012/main">
+<p:sld xmlns:a="http://schemas.openxmlformats.org/drawingml/2006/main" xmlns:r="http://schemas.openxmlformats.org/officeDocument/2006/relationships" xmlns:p="http://schemas.openxmlformats.org/presentationml/2006/main">
   <p:cSld>
     <p:spTree>
       <p:nvGrpSpPr>
-        <p:cNvPr id="104" name="Shape 104"/>
+        <p:cNvPr id="1" name="Shape 104"/>
         <p:cNvGrpSpPr/>
         <p:nvPr/>
       </p:nvGrpSpPr>
@@ -8936,7 +9182,9 @@
       <p:sp>
         <p:nvSpPr>
           <p:cNvPr id="105" name="Shape 105"/>
-          <p:cNvSpPr txBox="1"/>
+          <p:cNvSpPr txBox="1">
+            <a:spLocks noGrp="1"/>
+          </p:cNvSpPr>
           <p:nvPr>
             <p:ph type="title"/>
           </p:nvPr>
@@ -8951,12 +9199,12 @@
           </a:prstGeom>
         </p:spPr>
         <p:txBody>
-          <a:bodyPr anchorCtr="0" anchor="b" bIns="91425" lIns="91425" spcFirstLastPara="1" rIns="91425" wrap="square" tIns="91425">
+          <a:bodyPr spcFirstLastPara="1" wrap="square" lIns="91425" tIns="91425" rIns="91425" bIns="91425" anchor="b" anchorCtr="0">
             <a:noAutofit/>
           </a:bodyPr>
           <a:lstStyle/>
           <a:p>
-            <a:pPr indent="0" lvl="0" marL="0">
+            <a:pPr marL="0" lvl="0" indent="0">
               <a:spcBef>
                 <a:spcPts val="0"/>
               </a:spcBef>
@@ -8966,19 +9214,27 @@
               <a:buNone/>
             </a:pPr>
             <a:r>
-              <a:rPr lang="en"/>
+              <a:rPr lang="en" dirty="0">
+                <a:latin typeface="Microsoft YaHei" panose="020B0503020204020204" pitchFamily="34" charset="-122"/>
+                <a:ea typeface="Microsoft YaHei" panose="020B0503020204020204" pitchFamily="34" charset="-122"/>
+              </a:rPr>
               <a:t>Feasibility Analysis - Organizational</a:t>
             </a:r>
-            <a:endParaRPr/>
+            <a:endParaRPr dirty="0">
+              <a:latin typeface="Microsoft YaHei" panose="020B0503020204020204" pitchFamily="34" charset="-122"/>
+              <a:ea typeface="Microsoft YaHei" panose="020B0503020204020204" pitchFamily="34" charset="-122"/>
+            </a:endParaRPr>
           </a:p>
         </p:txBody>
       </p:sp>
       <p:sp>
         <p:nvSpPr>
           <p:cNvPr id="106" name="Shape 106"/>
-          <p:cNvSpPr txBox="1"/>
+          <p:cNvSpPr txBox="1">
+            <a:spLocks noGrp="1"/>
+          </p:cNvSpPr>
           <p:nvPr>
-            <p:ph idx="1" type="body"/>
+            <p:ph type="body" idx="1"/>
           </p:nvPr>
         </p:nvSpPr>
         <p:spPr>
@@ -8991,12 +9247,12 @@
           </a:prstGeom>
         </p:spPr>
         <p:txBody>
-          <a:bodyPr anchorCtr="0" anchor="t" bIns="91425" lIns="91425" spcFirstLastPara="1" rIns="91425" wrap="square" tIns="91425">
+          <a:bodyPr spcFirstLastPara="1" wrap="square" lIns="91425" tIns="91425" rIns="91425" bIns="91425" anchor="t" anchorCtr="0">
             <a:noAutofit/>
           </a:bodyPr>
           <a:lstStyle/>
           <a:p>
-            <a:pPr indent="0" lvl="0" marL="0">
+            <a:pPr marL="0" lvl="0" indent="0">
               <a:spcBef>
                 <a:spcPts val="0"/>
               </a:spcBef>
@@ -9006,49 +9262,25 @@
               <a:buNone/>
             </a:pPr>
             <a:r>
-              <a:rPr lang="en"/>
+              <a:rPr lang="en" dirty="0"/>
               <a:t>Strategicall</a:t>
             </a:r>
             <a:r>
-              <a:rPr lang="en">
+              <a:rPr lang="en" dirty="0">
                 <a:solidFill>
                   <a:srgbClr val="000000"/>
                 </a:solidFill>
               </a:rPr>
-              <a:t>y</a:t>
+              <a:t>y, this is aligne</a:t>
             </a:r>
             <a:r>
-              <a:rPr lang="en">
-                <a:solidFill>
-                  <a:srgbClr val="000000"/>
-                </a:solidFill>
-              </a:rPr>
-              <a:t>, </a:t>
-            </a:r>
-            <a:r>
-              <a:rPr lang="en">
-                <a:solidFill>
-                  <a:srgbClr val="000000"/>
-                </a:solidFill>
-              </a:rPr>
-              <a:t>this is ali</a:t>
-            </a:r>
-            <a:r>
-              <a:rPr lang="en">
-                <a:solidFill>
-                  <a:srgbClr val="000000"/>
-                </a:solidFill>
-              </a:rPr>
-              <a:t>gne</a:t>
-            </a:r>
-            <a:r>
-              <a:rPr lang="en"/>
+              <a:rPr lang="en" dirty="0"/>
               <a:t>d with the company’s goal to retrofit the disaster recovery plan, increase employee productivity, and head towards cloud computing by means of PaaS.</a:t>
             </a:r>
-            <a:endParaRPr/>
+            <a:endParaRPr dirty="0"/>
           </a:p>
           <a:p>
-            <a:pPr indent="0" lvl="0" marL="0">
+            <a:pPr marL="0" lvl="0" indent="0">
               <a:spcBef>
                 <a:spcPts val="1600"/>
               </a:spcBef>
@@ -9058,10 +9290,10 @@
               <a:buNone/>
             </a:pPr>
             <a:r>
-              <a:rPr lang="en"/>
+              <a:rPr lang="en" dirty="0"/>
               <a:t>There is no reason for users to be against this as it is a minor change in their day to day workflow but will pay off dividends when they need to access documents or prevents them from losing data due to data overwrite. </a:t>
             </a:r>
-            <a:endParaRPr/>
+            <a:endParaRPr dirty="0"/>
           </a:p>
         </p:txBody>
       </p:sp>
@@ -9074,11 +9306,11 @@
 </file>
 
 <file path=ppt/slides/slide9.xml><?xml version="1.0" encoding="utf-8"?>
-<p:sld xmlns:a="http://schemas.openxmlformats.org/drawingml/2006/main" xmlns:r="http://schemas.openxmlformats.org/officeDocument/2006/relationships" xmlns:mc="http://schemas.openxmlformats.org/markup-compatibility/2006" xmlns:mv="urn:schemas-microsoft-com:mac:vml" xmlns:p="http://schemas.openxmlformats.org/presentationml/2006/main" xmlns:c="http://schemas.openxmlformats.org/drawingml/2006/chart" xmlns:dgm="http://schemas.openxmlformats.org/drawingml/2006/diagram" xmlns:o="urn:schemas-microsoft-com:office:office" xmlns:v="urn:schemas-microsoft-com:vml" xmlns:pvml="urn:schemas-microsoft-com:office:powerpoint" xmlns:com="http://schemas.openxmlformats.org/drawingml/2006/compatibility" xmlns:p14="http://schemas.microsoft.com/office/powerpoint/2010/main" xmlns:p15="http://schemas.microsoft.com/office/powerpoint/2012/main">
+<p:sld xmlns:a="http://schemas.openxmlformats.org/drawingml/2006/main" xmlns:r="http://schemas.openxmlformats.org/officeDocument/2006/relationships" xmlns:p="http://schemas.openxmlformats.org/presentationml/2006/main">
   <p:cSld>
     <p:spTree>
       <p:nvGrpSpPr>
-        <p:cNvPr id="110" name="Shape 110"/>
+        <p:cNvPr id="1" name="Shape 110"/>
         <p:cNvGrpSpPr/>
         <p:nvPr/>
       </p:nvGrpSpPr>
@@ -9093,7 +9325,9 @@
       <p:sp>
         <p:nvSpPr>
           <p:cNvPr id="111" name="Shape 111"/>
-          <p:cNvSpPr txBox="1"/>
+          <p:cNvSpPr txBox="1">
+            <a:spLocks noGrp="1"/>
+          </p:cNvSpPr>
           <p:nvPr>
             <p:ph type="title"/>
           </p:nvPr>
@@ -9108,12 +9342,12 @@
           </a:prstGeom>
         </p:spPr>
         <p:txBody>
-          <a:bodyPr anchorCtr="0" anchor="b" bIns="91425" lIns="91425" spcFirstLastPara="1" rIns="91425" wrap="square" tIns="91425">
+          <a:bodyPr spcFirstLastPara="1" wrap="square" lIns="91425" tIns="91425" rIns="91425" bIns="91425" anchor="b" anchorCtr="0">
             <a:noAutofit/>
           </a:bodyPr>
           <a:lstStyle/>
           <a:p>
-            <a:pPr indent="0" lvl="0" marL="0">
+            <a:pPr marL="0" lvl="0" indent="0">
               <a:spcBef>
                 <a:spcPts val="0"/>
               </a:spcBef>
@@ -9123,19 +9357,27 @@
               <a:buNone/>
             </a:pPr>
             <a:r>
-              <a:rPr lang="en"/>
+              <a:rPr lang="en" dirty="0">
+                <a:latin typeface="Microsoft YaHei" panose="020B0503020204020204" pitchFamily="34" charset="-122"/>
+                <a:ea typeface="Microsoft YaHei" panose="020B0503020204020204" pitchFamily="34" charset="-122"/>
+              </a:rPr>
               <a:t>Project Methodology</a:t>
             </a:r>
-            <a:endParaRPr/>
+            <a:endParaRPr dirty="0">
+              <a:latin typeface="Microsoft YaHei" panose="020B0503020204020204" pitchFamily="34" charset="-122"/>
+              <a:ea typeface="Microsoft YaHei" panose="020B0503020204020204" pitchFamily="34" charset="-122"/>
+            </a:endParaRPr>
           </a:p>
         </p:txBody>
       </p:sp>
       <p:sp>
         <p:nvSpPr>
           <p:cNvPr id="112" name="Shape 112"/>
-          <p:cNvSpPr txBox="1"/>
+          <p:cNvSpPr txBox="1">
+            <a:spLocks noGrp="1"/>
+          </p:cNvSpPr>
           <p:nvPr>
-            <p:ph idx="1" type="body"/>
+            <p:ph type="body" idx="1"/>
           </p:nvPr>
         </p:nvSpPr>
         <p:spPr>
@@ -9148,12 +9390,12 @@
           </a:prstGeom>
         </p:spPr>
         <p:txBody>
-          <a:bodyPr anchorCtr="0" anchor="t" bIns="91425" lIns="91425" spcFirstLastPara="1" rIns="91425" wrap="square" tIns="91425">
+          <a:bodyPr spcFirstLastPara="1" wrap="square" lIns="91425" tIns="91425" rIns="91425" bIns="91425" anchor="t" anchorCtr="0">
             <a:noAutofit/>
           </a:bodyPr>
           <a:lstStyle/>
           <a:p>
-            <a:pPr indent="0" lvl="0" marL="0">
+            <a:pPr marL="0" lvl="0" indent="0">
               <a:spcBef>
                 <a:spcPts val="0"/>
               </a:spcBef>
@@ -9169,7 +9411,7 @@
             <a:endParaRPr/>
           </a:p>
           <a:p>
-            <a:pPr indent="0" lvl="0" marL="0">
+            <a:pPr marL="0" lvl="0" indent="0">
               <a:spcBef>
                 <a:spcPts val="1600"/>
               </a:spcBef>
@@ -9185,7 +9427,7 @@
             <a:endParaRPr/>
           </a:p>
           <a:p>
-            <a:pPr indent="-342900" lvl="0" marL="457200" rtl="0">
+            <a:pPr marL="457200" lvl="0" indent="-342900" rtl="0">
               <a:spcBef>
                 <a:spcPts val="1600"/>
               </a:spcBef>
@@ -9202,7 +9444,7 @@
             <a:endParaRPr/>
           </a:p>
           <a:p>
-            <a:pPr indent="-342900" lvl="0" marL="457200" rtl="0">
+            <a:pPr marL="457200" lvl="0" indent="-342900" rtl="0">
               <a:spcBef>
                 <a:spcPts val="0"/>
               </a:spcBef>
@@ -9219,7 +9461,7 @@
             <a:endParaRPr/>
           </a:p>
           <a:p>
-            <a:pPr indent="-342900" lvl="0" marL="457200" rtl="0">
+            <a:pPr marL="457200" lvl="0" indent="-342900" rtl="0">
               <a:spcBef>
                 <a:spcPts val="0"/>
               </a:spcBef>
@@ -9246,7 +9488,7 @@
 </file>
 
 <file path=ppt/theme/theme1.xml><?xml version="1.0" encoding="utf-8"?>
-<a:theme xmlns:a="http://schemas.openxmlformats.org/drawingml/2006/main" xmlns:r="http://schemas.openxmlformats.org/officeDocument/2006/relationships" name="Modern Writer">
+<a:theme xmlns:a="http://schemas.openxmlformats.org/drawingml/2006/main" name="Modern Writer">
   <a:themeElements>
     <a:clrScheme name="Modern Writer">
       <a:dk1>
@@ -9521,11 +9763,13 @@
       </a:bgFillStyleLst>
     </a:fmtScheme>
   </a:themeElements>
+  <a:objectDefaults/>
+  <a:extraClrSchemeLst/>
 </a:theme>
 </file>
 
 <file path=ppt/theme/theme2.xml><?xml version="1.0" encoding="utf-8"?>
-<a:theme xmlns:a="http://schemas.openxmlformats.org/drawingml/2006/main" xmlns:r="http://schemas.openxmlformats.org/officeDocument/2006/relationships">
+<a:theme xmlns:a="http://schemas.openxmlformats.org/drawingml/2006/main">
   <a:themeElements>
     <a:clrScheme name="Default">
       <a:dk1>
@@ -9800,5 +10044,7 @@
       </a:bgFillStyleLst>
     </a:fmtScheme>
   </a:themeElements>
+  <a:objectDefaults/>
+  <a:extraClrSchemeLst/>
 </a:theme>
 </file>